--- a/Water Lift.pptx
+++ b/Water Lift.pptx
@@ -5,11 +5,13 @@
     <p:sldMasterId id="2147483648" r:id="rId1"/>
   </p:sldMasterIdLst>
   <p:notesMasterIdLst>
-    <p:notesMasterId r:id="rId4"/>
+    <p:notesMasterId r:id="rId6"/>
   </p:notesMasterIdLst>
   <p:sldIdLst>
     <p:sldId id="257" r:id="rId2"/>
     <p:sldId id="256" r:id="rId3"/>
+    <p:sldId id="258" r:id="rId4"/>
+    <p:sldId id="259" r:id="rId5"/>
   </p:sldIdLst>
   <p:sldSz cx="12192000" cy="6858000"/>
   <p:notesSz cx="6858000" cy="9144000"/>
@@ -198,7 +200,7 @@
           <a:p>
             <a:fld id="{5BDBF0C8-BD07-4055-AFB2-CD72F0F961BA}" type="datetimeFigureOut">
               <a:rPr lang="en-US" smtClean="0"/>
-              <a:t>6/27/2019</a:t>
+              <a:t>7/10/2019</a:t>
             </a:fld>
             <a:endParaRPr lang="en-US"/>
           </a:p>
@@ -681,7 +683,7 @@
           <a:p>
             <a:fld id="{0BC08ED2-4D06-4F96-B1B8-64B30AEC7CF7}" type="datetimeFigureOut">
               <a:rPr lang="en-US" smtClean="0"/>
-              <a:t>6/27/2019</a:t>
+              <a:t>7/10/2019</a:t>
             </a:fld>
             <a:endParaRPr lang="en-US"/>
           </a:p>
@@ -851,7 +853,7 @@
           <a:p>
             <a:fld id="{0BC08ED2-4D06-4F96-B1B8-64B30AEC7CF7}" type="datetimeFigureOut">
               <a:rPr lang="en-US" smtClean="0"/>
-              <a:t>6/27/2019</a:t>
+              <a:t>7/10/2019</a:t>
             </a:fld>
             <a:endParaRPr lang="en-US"/>
           </a:p>
@@ -1031,7 +1033,7 @@
           <a:p>
             <a:fld id="{0BC08ED2-4D06-4F96-B1B8-64B30AEC7CF7}" type="datetimeFigureOut">
               <a:rPr lang="en-US" smtClean="0"/>
-              <a:t>6/27/2019</a:t>
+              <a:t>7/10/2019</a:t>
             </a:fld>
             <a:endParaRPr lang="en-US"/>
           </a:p>
@@ -1201,7 +1203,7 @@
           <a:p>
             <a:fld id="{0BC08ED2-4D06-4F96-B1B8-64B30AEC7CF7}" type="datetimeFigureOut">
               <a:rPr lang="en-US" smtClean="0"/>
-              <a:t>6/27/2019</a:t>
+              <a:t>7/10/2019</a:t>
             </a:fld>
             <a:endParaRPr lang="en-US"/>
           </a:p>
@@ -1447,7 +1449,7 @@
           <a:p>
             <a:fld id="{0BC08ED2-4D06-4F96-B1B8-64B30AEC7CF7}" type="datetimeFigureOut">
               <a:rPr lang="en-US" smtClean="0"/>
-              <a:t>6/27/2019</a:t>
+              <a:t>7/10/2019</a:t>
             </a:fld>
             <a:endParaRPr lang="en-US"/>
           </a:p>
@@ -1679,7 +1681,7 @@
           <a:p>
             <a:fld id="{0BC08ED2-4D06-4F96-B1B8-64B30AEC7CF7}" type="datetimeFigureOut">
               <a:rPr lang="en-US" smtClean="0"/>
-              <a:t>6/27/2019</a:t>
+              <a:t>7/10/2019</a:t>
             </a:fld>
             <a:endParaRPr lang="en-US"/>
           </a:p>
@@ -2046,7 +2048,7 @@
           <a:p>
             <a:fld id="{0BC08ED2-4D06-4F96-B1B8-64B30AEC7CF7}" type="datetimeFigureOut">
               <a:rPr lang="en-US" smtClean="0"/>
-              <a:t>6/27/2019</a:t>
+              <a:t>7/10/2019</a:t>
             </a:fld>
             <a:endParaRPr lang="en-US"/>
           </a:p>
@@ -2164,7 +2166,7 @@
           <a:p>
             <a:fld id="{0BC08ED2-4D06-4F96-B1B8-64B30AEC7CF7}" type="datetimeFigureOut">
               <a:rPr lang="en-US" smtClean="0"/>
-              <a:t>6/27/2019</a:t>
+              <a:t>7/10/2019</a:t>
             </a:fld>
             <a:endParaRPr lang="en-US"/>
           </a:p>
@@ -2259,7 +2261,7 @@
           <a:p>
             <a:fld id="{0BC08ED2-4D06-4F96-B1B8-64B30AEC7CF7}" type="datetimeFigureOut">
               <a:rPr lang="en-US" smtClean="0"/>
-              <a:t>6/27/2019</a:t>
+              <a:t>7/10/2019</a:t>
             </a:fld>
             <a:endParaRPr lang="en-US"/>
           </a:p>
@@ -2536,7 +2538,7 @@
           <a:p>
             <a:fld id="{0BC08ED2-4D06-4F96-B1B8-64B30AEC7CF7}" type="datetimeFigureOut">
               <a:rPr lang="en-US" smtClean="0"/>
-              <a:t>6/27/2019</a:t>
+              <a:t>7/10/2019</a:t>
             </a:fld>
             <a:endParaRPr lang="en-US"/>
           </a:p>
@@ -2789,7 +2791,7 @@
           <a:p>
             <a:fld id="{0BC08ED2-4D06-4F96-B1B8-64B30AEC7CF7}" type="datetimeFigureOut">
               <a:rPr lang="en-US" smtClean="0"/>
-              <a:t>6/27/2019</a:t>
+              <a:t>7/10/2019</a:t>
             </a:fld>
             <a:endParaRPr lang="en-US"/>
           </a:p>
@@ -3002,7 +3004,7 @@
           <a:p>
             <a:fld id="{0BC08ED2-4D06-4F96-B1B8-64B30AEC7CF7}" type="datetimeFigureOut">
               <a:rPr lang="en-US" smtClean="0"/>
-              <a:t>6/27/2019</a:t>
+              <a:t>7/10/2019</a:t>
             </a:fld>
             <a:endParaRPr lang="en-US"/>
           </a:p>
@@ -8618,6 +8620,3640 @@
     <p:extLst>
       <p:ext uri="{BB962C8B-B14F-4D97-AF65-F5344CB8AC3E}">
         <p14:creationId xmlns:p14="http://schemas.microsoft.com/office/powerpoint/2010/main" val="1593821281"/>
+      </p:ext>
+    </p:extLst>
+  </p:cSld>
+  <p:clrMapOvr>
+    <a:masterClrMapping/>
+  </p:clrMapOvr>
+  <p:timing>
+    <p:tnLst>
+      <p:par>
+        <p:cTn id="1" dur="indefinite" restart="never" nodeType="tmRoot"/>
+      </p:par>
+    </p:tnLst>
+  </p:timing>
+</p:sld>
+</file>
+
+<file path=ppt/slides/slide3.xml><?xml version="1.0" encoding="utf-8"?>
+<p:sld xmlns:a="http://schemas.openxmlformats.org/drawingml/2006/main" xmlns:r="http://schemas.openxmlformats.org/officeDocument/2006/relationships" xmlns:p="http://schemas.openxmlformats.org/presentationml/2006/main">
+  <p:cSld>
+    <p:spTree>
+      <p:nvGrpSpPr>
+        <p:cNvPr id="1" name=""/>
+        <p:cNvGrpSpPr/>
+        <p:nvPr/>
+      </p:nvGrpSpPr>
+      <p:grpSpPr>
+        <a:xfrm>
+          <a:off x="0" y="0"/>
+          <a:ext cx="0" cy="0"/>
+          <a:chOff x="0" y="0"/>
+          <a:chExt cx="0" cy="0"/>
+        </a:xfrm>
+      </p:grpSpPr>
+      <p:sp>
+        <p:nvSpPr>
+          <p:cNvPr id="2" name="Title 1"/>
+          <p:cNvSpPr>
+            <a:spLocks noGrp="1"/>
+          </p:cNvSpPr>
+          <p:nvPr>
+            <p:ph type="title"/>
+          </p:nvPr>
+        </p:nvSpPr>
+        <p:spPr/>
+        <p:txBody>
+          <a:bodyPr/>
+          <a:lstStyle/>
+          <a:p>
+            <a:r>
+              <a:rPr lang="en-US" smtClean="0"/>
+              <a:t>Queue implementation</a:t>
+            </a:r>
+            <a:endParaRPr lang="en-US"/>
+          </a:p>
+        </p:txBody>
+      </p:sp>
+      <p:sp>
+        <p:nvSpPr>
+          <p:cNvPr id="3" name="Content Placeholder 2"/>
+          <p:cNvSpPr>
+            <a:spLocks noGrp="1"/>
+          </p:cNvSpPr>
+          <p:nvPr>
+            <p:ph idx="1"/>
+          </p:nvPr>
+        </p:nvSpPr>
+        <p:spPr>
+          <a:xfrm>
+            <a:off x="321366" y="1428059"/>
+            <a:ext cx="3527066" cy="4351338"/>
+          </a:xfrm>
+        </p:spPr>
+        <p:txBody>
+          <a:bodyPr>
+            <a:normAutofit fontScale="70000" lnSpcReduction="20000"/>
+          </a:bodyPr>
+          <a:lstStyle/>
+          <a:p>
+            <a:r>
+              <a:rPr lang="en-US">
+                <a:hlinkClick r:id="rId2"/>
+              </a:rPr>
+              <a:t>https</a:t>
+            </a:r>
+            <a:r>
+              <a:rPr lang="en-US">
+                <a:hlinkClick r:id="rId2"/>
+              </a:rPr>
+              <a:t>://</a:t>
+            </a:r>
+            <a:r>
+              <a:rPr lang="en-US" smtClean="0">
+                <a:hlinkClick r:id="rId2"/>
+              </a:rPr>
+              <a:t>www.researchgate.net/post/What_is_the_queue_data_structure_in_R</a:t>
+            </a:r>
+            <a:endParaRPr lang="en-US" smtClean="0"/>
+          </a:p>
+          <a:p>
+            <a:r>
+              <a:rPr lang="en-US"/>
+              <a:t>&lt;code&gt;</a:t>
+            </a:r>
+          </a:p>
+          <a:p>
+            <a:r>
+              <a:rPr lang="en-US"/>
+              <a:t>{</a:t>
+            </a:r>
+          </a:p>
+          <a:p>
+            <a:r>
+              <a:rPr lang="en-US"/>
+              <a:t>new.queue &lt;- function() {</a:t>
+            </a:r>
+          </a:p>
+          <a:p>
+            <a:r>
+              <a:rPr lang="en-US"/>
+              <a:t>ret &lt;- new.env()</a:t>
+            </a:r>
+          </a:p>
+          <a:p>
+            <a:r>
+              <a:rPr lang="en-US"/>
+              <a:t>ret$front &lt;- new.env()</a:t>
+            </a:r>
+          </a:p>
+          <a:p>
+            <a:r>
+              <a:rPr lang="en-US"/>
+              <a:t>ret$front$q &lt;- NULL</a:t>
+            </a:r>
+          </a:p>
+          <a:p>
+            <a:r>
+              <a:rPr lang="en-US"/>
+              <a:t>ret$front$prev &lt;- NULL</a:t>
+            </a:r>
+          </a:p>
+          <a:p>
+            <a:r>
+              <a:rPr lang="en-US"/>
+              <a:t>ret$last &lt;- ret$front</a:t>
+            </a:r>
+          </a:p>
+          <a:p>
+            <a:r>
+              <a:rPr lang="en-US"/>
+              <a:t>return(ret)</a:t>
+            </a:r>
+          </a:p>
+          <a:p>
+            <a:r>
+              <a:rPr lang="en-US" smtClean="0"/>
+              <a:t>}</a:t>
+            </a:r>
+            <a:endParaRPr lang="en-US"/>
+          </a:p>
+        </p:txBody>
+      </p:sp>
+      <p:sp>
+        <p:nvSpPr>
+          <p:cNvPr id="4" name="Content Placeholder 2"/>
+          <p:cNvSpPr txBox="1">
+            <a:spLocks/>
+          </p:cNvSpPr>
+          <p:nvPr/>
+        </p:nvSpPr>
+        <p:spPr>
+          <a:xfrm>
+            <a:off x="3943847" y="1428059"/>
+            <a:ext cx="4098566" cy="4351338"/>
+          </a:xfrm>
+          <a:prstGeom prst="rect">
+            <a:avLst/>
+          </a:prstGeom>
+        </p:spPr>
+        <p:txBody>
+          <a:bodyPr vert="horz" lIns="91440" tIns="45720" rIns="91440" bIns="45720" rtlCol="0">
+            <a:noAutofit/>
+          </a:bodyPr>
+          <a:lstStyle>
+            <a:lvl1pPr marL="228600" indent="-228600" algn="l" defTabSz="914400" rtl="0" eaLnBrk="1" latinLnBrk="0" hangingPunct="1">
+              <a:lnSpc>
+                <a:spcPct val="90000"/>
+              </a:lnSpc>
+              <a:spcBef>
+                <a:spcPts val="1000"/>
+              </a:spcBef>
+              <a:buFont typeface="Arial" panose="020B0604020202020204" pitchFamily="34" charset="0"/>
+              <a:buChar char="•"/>
+              <a:defRPr sz="2800" kern="1200">
+                <a:solidFill>
+                  <a:schemeClr val="tx1"/>
+                </a:solidFill>
+                <a:latin typeface="+mn-lt"/>
+                <a:ea typeface="+mn-ea"/>
+                <a:cs typeface="+mn-cs"/>
+              </a:defRPr>
+            </a:lvl1pPr>
+            <a:lvl2pPr marL="685800" indent="-228600" algn="l" defTabSz="914400" rtl="0" eaLnBrk="1" latinLnBrk="0" hangingPunct="1">
+              <a:lnSpc>
+                <a:spcPct val="90000"/>
+              </a:lnSpc>
+              <a:spcBef>
+                <a:spcPts val="500"/>
+              </a:spcBef>
+              <a:buFont typeface="Arial" panose="020B0604020202020204" pitchFamily="34" charset="0"/>
+              <a:buChar char="•"/>
+              <a:defRPr sz="2400" kern="1200">
+                <a:solidFill>
+                  <a:schemeClr val="tx1"/>
+                </a:solidFill>
+                <a:latin typeface="+mn-lt"/>
+                <a:ea typeface="+mn-ea"/>
+                <a:cs typeface="+mn-cs"/>
+              </a:defRPr>
+            </a:lvl2pPr>
+            <a:lvl3pPr marL="1143000" indent="-228600" algn="l" defTabSz="914400" rtl="0" eaLnBrk="1" latinLnBrk="0" hangingPunct="1">
+              <a:lnSpc>
+                <a:spcPct val="90000"/>
+              </a:lnSpc>
+              <a:spcBef>
+                <a:spcPts val="500"/>
+              </a:spcBef>
+              <a:buFont typeface="Arial" panose="020B0604020202020204" pitchFamily="34" charset="0"/>
+              <a:buChar char="•"/>
+              <a:defRPr sz="2000" kern="1200">
+                <a:solidFill>
+                  <a:schemeClr val="tx1"/>
+                </a:solidFill>
+                <a:latin typeface="+mn-lt"/>
+                <a:ea typeface="+mn-ea"/>
+                <a:cs typeface="+mn-cs"/>
+              </a:defRPr>
+            </a:lvl3pPr>
+            <a:lvl4pPr marL="1600200" indent="-228600" algn="l" defTabSz="914400" rtl="0" eaLnBrk="1" latinLnBrk="0" hangingPunct="1">
+              <a:lnSpc>
+                <a:spcPct val="90000"/>
+              </a:lnSpc>
+              <a:spcBef>
+                <a:spcPts val="500"/>
+              </a:spcBef>
+              <a:buFont typeface="Arial" panose="020B0604020202020204" pitchFamily="34" charset="0"/>
+              <a:buChar char="•"/>
+              <a:defRPr sz="1800" kern="1200">
+                <a:solidFill>
+                  <a:schemeClr val="tx1"/>
+                </a:solidFill>
+                <a:latin typeface="+mn-lt"/>
+                <a:ea typeface="+mn-ea"/>
+                <a:cs typeface="+mn-cs"/>
+              </a:defRPr>
+            </a:lvl4pPr>
+            <a:lvl5pPr marL="2057400" indent="-228600" algn="l" defTabSz="914400" rtl="0" eaLnBrk="1" latinLnBrk="0" hangingPunct="1">
+              <a:lnSpc>
+                <a:spcPct val="90000"/>
+              </a:lnSpc>
+              <a:spcBef>
+                <a:spcPts val="500"/>
+              </a:spcBef>
+              <a:buFont typeface="Arial" panose="020B0604020202020204" pitchFamily="34" charset="0"/>
+              <a:buChar char="•"/>
+              <a:defRPr sz="1800" kern="1200">
+                <a:solidFill>
+                  <a:schemeClr val="tx1"/>
+                </a:solidFill>
+                <a:latin typeface="+mn-lt"/>
+                <a:ea typeface="+mn-ea"/>
+                <a:cs typeface="+mn-cs"/>
+              </a:defRPr>
+            </a:lvl5pPr>
+            <a:lvl6pPr marL="2514600" indent="-228600" algn="l" defTabSz="914400" rtl="0" eaLnBrk="1" latinLnBrk="0" hangingPunct="1">
+              <a:lnSpc>
+                <a:spcPct val="90000"/>
+              </a:lnSpc>
+              <a:spcBef>
+                <a:spcPts val="500"/>
+              </a:spcBef>
+              <a:buFont typeface="Arial" panose="020B0604020202020204" pitchFamily="34" charset="0"/>
+              <a:buChar char="•"/>
+              <a:defRPr sz="1800" kern="1200">
+                <a:solidFill>
+                  <a:schemeClr val="tx1"/>
+                </a:solidFill>
+                <a:latin typeface="+mn-lt"/>
+                <a:ea typeface="+mn-ea"/>
+                <a:cs typeface="+mn-cs"/>
+              </a:defRPr>
+            </a:lvl6pPr>
+            <a:lvl7pPr marL="2971800" indent="-228600" algn="l" defTabSz="914400" rtl="0" eaLnBrk="1" latinLnBrk="0" hangingPunct="1">
+              <a:lnSpc>
+                <a:spcPct val="90000"/>
+              </a:lnSpc>
+              <a:spcBef>
+                <a:spcPts val="500"/>
+              </a:spcBef>
+              <a:buFont typeface="Arial" panose="020B0604020202020204" pitchFamily="34" charset="0"/>
+              <a:buChar char="•"/>
+              <a:defRPr sz="1800" kern="1200">
+                <a:solidFill>
+                  <a:schemeClr val="tx1"/>
+                </a:solidFill>
+                <a:latin typeface="+mn-lt"/>
+                <a:ea typeface="+mn-ea"/>
+                <a:cs typeface="+mn-cs"/>
+              </a:defRPr>
+            </a:lvl7pPr>
+            <a:lvl8pPr marL="3429000" indent="-228600" algn="l" defTabSz="914400" rtl="0" eaLnBrk="1" latinLnBrk="0" hangingPunct="1">
+              <a:lnSpc>
+                <a:spcPct val="90000"/>
+              </a:lnSpc>
+              <a:spcBef>
+                <a:spcPts val="500"/>
+              </a:spcBef>
+              <a:buFont typeface="Arial" panose="020B0604020202020204" pitchFamily="34" charset="0"/>
+              <a:buChar char="•"/>
+              <a:defRPr sz="1800" kern="1200">
+                <a:solidFill>
+                  <a:schemeClr val="tx1"/>
+                </a:solidFill>
+                <a:latin typeface="+mn-lt"/>
+                <a:ea typeface="+mn-ea"/>
+                <a:cs typeface="+mn-cs"/>
+              </a:defRPr>
+            </a:lvl8pPr>
+            <a:lvl9pPr marL="3886200" indent="-228600" algn="l" defTabSz="914400" rtl="0" eaLnBrk="1" latinLnBrk="0" hangingPunct="1">
+              <a:lnSpc>
+                <a:spcPct val="90000"/>
+              </a:lnSpc>
+              <a:spcBef>
+                <a:spcPts val="500"/>
+              </a:spcBef>
+              <a:buFont typeface="Arial" panose="020B0604020202020204" pitchFamily="34" charset="0"/>
+              <a:buChar char="•"/>
+              <a:defRPr sz="1800" kern="1200">
+                <a:solidFill>
+                  <a:schemeClr val="tx1"/>
+                </a:solidFill>
+                <a:latin typeface="+mn-lt"/>
+                <a:ea typeface="+mn-ea"/>
+                <a:cs typeface="+mn-cs"/>
+              </a:defRPr>
+            </a:lvl9pPr>
+          </a:lstStyle>
+          <a:p>
+            <a:r>
+              <a:rPr lang="en-US" sz="1200" smtClean="0"/>
+              <a:t>## add to end of queue</a:t>
+            </a:r>
+          </a:p>
+          <a:p>
+            <a:r>
+              <a:rPr lang="en-US" sz="1200" smtClean="0"/>
+              <a:t>enqueue &lt;- function(queue, add){</a:t>
+            </a:r>
+          </a:p>
+          <a:p>
+            <a:r>
+              <a:rPr lang="en-US" sz="1200" smtClean="0"/>
+              <a:t>queue$last$q &lt;- new.env()</a:t>
+            </a:r>
+          </a:p>
+          <a:p>
+            <a:r>
+              <a:rPr lang="en-US" sz="1200" smtClean="0"/>
+              <a:t>queue$last$q$prev &lt;- queue$last</a:t>
+            </a:r>
+          </a:p>
+          <a:p>
+            <a:r>
+              <a:rPr lang="en-US" sz="1200" smtClean="0"/>
+              <a:t>queue$last &lt;- queue$last$q</a:t>
+            </a:r>
+          </a:p>
+          <a:p>
+            <a:r>
+              <a:rPr lang="en-US" sz="1200" smtClean="0"/>
+              <a:t>queue$last$val &lt;- add</a:t>
+            </a:r>
+          </a:p>
+          <a:p>
+            <a:r>
+              <a:rPr lang="en-US" sz="1200" smtClean="0"/>
+              <a:t>queue$last$q &lt;- NULL</a:t>
+            </a:r>
+          </a:p>
+          <a:p>
+            <a:r>
+              <a:rPr lang="en-US" sz="1200" smtClean="0"/>
+              <a:t>}</a:t>
+            </a:r>
+          </a:p>
+          <a:p>
+            <a:r>
+              <a:rPr lang="en-US" sz="1200" smtClean="0"/>
+              <a:t>## return front of queue and remove it</a:t>
+            </a:r>
+          </a:p>
+          <a:p>
+            <a:r>
+              <a:rPr lang="en-US" sz="1200" smtClean="0"/>
+              <a:t>dequeue &lt;- function(queue){</a:t>
+            </a:r>
+          </a:p>
+          <a:p>
+            <a:r>
+              <a:rPr lang="en-US" sz="1200" smtClean="0"/>
+              <a:t>if (is.empty(queue)) {</a:t>
+            </a:r>
+          </a:p>
+          <a:p>
+            <a:r>
+              <a:rPr lang="en-US" sz="1200" smtClean="0"/>
+              <a:t>stop("Attempting to take element from empty queue")</a:t>
+            </a:r>
+          </a:p>
+          <a:p>
+            <a:r>
+              <a:rPr lang="en-US" sz="1200" smtClean="0"/>
+              <a:t>}</a:t>
+            </a:r>
+          </a:p>
+          <a:p>
+            <a:r>
+              <a:rPr lang="en-US" sz="1200" smtClean="0"/>
+              <a:t>value &lt;- queue$front$q$val</a:t>
+            </a:r>
+          </a:p>
+          <a:p>
+            <a:r>
+              <a:rPr lang="en-US" sz="1200" smtClean="0"/>
+              <a:t>queue$front &lt;- queue$front$q</a:t>
+            </a:r>
+          </a:p>
+          <a:p>
+            <a:r>
+              <a:rPr lang="en-US" sz="1200" smtClean="0"/>
+              <a:t>queue$front$q$prev &lt;- NULL</a:t>
+            </a:r>
+          </a:p>
+          <a:p>
+            <a:r>
+              <a:rPr lang="en-US" sz="1200" smtClean="0"/>
+              <a:t>return(value)</a:t>
+            </a:r>
+          </a:p>
+          <a:p>
+            <a:r>
+              <a:rPr lang="en-US" sz="1200" smtClean="0"/>
+              <a:t>}</a:t>
+            </a:r>
+          </a:p>
+        </p:txBody>
+      </p:sp>
+      <p:sp>
+        <p:nvSpPr>
+          <p:cNvPr id="5" name="Content Placeholder 2"/>
+          <p:cNvSpPr txBox="1">
+            <a:spLocks/>
+          </p:cNvSpPr>
+          <p:nvPr/>
+        </p:nvSpPr>
+        <p:spPr>
+          <a:xfrm>
+            <a:off x="8425069" y="1428059"/>
+            <a:ext cx="3527066" cy="4351338"/>
+          </a:xfrm>
+          <a:prstGeom prst="rect">
+            <a:avLst/>
+          </a:prstGeom>
+        </p:spPr>
+        <p:txBody>
+          <a:bodyPr vert="horz" lIns="91440" tIns="45720" rIns="91440" bIns="45720" rtlCol="0">
+            <a:normAutofit fontScale="70000" lnSpcReduction="20000"/>
+          </a:bodyPr>
+          <a:lstStyle>
+            <a:lvl1pPr marL="228600" indent="-228600" algn="l" defTabSz="914400" rtl="0" eaLnBrk="1" latinLnBrk="0" hangingPunct="1">
+              <a:lnSpc>
+                <a:spcPct val="90000"/>
+              </a:lnSpc>
+              <a:spcBef>
+                <a:spcPts val="1000"/>
+              </a:spcBef>
+              <a:buFont typeface="Arial" panose="020B0604020202020204" pitchFamily="34" charset="0"/>
+              <a:buChar char="•"/>
+              <a:defRPr sz="2800" kern="1200">
+                <a:solidFill>
+                  <a:schemeClr val="tx1"/>
+                </a:solidFill>
+                <a:latin typeface="+mn-lt"/>
+                <a:ea typeface="+mn-ea"/>
+                <a:cs typeface="+mn-cs"/>
+              </a:defRPr>
+            </a:lvl1pPr>
+            <a:lvl2pPr marL="685800" indent="-228600" algn="l" defTabSz="914400" rtl="0" eaLnBrk="1" latinLnBrk="0" hangingPunct="1">
+              <a:lnSpc>
+                <a:spcPct val="90000"/>
+              </a:lnSpc>
+              <a:spcBef>
+                <a:spcPts val="500"/>
+              </a:spcBef>
+              <a:buFont typeface="Arial" panose="020B0604020202020204" pitchFamily="34" charset="0"/>
+              <a:buChar char="•"/>
+              <a:defRPr sz="2400" kern="1200">
+                <a:solidFill>
+                  <a:schemeClr val="tx1"/>
+                </a:solidFill>
+                <a:latin typeface="+mn-lt"/>
+                <a:ea typeface="+mn-ea"/>
+                <a:cs typeface="+mn-cs"/>
+              </a:defRPr>
+            </a:lvl2pPr>
+            <a:lvl3pPr marL="1143000" indent="-228600" algn="l" defTabSz="914400" rtl="0" eaLnBrk="1" latinLnBrk="0" hangingPunct="1">
+              <a:lnSpc>
+                <a:spcPct val="90000"/>
+              </a:lnSpc>
+              <a:spcBef>
+                <a:spcPts val="500"/>
+              </a:spcBef>
+              <a:buFont typeface="Arial" panose="020B0604020202020204" pitchFamily="34" charset="0"/>
+              <a:buChar char="•"/>
+              <a:defRPr sz="2000" kern="1200">
+                <a:solidFill>
+                  <a:schemeClr val="tx1"/>
+                </a:solidFill>
+                <a:latin typeface="+mn-lt"/>
+                <a:ea typeface="+mn-ea"/>
+                <a:cs typeface="+mn-cs"/>
+              </a:defRPr>
+            </a:lvl3pPr>
+            <a:lvl4pPr marL="1600200" indent="-228600" algn="l" defTabSz="914400" rtl="0" eaLnBrk="1" latinLnBrk="0" hangingPunct="1">
+              <a:lnSpc>
+                <a:spcPct val="90000"/>
+              </a:lnSpc>
+              <a:spcBef>
+                <a:spcPts val="500"/>
+              </a:spcBef>
+              <a:buFont typeface="Arial" panose="020B0604020202020204" pitchFamily="34" charset="0"/>
+              <a:buChar char="•"/>
+              <a:defRPr sz="1800" kern="1200">
+                <a:solidFill>
+                  <a:schemeClr val="tx1"/>
+                </a:solidFill>
+                <a:latin typeface="+mn-lt"/>
+                <a:ea typeface="+mn-ea"/>
+                <a:cs typeface="+mn-cs"/>
+              </a:defRPr>
+            </a:lvl4pPr>
+            <a:lvl5pPr marL="2057400" indent="-228600" algn="l" defTabSz="914400" rtl="0" eaLnBrk="1" latinLnBrk="0" hangingPunct="1">
+              <a:lnSpc>
+                <a:spcPct val="90000"/>
+              </a:lnSpc>
+              <a:spcBef>
+                <a:spcPts val="500"/>
+              </a:spcBef>
+              <a:buFont typeface="Arial" panose="020B0604020202020204" pitchFamily="34" charset="0"/>
+              <a:buChar char="•"/>
+              <a:defRPr sz="1800" kern="1200">
+                <a:solidFill>
+                  <a:schemeClr val="tx1"/>
+                </a:solidFill>
+                <a:latin typeface="+mn-lt"/>
+                <a:ea typeface="+mn-ea"/>
+                <a:cs typeface="+mn-cs"/>
+              </a:defRPr>
+            </a:lvl5pPr>
+            <a:lvl6pPr marL="2514600" indent="-228600" algn="l" defTabSz="914400" rtl="0" eaLnBrk="1" latinLnBrk="0" hangingPunct="1">
+              <a:lnSpc>
+                <a:spcPct val="90000"/>
+              </a:lnSpc>
+              <a:spcBef>
+                <a:spcPts val="500"/>
+              </a:spcBef>
+              <a:buFont typeface="Arial" panose="020B0604020202020204" pitchFamily="34" charset="0"/>
+              <a:buChar char="•"/>
+              <a:defRPr sz="1800" kern="1200">
+                <a:solidFill>
+                  <a:schemeClr val="tx1"/>
+                </a:solidFill>
+                <a:latin typeface="+mn-lt"/>
+                <a:ea typeface="+mn-ea"/>
+                <a:cs typeface="+mn-cs"/>
+              </a:defRPr>
+            </a:lvl6pPr>
+            <a:lvl7pPr marL="2971800" indent="-228600" algn="l" defTabSz="914400" rtl="0" eaLnBrk="1" latinLnBrk="0" hangingPunct="1">
+              <a:lnSpc>
+                <a:spcPct val="90000"/>
+              </a:lnSpc>
+              <a:spcBef>
+                <a:spcPts val="500"/>
+              </a:spcBef>
+              <a:buFont typeface="Arial" panose="020B0604020202020204" pitchFamily="34" charset="0"/>
+              <a:buChar char="•"/>
+              <a:defRPr sz="1800" kern="1200">
+                <a:solidFill>
+                  <a:schemeClr val="tx1"/>
+                </a:solidFill>
+                <a:latin typeface="+mn-lt"/>
+                <a:ea typeface="+mn-ea"/>
+                <a:cs typeface="+mn-cs"/>
+              </a:defRPr>
+            </a:lvl7pPr>
+            <a:lvl8pPr marL="3429000" indent="-228600" algn="l" defTabSz="914400" rtl="0" eaLnBrk="1" latinLnBrk="0" hangingPunct="1">
+              <a:lnSpc>
+                <a:spcPct val="90000"/>
+              </a:lnSpc>
+              <a:spcBef>
+                <a:spcPts val="500"/>
+              </a:spcBef>
+              <a:buFont typeface="Arial" panose="020B0604020202020204" pitchFamily="34" charset="0"/>
+              <a:buChar char="•"/>
+              <a:defRPr sz="1800" kern="1200">
+                <a:solidFill>
+                  <a:schemeClr val="tx1"/>
+                </a:solidFill>
+                <a:latin typeface="+mn-lt"/>
+                <a:ea typeface="+mn-ea"/>
+                <a:cs typeface="+mn-cs"/>
+              </a:defRPr>
+            </a:lvl8pPr>
+            <a:lvl9pPr marL="3886200" indent="-228600" algn="l" defTabSz="914400" rtl="0" eaLnBrk="1" latinLnBrk="0" hangingPunct="1">
+              <a:lnSpc>
+                <a:spcPct val="90000"/>
+              </a:lnSpc>
+              <a:spcBef>
+                <a:spcPts val="500"/>
+              </a:spcBef>
+              <a:buFont typeface="Arial" panose="020B0604020202020204" pitchFamily="34" charset="0"/>
+              <a:buChar char="•"/>
+              <a:defRPr sz="1800" kern="1200">
+                <a:solidFill>
+                  <a:schemeClr val="tx1"/>
+                </a:solidFill>
+                <a:latin typeface="+mn-lt"/>
+                <a:ea typeface="+mn-ea"/>
+                <a:cs typeface="+mn-cs"/>
+              </a:defRPr>
+            </a:lvl9pPr>
+          </a:lstStyle>
+          <a:p>
+            <a:r>
+              <a:rPr lang="en-US" smtClean="0"/>
+              <a:t>is.empty &lt;- function(queue){</a:t>
+            </a:r>
+          </a:p>
+          <a:p>
+            <a:r>
+              <a:rPr lang="en-US" smtClean="0"/>
+              <a:t>return(is.null(queue$front$q))</a:t>
+            </a:r>
+          </a:p>
+          <a:p>
+            <a:r>
+              <a:rPr lang="en-US" smtClean="0"/>
+              <a:t>}</a:t>
+            </a:r>
+          </a:p>
+          <a:p>
+            <a:r>
+              <a:rPr lang="en-US"/>
+              <a:t> </a:t>
+            </a:r>
+            <a:endParaRPr lang="en-US" smtClean="0"/>
+          </a:p>
+          <a:p>
+            <a:r>
+              <a:rPr lang="en-US" smtClean="0"/>
+              <a:t>N = 10</a:t>
+            </a:r>
+          </a:p>
+          <a:p>
+            <a:r>
+              <a:rPr lang="en-US" smtClean="0"/>
+              <a:t>qq &lt;- new.queue()</a:t>
+            </a:r>
+          </a:p>
+          <a:p>
+            <a:r>
+              <a:rPr lang="en-US" smtClean="0"/>
+              <a:t>for(i in 1:N){</a:t>
+            </a:r>
+          </a:p>
+          <a:p>
+            <a:r>
+              <a:rPr lang="en-US" smtClean="0"/>
+              <a:t>enqueue(qq,i)</a:t>
+            </a:r>
+          </a:p>
+          <a:p>
+            <a:r>
+              <a:rPr lang="en-US" smtClean="0"/>
+              <a:t>}</a:t>
+            </a:r>
+          </a:p>
+          <a:p>
+            <a:r>
+              <a:rPr lang="en-US" smtClean="0"/>
+              <a:t>while (! is.empty(qq)) {</a:t>
+            </a:r>
+          </a:p>
+          <a:p>
+            <a:r>
+              <a:rPr lang="en-US" smtClean="0"/>
+              <a:t>print(dequeue(qq))</a:t>
+            </a:r>
+          </a:p>
+          <a:p>
+            <a:r>
+              <a:rPr lang="en-US" smtClean="0"/>
+              <a:t>}</a:t>
+            </a:r>
+          </a:p>
+          <a:p>
+            <a:endParaRPr lang="en-US"/>
+          </a:p>
+        </p:txBody>
+      </p:sp>
+    </p:spTree>
+    <p:extLst>
+      <p:ext uri="{BB962C8B-B14F-4D97-AF65-F5344CB8AC3E}">
+        <p14:creationId xmlns:p14="http://schemas.microsoft.com/office/powerpoint/2010/main" val="707353673"/>
+      </p:ext>
+    </p:extLst>
+  </p:cSld>
+  <p:clrMapOvr>
+    <a:masterClrMapping/>
+  </p:clrMapOvr>
+  <p:timing>
+    <p:tnLst>
+      <p:par>
+        <p:cTn id="1" dur="indefinite" restart="never" nodeType="tmRoot"/>
+      </p:par>
+    </p:tnLst>
+  </p:timing>
+</p:sld>
+</file>
+
+<file path=ppt/slides/slide4.xml><?xml version="1.0" encoding="utf-8"?>
+<p:sld xmlns:a="http://schemas.openxmlformats.org/drawingml/2006/main" xmlns:r="http://schemas.openxmlformats.org/officeDocument/2006/relationships" xmlns:p="http://schemas.openxmlformats.org/presentationml/2006/main">
+  <p:cSld>
+    <p:spTree>
+      <p:nvGrpSpPr>
+        <p:cNvPr id="1" name=""/>
+        <p:cNvGrpSpPr/>
+        <p:nvPr/>
+      </p:nvGrpSpPr>
+      <p:grpSpPr>
+        <a:xfrm>
+          <a:off x="0" y="0"/>
+          <a:ext cx="0" cy="0"/>
+          <a:chOff x="0" y="0"/>
+          <a:chExt cx="0" cy="0"/>
+        </a:xfrm>
+      </p:grpSpPr>
+      <p:sp>
+        <p:nvSpPr>
+          <p:cNvPr id="4" name="TextBox 3"/>
+          <p:cNvSpPr txBox="1"/>
+          <p:nvPr/>
+        </p:nvSpPr>
+        <p:spPr>
+          <a:xfrm>
+            <a:off x="111318" y="144085"/>
+            <a:ext cx="844014" cy="214239"/>
+          </a:xfrm>
+          <a:prstGeom prst="rect">
+            <a:avLst/>
+          </a:prstGeom>
+          <a:noFill/>
+        </p:spPr>
+        <p:txBody>
+          <a:bodyPr wrap="none" rtlCol="0">
+            <a:spAutoFit/>
+          </a:bodyPr>
+          <a:lstStyle/>
+          <a:p>
+            <a:r>
+              <a:rPr lang="en-US" smtClean="0"/>
+              <a:t>.</a:t>
+            </a:r>
+            <a:r>
+              <a:rPr lang="en-US" smtClean="0">
+                <a:solidFill>
+                  <a:schemeClr val="accent1">
+                    <a:lumMod val="50000"/>
+                  </a:schemeClr>
+                </a:solidFill>
+              </a:rPr>
+              <a:t>Global</a:t>
+            </a:r>
+            <a:endParaRPr lang="en-US">
+              <a:solidFill>
+                <a:schemeClr val="accent1">
+                  <a:lumMod val="50000"/>
+                </a:schemeClr>
+              </a:solidFill>
+            </a:endParaRPr>
+          </a:p>
+        </p:txBody>
+      </p:sp>
+      <p:sp>
+        <p:nvSpPr>
+          <p:cNvPr id="5" name="Rectangle 4"/>
+          <p:cNvSpPr/>
+          <p:nvPr/>
+        </p:nvSpPr>
+        <p:spPr>
+          <a:xfrm>
+            <a:off x="955332" y="79513"/>
+            <a:ext cx="7576418" cy="770258"/>
+          </a:xfrm>
+          <a:prstGeom prst="rect">
+            <a:avLst/>
+          </a:prstGeom>
+          <a:noFill/>
+          <a:ln>
+            <a:solidFill>
+              <a:schemeClr val="accent1">
+                <a:lumMod val="50000"/>
+              </a:schemeClr>
+            </a:solidFill>
+          </a:ln>
+        </p:spPr>
+        <p:style>
+          <a:lnRef idx="2">
+            <a:schemeClr val="accent1">
+              <a:shade val="50000"/>
+            </a:schemeClr>
+          </a:lnRef>
+          <a:fillRef idx="1">
+            <a:schemeClr val="accent1"/>
+          </a:fillRef>
+          <a:effectRef idx="0">
+            <a:schemeClr val="accent1"/>
+          </a:effectRef>
+          <a:fontRef idx="minor">
+            <a:schemeClr val="lt1"/>
+          </a:fontRef>
+        </p:style>
+        <p:txBody>
+          <a:bodyPr rtlCol="0" anchor="ctr"/>
+          <a:lstStyle/>
+          <a:p>
+            <a:pPr algn="ctr"/>
+            <a:endParaRPr lang="en-US"/>
+          </a:p>
+        </p:txBody>
+      </p:sp>
+      <p:sp>
+        <p:nvSpPr>
+          <p:cNvPr id="6" name="Rectangle 5"/>
+          <p:cNvSpPr/>
+          <p:nvPr/>
+        </p:nvSpPr>
+        <p:spPr>
+          <a:xfrm>
+            <a:off x="1494846" y="204046"/>
+            <a:ext cx="1057524" cy="415109"/>
+          </a:xfrm>
+          <a:prstGeom prst="rect">
+            <a:avLst/>
+          </a:prstGeom>
+          <a:noFill/>
+          <a:ln>
+            <a:solidFill>
+              <a:schemeClr val="accent1">
+                <a:lumMod val="50000"/>
+              </a:schemeClr>
+            </a:solidFill>
+          </a:ln>
+        </p:spPr>
+        <p:style>
+          <a:lnRef idx="2">
+            <a:schemeClr val="accent1">
+              <a:shade val="50000"/>
+            </a:schemeClr>
+          </a:lnRef>
+          <a:fillRef idx="1">
+            <a:schemeClr val="accent1"/>
+          </a:fillRef>
+          <a:effectRef idx="0">
+            <a:schemeClr val="accent1"/>
+          </a:effectRef>
+          <a:fontRef idx="minor">
+            <a:schemeClr val="lt1"/>
+          </a:fontRef>
+        </p:style>
+        <p:txBody>
+          <a:bodyPr rtlCol="0" anchor="ctr"/>
+          <a:lstStyle/>
+          <a:p>
+            <a:pPr algn="ctr"/>
+            <a:r>
+              <a:rPr lang="en-US" smtClean="0">
+                <a:solidFill>
+                  <a:schemeClr val="accent1">
+                    <a:lumMod val="50000"/>
+                  </a:schemeClr>
+                </a:solidFill>
+              </a:rPr>
+              <a:t>qq</a:t>
+            </a:r>
+            <a:endParaRPr lang="en-US">
+              <a:solidFill>
+                <a:schemeClr val="accent1">
+                  <a:lumMod val="50000"/>
+                </a:schemeClr>
+              </a:solidFill>
+            </a:endParaRPr>
+          </a:p>
+        </p:txBody>
+      </p:sp>
+      <p:sp>
+        <p:nvSpPr>
+          <p:cNvPr id="7" name="TextBox 6"/>
+          <p:cNvSpPr txBox="1"/>
+          <p:nvPr/>
+        </p:nvSpPr>
+        <p:spPr>
+          <a:xfrm>
+            <a:off x="111318" y="1038876"/>
+            <a:ext cx="417102" cy="214239"/>
+          </a:xfrm>
+          <a:prstGeom prst="rect">
+            <a:avLst/>
+          </a:prstGeom>
+          <a:noFill/>
+        </p:spPr>
+        <p:txBody>
+          <a:bodyPr wrap="none" rtlCol="0">
+            <a:spAutoFit/>
+          </a:bodyPr>
+          <a:lstStyle/>
+          <a:p>
+            <a:r>
+              <a:rPr lang="en-US" smtClean="0">
+                <a:solidFill>
+                  <a:schemeClr val="accent1">
+                    <a:lumMod val="50000"/>
+                  </a:schemeClr>
+                </a:solidFill>
+              </a:rPr>
+              <a:t>e1</a:t>
+            </a:r>
+            <a:endParaRPr lang="en-US">
+              <a:solidFill>
+                <a:schemeClr val="accent1">
+                  <a:lumMod val="50000"/>
+                </a:schemeClr>
+              </a:solidFill>
+            </a:endParaRPr>
+          </a:p>
+        </p:txBody>
+      </p:sp>
+      <p:sp>
+        <p:nvSpPr>
+          <p:cNvPr id="8" name="Rectangle 7"/>
+          <p:cNvSpPr/>
+          <p:nvPr/>
+        </p:nvSpPr>
+        <p:spPr>
+          <a:xfrm>
+            <a:off x="955332" y="974304"/>
+            <a:ext cx="7576418" cy="770258"/>
+          </a:xfrm>
+          <a:prstGeom prst="rect">
+            <a:avLst/>
+          </a:prstGeom>
+          <a:noFill/>
+          <a:ln>
+            <a:solidFill>
+              <a:schemeClr val="accent1">
+                <a:lumMod val="50000"/>
+              </a:schemeClr>
+            </a:solidFill>
+          </a:ln>
+        </p:spPr>
+        <p:style>
+          <a:lnRef idx="2">
+            <a:schemeClr val="accent1">
+              <a:shade val="50000"/>
+            </a:schemeClr>
+          </a:lnRef>
+          <a:fillRef idx="1">
+            <a:schemeClr val="accent1"/>
+          </a:fillRef>
+          <a:effectRef idx="0">
+            <a:schemeClr val="accent1"/>
+          </a:effectRef>
+          <a:fontRef idx="minor">
+            <a:schemeClr val="lt1"/>
+          </a:fontRef>
+        </p:style>
+        <p:txBody>
+          <a:bodyPr rtlCol="0" anchor="ctr"/>
+          <a:lstStyle/>
+          <a:p>
+            <a:pPr algn="ctr"/>
+            <a:endParaRPr lang="en-US"/>
+          </a:p>
+        </p:txBody>
+      </p:sp>
+      <p:sp>
+        <p:nvSpPr>
+          <p:cNvPr id="9" name="Rectangle 8"/>
+          <p:cNvSpPr/>
+          <p:nvPr/>
+        </p:nvSpPr>
+        <p:spPr>
+          <a:xfrm>
+            <a:off x="1494846" y="1098837"/>
+            <a:ext cx="1057524" cy="415109"/>
+          </a:xfrm>
+          <a:prstGeom prst="rect">
+            <a:avLst/>
+          </a:prstGeom>
+          <a:noFill/>
+          <a:ln>
+            <a:solidFill>
+              <a:schemeClr val="accent1">
+                <a:lumMod val="50000"/>
+              </a:schemeClr>
+            </a:solidFill>
+          </a:ln>
+        </p:spPr>
+        <p:style>
+          <a:lnRef idx="2">
+            <a:schemeClr val="accent1">
+              <a:shade val="50000"/>
+            </a:schemeClr>
+          </a:lnRef>
+          <a:fillRef idx="1">
+            <a:schemeClr val="accent1"/>
+          </a:fillRef>
+          <a:effectRef idx="0">
+            <a:schemeClr val="accent1"/>
+          </a:effectRef>
+          <a:fontRef idx="minor">
+            <a:schemeClr val="lt1"/>
+          </a:fontRef>
+        </p:style>
+        <p:txBody>
+          <a:bodyPr rtlCol="0" anchor="ctr"/>
+          <a:lstStyle/>
+          <a:p>
+            <a:pPr algn="ctr"/>
+            <a:r>
+              <a:rPr lang="en-US" smtClean="0">
+                <a:solidFill>
+                  <a:schemeClr val="accent1">
+                    <a:lumMod val="50000"/>
+                  </a:schemeClr>
+                </a:solidFill>
+              </a:rPr>
+              <a:t>front</a:t>
+            </a:r>
+            <a:endParaRPr lang="en-US">
+              <a:solidFill>
+                <a:schemeClr val="accent1">
+                  <a:lumMod val="50000"/>
+                </a:schemeClr>
+              </a:solidFill>
+            </a:endParaRPr>
+          </a:p>
+        </p:txBody>
+      </p:sp>
+      <p:sp>
+        <p:nvSpPr>
+          <p:cNvPr id="10" name="Rectangle 9"/>
+          <p:cNvSpPr/>
+          <p:nvPr/>
+        </p:nvSpPr>
+        <p:spPr>
+          <a:xfrm>
+            <a:off x="3261361" y="1115781"/>
+            <a:ext cx="1057524" cy="415109"/>
+          </a:xfrm>
+          <a:prstGeom prst="rect">
+            <a:avLst/>
+          </a:prstGeom>
+          <a:noFill/>
+          <a:ln>
+            <a:solidFill>
+              <a:schemeClr val="accent1">
+                <a:lumMod val="50000"/>
+              </a:schemeClr>
+            </a:solidFill>
+          </a:ln>
+        </p:spPr>
+        <p:style>
+          <a:lnRef idx="2">
+            <a:schemeClr val="accent1">
+              <a:shade val="50000"/>
+            </a:schemeClr>
+          </a:lnRef>
+          <a:fillRef idx="1">
+            <a:schemeClr val="accent1"/>
+          </a:fillRef>
+          <a:effectRef idx="0">
+            <a:schemeClr val="accent1"/>
+          </a:effectRef>
+          <a:fontRef idx="minor">
+            <a:schemeClr val="lt1"/>
+          </a:fontRef>
+        </p:style>
+        <p:txBody>
+          <a:bodyPr rtlCol="0" anchor="ctr"/>
+          <a:lstStyle/>
+          <a:p>
+            <a:pPr algn="ctr"/>
+            <a:r>
+              <a:rPr lang="en-US" smtClean="0">
+                <a:solidFill>
+                  <a:schemeClr val="accent1">
+                    <a:lumMod val="50000"/>
+                  </a:schemeClr>
+                </a:solidFill>
+              </a:rPr>
+              <a:t>last</a:t>
+            </a:r>
+            <a:endParaRPr lang="en-US">
+              <a:solidFill>
+                <a:schemeClr val="accent1">
+                  <a:lumMod val="50000"/>
+                </a:schemeClr>
+              </a:solidFill>
+            </a:endParaRPr>
+          </a:p>
+        </p:txBody>
+      </p:sp>
+      <p:sp>
+        <p:nvSpPr>
+          <p:cNvPr id="11" name="TextBox 10"/>
+          <p:cNvSpPr txBox="1"/>
+          <p:nvPr/>
+        </p:nvSpPr>
+        <p:spPr>
+          <a:xfrm>
+            <a:off x="2489763" y="1406827"/>
+            <a:ext cx="417102" cy="214239"/>
+          </a:xfrm>
+          <a:prstGeom prst="rect">
+            <a:avLst/>
+          </a:prstGeom>
+          <a:noFill/>
+        </p:spPr>
+        <p:txBody>
+          <a:bodyPr wrap="none" rtlCol="0">
+            <a:spAutoFit/>
+          </a:bodyPr>
+          <a:lstStyle/>
+          <a:p>
+            <a:r>
+              <a:rPr lang="en-US" smtClean="0">
+                <a:solidFill>
+                  <a:schemeClr val="accent1">
+                    <a:lumMod val="50000"/>
+                  </a:schemeClr>
+                </a:solidFill>
+              </a:rPr>
+              <a:t>e2</a:t>
+            </a:r>
+            <a:endParaRPr lang="en-US">
+              <a:solidFill>
+                <a:schemeClr val="accent1">
+                  <a:lumMod val="50000"/>
+                </a:schemeClr>
+              </a:solidFill>
+            </a:endParaRPr>
+          </a:p>
+        </p:txBody>
+      </p:sp>
+      <p:sp>
+        <p:nvSpPr>
+          <p:cNvPr id="12" name="TextBox 11"/>
+          <p:cNvSpPr txBox="1"/>
+          <p:nvPr/>
+        </p:nvSpPr>
+        <p:spPr>
+          <a:xfrm>
+            <a:off x="111318" y="1965953"/>
+            <a:ext cx="417102" cy="214239"/>
+          </a:xfrm>
+          <a:prstGeom prst="rect">
+            <a:avLst/>
+          </a:prstGeom>
+          <a:noFill/>
+        </p:spPr>
+        <p:txBody>
+          <a:bodyPr wrap="none" rtlCol="0">
+            <a:spAutoFit/>
+          </a:bodyPr>
+          <a:lstStyle/>
+          <a:p>
+            <a:r>
+              <a:rPr lang="en-US" smtClean="0">
+                <a:solidFill>
+                  <a:schemeClr val="accent1">
+                    <a:lumMod val="50000"/>
+                  </a:schemeClr>
+                </a:solidFill>
+              </a:rPr>
+              <a:t>e2</a:t>
+            </a:r>
+            <a:endParaRPr lang="en-US">
+              <a:solidFill>
+                <a:schemeClr val="accent1">
+                  <a:lumMod val="50000"/>
+                </a:schemeClr>
+              </a:solidFill>
+            </a:endParaRPr>
+          </a:p>
+        </p:txBody>
+      </p:sp>
+      <p:sp>
+        <p:nvSpPr>
+          <p:cNvPr id="13" name="Rectangle 12"/>
+          <p:cNvSpPr/>
+          <p:nvPr/>
+        </p:nvSpPr>
+        <p:spPr>
+          <a:xfrm>
+            <a:off x="955332" y="1901380"/>
+            <a:ext cx="7576418" cy="770258"/>
+          </a:xfrm>
+          <a:prstGeom prst="rect">
+            <a:avLst/>
+          </a:prstGeom>
+          <a:noFill/>
+          <a:ln>
+            <a:solidFill>
+              <a:schemeClr val="accent1">
+                <a:lumMod val="50000"/>
+              </a:schemeClr>
+            </a:solidFill>
+          </a:ln>
+        </p:spPr>
+        <p:style>
+          <a:lnRef idx="2">
+            <a:schemeClr val="accent1">
+              <a:shade val="50000"/>
+            </a:schemeClr>
+          </a:lnRef>
+          <a:fillRef idx="1">
+            <a:schemeClr val="accent1"/>
+          </a:fillRef>
+          <a:effectRef idx="0">
+            <a:schemeClr val="accent1"/>
+          </a:effectRef>
+          <a:fontRef idx="minor">
+            <a:schemeClr val="lt1"/>
+          </a:fontRef>
+        </p:style>
+        <p:txBody>
+          <a:bodyPr rtlCol="0" anchor="ctr"/>
+          <a:lstStyle/>
+          <a:p>
+            <a:pPr algn="ctr"/>
+            <a:endParaRPr lang="en-US"/>
+          </a:p>
+        </p:txBody>
+      </p:sp>
+      <p:sp>
+        <p:nvSpPr>
+          <p:cNvPr id="14" name="Rectangle 13"/>
+          <p:cNvSpPr/>
+          <p:nvPr/>
+        </p:nvSpPr>
+        <p:spPr>
+          <a:xfrm>
+            <a:off x="1494846" y="2025913"/>
+            <a:ext cx="1057524" cy="415109"/>
+          </a:xfrm>
+          <a:prstGeom prst="rect">
+            <a:avLst/>
+          </a:prstGeom>
+          <a:noFill/>
+          <a:ln>
+            <a:solidFill>
+              <a:schemeClr val="accent1">
+                <a:lumMod val="50000"/>
+              </a:schemeClr>
+            </a:solidFill>
+          </a:ln>
+        </p:spPr>
+        <p:style>
+          <a:lnRef idx="2">
+            <a:schemeClr val="accent1">
+              <a:shade val="50000"/>
+            </a:schemeClr>
+          </a:lnRef>
+          <a:fillRef idx="1">
+            <a:schemeClr val="accent1"/>
+          </a:fillRef>
+          <a:effectRef idx="0">
+            <a:schemeClr val="accent1"/>
+          </a:effectRef>
+          <a:fontRef idx="minor">
+            <a:schemeClr val="lt1"/>
+          </a:fontRef>
+        </p:style>
+        <p:txBody>
+          <a:bodyPr rtlCol="0" anchor="ctr"/>
+          <a:lstStyle/>
+          <a:p>
+            <a:pPr algn="ctr"/>
+            <a:r>
+              <a:rPr lang="en-US" smtClean="0">
+                <a:solidFill>
+                  <a:schemeClr val="accent1">
+                    <a:lumMod val="50000"/>
+                  </a:schemeClr>
+                </a:solidFill>
+              </a:rPr>
+              <a:t>prev</a:t>
+            </a:r>
+            <a:endParaRPr lang="en-US">
+              <a:solidFill>
+                <a:schemeClr val="accent1">
+                  <a:lumMod val="50000"/>
+                </a:schemeClr>
+              </a:solidFill>
+            </a:endParaRPr>
+          </a:p>
+        </p:txBody>
+      </p:sp>
+      <p:sp>
+        <p:nvSpPr>
+          <p:cNvPr id="15" name="Rectangle 14"/>
+          <p:cNvSpPr/>
+          <p:nvPr/>
+        </p:nvSpPr>
+        <p:spPr>
+          <a:xfrm>
+            <a:off x="3261361" y="2042857"/>
+            <a:ext cx="1057524" cy="415109"/>
+          </a:xfrm>
+          <a:prstGeom prst="rect">
+            <a:avLst/>
+          </a:prstGeom>
+          <a:noFill/>
+          <a:ln>
+            <a:solidFill>
+              <a:schemeClr val="accent1">
+                <a:lumMod val="50000"/>
+              </a:schemeClr>
+            </a:solidFill>
+          </a:ln>
+        </p:spPr>
+        <p:style>
+          <a:lnRef idx="2">
+            <a:schemeClr val="accent1">
+              <a:shade val="50000"/>
+            </a:schemeClr>
+          </a:lnRef>
+          <a:fillRef idx="1">
+            <a:schemeClr val="accent1"/>
+          </a:fillRef>
+          <a:effectRef idx="0">
+            <a:schemeClr val="accent1"/>
+          </a:effectRef>
+          <a:fontRef idx="minor">
+            <a:schemeClr val="lt1"/>
+          </a:fontRef>
+        </p:style>
+        <p:txBody>
+          <a:bodyPr rtlCol="0" anchor="ctr"/>
+          <a:lstStyle/>
+          <a:p>
+            <a:pPr algn="ctr"/>
+            <a:r>
+              <a:rPr lang="en-US" smtClean="0">
+                <a:solidFill>
+                  <a:schemeClr val="accent1">
+                    <a:lumMod val="50000"/>
+                  </a:schemeClr>
+                </a:solidFill>
+              </a:rPr>
+              <a:t>q</a:t>
+            </a:r>
+            <a:endParaRPr lang="en-US">
+              <a:solidFill>
+                <a:schemeClr val="accent1">
+                  <a:lumMod val="50000"/>
+                </a:schemeClr>
+              </a:solidFill>
+            </a:endParaRPr>
+          </a:p>
+        </p:txBody>
+      </p:sp>
+      <p:sp>
+        <p:nvSpPr>
+          <p:cNvPr id="16" name="TextBox 15"/>
+          <p:cNvSpPr txBox="1"/>
+          <p:nvPr/>
+        </p:nvSpPr>
+        <p:spPr>
+          <a:xfrm>
+            <a:off x="2489763" y="2333903"/>
+            <a:ext cx="534121" cy="369332"/>
+          </a:xfrm>
+          <a:prstGeom prst="rect">
+            <a:avLst/>
+          </a:prstGeom>
+          <a:noFill/>
+        </p:spPr>
+        <p:txBody>
+          <a:bodyPr wrap="none" rtlCol="0">
+            <a:spAutoFit/>
+          </a:bodyPr>
+          <a:lstStyle/>
+          <a:p>
+            <a:r>
+              <a:rPr lang="en-US" smtClean="0">
+                <a:solidFill>
+                  <a:schemeClr val="accent1">
+                    <a:lumMod val="50000"/>
+                  </a:schemeClr>
+                </a:solidFill>
+              </a:rPr>
+              <a:t>null</a:t>
+            </a:r>
+            <a:endParaRPr lang="en-US">
+              <a:solidFill>
+                <a:schemeClr val="accent1">
+                  <a:lumMod val="50000"/>
+                </a:schemeClr>
+              </a:solidFill>
+            </a:endParaRPr>
+          </a:p>
+        </p:txBody>
+      </p:sp>
+      <p:sp>
+        <p:nvSpPr>
+          <p:cNvPr id="18" name="TextBox 17"/>
+          <p:cNvSpPr txBox="1"/>
+          <p:nvPr/>
+        </p:nvSpPr>
+        <p:spPr>
+          <a:xfrm>
+            <a:off x="4318885" y="2318105"/>
+            <a:ext cx="534121" cy="369332"/>
+          </a:xfrm>
+          <a:prstGeom prst="rect">
+            <a:avLst/>
+          </a:prstGeom>
+          <a:noFill/>
+        </p:spPr>
+        <p:txBody>
+          <a:bodyPr wrap="none" rtlCol="0">
+            <a:spAutoFit/>
+          </a:bodyPr>
+          <a:lstStyle/>
+          <a:p>
+            <a:r>
+              <a:rPr lang="en-US" smtClean="0">
+                <a:solidFill>
+                  <a:schemeClr val="accent1">
+                    <a:lumMod val="50000"/>
+                  </a:schemeClr>
+                </a:solidFill>
+              </a:rPr>
+              <a:t>null</a:t>
+            </a:r>
+            <a:endParaRPr lang="en-US">
+              <a:solidFill>
+                <a:schemeClr val="accent1">
+                  <a:lumMod val="50000"/>
+                </a:schemeClr>
+              </a:solidFill>
+            </a:endParaRPr>
+          </a:p>
+        </p:txBody>
+      </p:sp>
+      <p:sp>
+        <p:nvSpPr>
+          <p:cNvPr id="19" name="TextBox 18"/>
+          <p:cNvSpPr txBox="1"/>
+          <p:nvPr/>
+        </p:nvSpPr>
+        <p:spPr>
+          <a:xfrm>
+            <a:off x="4368980" y="1406827"/>
+            <a:ext cx="417102" cy="214239"/>
+          </a:xfrm>
+          <a:prstGeom prst="rect">
+            <a:avLst/>
+          </a:prstGeom>
+          <a:noFill/>
+        </p:spPr>
+        <p:txBody>
+          <a:bodyPr wrap="none" rtlCol="0">
+            <a:spAutoFit/>
+          </a:bodyPr>
+          <a:lstStyle/>
+          <a:p>
+            <a:r>
+              <a:rPr lang="en-US" smtClean="0">
+                <a:solidFill>
+                  <a:schemeClr val="accent1">
+                    <a:lumMod val="50000"/>
+                  </a:schemeClr>
+                </a:solidFill>
+              </a:rPr>
+              <a:t>e2</a:t>
+            </a:r>
+            <a:endParaRPr lang="en-US">
+              <a:solidFill>
+                <a:schemeClr val="accent1">
+                  <a:lumMod val="50000"/>
+                </a:schemeClr>
+              </a:solidFill>
+            </a:endParaRPr>
+          </a:p>
+        </p:txBody>
+      </p:sp>
+      <p:sp>
+        <p:nvSpPr>
+          <p:cNvPr id="20" name="TextBox 19"/>
+          <p:cNvSpPr txBox="1"/>
+          <p:nvPr/>
+        </p:nvSpPr>
+        <p:spPr>
+          <a:xfrm>
+            <a:off x="8685324" y="61820"/>
+            <a:ext cx="2683683" cy="369332"/>
+          </a:xfrm>
+          <a:prstGeom prst="rect">
+            <a:avLst/>
+          </a:prstGeom>
+          <a:noFill/>
+        </p:spPr>
+        <p:txBody>
+          <a:bodyPr wrap="none" rtlCol="0">
+            <a:spAutoFit/>
+          </a:bodyPr>
+          <a:lstStyle/>
+          <a:p>
+            <a:r>
+              <a:rPr lang="en-US" smtClean="0">
+                <a:solidFill>
+                  <a:schemeClr val="accent1">
+                    <a:lumMod val="50000"/>
+                  </a:schemeClr>
+                </a:solidFill>
+              </a:rPr>
+              <a:t>New Queue – no elements</a:t>
+            </a:r>
+            <a:endParaRPr lang="en-US">
+              <a:solidFill>
+                <a:schemeClr val="accent1">
+                  <a:lumMod val="50000"/>
+                </a:schemeClr>
+              </a:solidFill>
+            </a:endParaRPr>
+          </a:p>
+        </p:txBody>
+      </p:sp>
+      <p:sp>
+        <p:nvSpPr>
+          <p:cNvPr id="21" name="TextBox 20"/>
+          <p:cNvSpPr txBox="1"/>
+          <p:nvPr/>
+        </p:nvSpPr>
+        <p:spPr>
+          <a:xfrm>
+            <a:off x="8685323" y="531381"/>
+            <a:ext cx="671979" cy="369332"/>
+          </a:xfrm>
+          <a:prstGeom prst="rect">
+            <a:avLst/>
+          </a:prstGeom>
+          <a:noFill/>
+        </p:spPr>
+        <p:txBody>
+          <a:bodyPr wrap="none" rtlCol="0">
+            <a:spAutoFit/>
+          </a:bodyPr>
+          <a:lstStyle/>
+          <a:p>
+            <a:r>
+              <a:rPr lang="en-US" b="1" smtClean="0">
+                <a:solidFill>
+                  <a:schemeClr val="accent6">
+                    <a:lumMod val="75000"/>
+                  </a:schemeClr>
+                </a:solidFill>
+              </a:rPr>
+              <a:t>N = 1</a:t>
+            </a:r>
+            <a:endParaRPr lang="en-US" b="1">
+              <a:solidFill>
+                <a:schemeClr val="accent6">
+                  <a:lumMod val="75000"/>
+                </a:schemeClr>
+              </a:solidFill>
+            </a:endParaRPr>
+          </a:p>
+        </p:txBody>
+      </p:sp>
+      <p:sp>
+        <p:nvSpPr>
+          <p:cNvPr id="22" name="TextBox 21"/>
+          <p:cNvSpPr txBox="1"/>
+          <p:nvPr/>
+        </p:nvSpPr>
+        <p:spPr>
+          <a:xfrm>
+            <a:off x="111318" y="3001300"/>
+            <a:ext cx="417102" cy="369332"/>
+          </a:xfrm>
+          <a:prstGeom prst="rect">
+            <a:avLst/>
+          </a:prstGeom>
+          <a:noFill/>
+        </p:spPr>
+        <p:txBody>
+          <a:bodyPr wrap="none" rtlCol="0">
+            <a:spAutoFit/>
+          </a:bodyPr>
+          <a:lstStyle/>
+          <a:p>
+            <a:r>
+              <a:rPr lang="en-US" b="1" smtClean="0">
+                <a:solidFill>
+                  <a:schemeClr val="accent6">
+                    <a:lumMod val="75000"/>
+                  </a:schemeClr>
+                </a:solidFill>
+              </a:rPr>
+              <a:t>e3</a:t>
+            </a:r>
+            <a:endParaRPr lang="en-US" b="1">
+              <a:solidFill>
+                <a:schemeClr val="accent6">
+                  <a:lumMod val="75000"/>
+                </a:schemeClr>
+              </a:solidFill>
+            </a:endParaRPr>
+          </a:p>
+        </p:txBody>
+      </p:sp>
+      <p:sp>
+        <p:nvSpPr>
+          <p:cNvPr id="23" name="Rectangle 22"/>
+          <p:cNvSpPr/>
+          <p:nvPr/>
+        </p:nvSpPr>
+        <p:spPr>
+          <a:xfrm>
+            <a:off x="955332" y="2936727"/>
+            <a:ext cx="7576418" cy="770258"/>
+          </a:xfrm>
+          <a:prstGeom prst="rect">
+            <a:avLst/>
+          </a:prstGeom>
+          <a:noFill/>
+          <a:ln w="28575">
+            <a:solidFill>
+              <a:schemeClr val="accent6">
+                <a:lumMod val="75000"/>
+              </a:schemeClr>
+            </a:solidFill>
+          </a:ln>
+        </p:spPr>
+        <p:style>
+          <a:lnRef idx="2">
+            <a:schemeClr val="accent1">
+              <a:shade val="50000"/>
+            </a:schemeClr>
+          </a:lnRef>
+          <a:fillRef idx="1">
+            <a:schemeClr val="accent1"/>
+          </a:fillRef>
+          <a:effectRef idx="0">
+            <a:schemeClr val="accent1"/>
+          </a:effectRef>
+          <a:fontRef idx="minor">
+            <a:schemeClr val="lt1"/>
+          </a:fontRef>
+        </p:style>
+        <p:txBody>
+          <a:bodyPr rtlCol="0" anchor="ctr"/>
+          <a:lstStyle/>
+          <a:p>
+            <a:pPr algn="ctr"/>
+            <a:endParaRPr lang="en-US"/>
+          </a:p>
+        </p:txBody>
+      </p:sp>
+      <p:sp>
+        <p:nvSpPr>
+          <p:cNvPr id="24" name="Rectangle 23"/>
+          <p:cNvSpPr/>
+          <p:nvPr/>
+        </p:nvSpPr>
+        <p:spPr>
+          <a:xfrm>
+            <a:off x="1494846" y="3061260"/>
+            <a:ext cx="1057524" cy="415109"/>
+          </a:xfrm>
+          <a:prstGeom prst="rect">
+            <a:avLst/>
+          </a:prstGeom>
+          <a:noFill/>
+          <a:ln w="28575">
+            <a:solidFill>
+              <a:schemeClr val="accent6">
+                <a:lumMod val="75000"/>
+              </a:schemeClr>
+            </a:solidFill>
+          </a:ln>
+        </p:spPr>
+        <p:style>
+          <a:lnRef idx="2">
+            <a:schemeClr val="accent1">
+              <a:shade val="50000"/>
+            </a:schemeClr>
+          </a:lnRef>
+          <a:fillRef idx="1">
+            <a:schemeClr val="accent1"/>
+          </a:fillRef>
+          <a:effectRef idx="0">
+            <a:schemeClr val="accent1"/>
+          </a:effectRef>
+          <a:fontRef idx="minor">
+            <a:schemeClr val="lt1"/>
+          </a:fontRef>
+        </p:style>
+        <p:txBody>
+          <a:bodyPr rtlCol="0" anchor="ctr"/>
+          <a:lstStyle/>
+          <a:p>
+            <a:pPr algn="ctr"/>
+            <a:r>
+              <a:rPr lang="en-US" b="1" smtClean="0">
+                <a:solidFill>
+                  <a:schemeClr val="accent6">
+                    <a:lumMod val="75000"/>
+                  </a:schemeClr>
+                </a:solidFill>
+              </a:rPr>
+              <a:t>prev</a:t>
+            </a:r>
+            <a:endParaRPr lang="en-US" b="1">
+              <a:solidFill>
+                <a:schemeClr val="accent6">
+                  <a:lumMod val="75000"/>
+                </a:schemeClr>
+              </a:solidFill>
+            </a:endParaRPr>
+          </a:p>
+        </p:txBody>
+      </p:sp>
+      <p:sp>
+        <p:nvSpPr>
+          <p:cNvPr id="25" name="Rectangle 24"/>
+          <p:cNvSpPr/>
+          <p:nvPr/>
+        </p:nvSpPr>
+        <p:spPr>
+          <a:xfrm>
+            <a:off x="5010650" y="3078204"/>
+            <a:ext cx="1057524" cy="415109"/>
+          </a:xfrm>
+          <a:prstGeom prst="rect">
+            <a:avLst/>
+          </a:prstGeom>
+          <a:noFill/>
+          <a:ln w="28575">
+            <a:solidFill>
+              <a:schemeClr val="accent6">
+                <a:lumMod val="75000"/>
+              </a:schemeClr>
+            </a:solidFill>
+          </a:ln>
+        </p:spPr>
+        <p:style>
+          <a:lnRef idx="2">
+            <a:schemeClr val="accent1">
+              <a:shade val="50000"/>
+            </a:schemeClr>
+          </a:lnRef>
+          <a:fillRef idx="1">
+            <a:schemeClr val="accent1"/>
+          </a:fillRef>
+          <a:effectRef idx="0">
+            <a:schemeClr val="accent1"/>
+          </a:effectRef>
+          <a:fontRef idx="minor">
+            <a:schemeClr val="lt1"/>
+          </a:fontRef>
+        </p:style>
+        <p:txBody>
+          <a:bodyPr rtlCol="0" anchor="ctr"/>
+          <a:lstStyle/>
+          <a:p>
+            <a:pPr algn="ctr"/>
+            <a:r>
+              <a:rPr lang="en-US" b="1" smtClean="0">
+                <a:solidFill>
+                  <a:schemeClr val="accent6">
+                    <a:lumMod val="75000"/>
+                  </a:schemeClr>
+                </a:solidFill>
+              </a:rPr>
+              <a:t>q</a:t>
+            </a:r>
+            <a:endParaRPr lang="en-US" b="1">
+              <a:solidFill>
+                <a:schemeClr val="accent6">
+                  <a:lumMod val="75000"/>
+                </a:schemeClr>
+              </a:solidFill>
+            </a:endParaRPr>
+          </a:p>
+        </p:txBody>
+      </p:sp>
+      <p:sp>
+        <p:nvSpPr>
+          <p:cNvPr id="26" name="TextBox 25"/>
+          <p:cNvSpPr txBox="1"/>
+          <p:nvPr/>
+        </p:nvSpPr>
+        <p:spPr>
+          <a:xfrm>
+            <a:off x="2489763" y="3369250"/>
+            <a:ext cx="417102" cy="369332"/>
+          </a:xfrm>
+          <a:prstGeom prst="rect">
+            <a:avLst/>
+          </a:prstGeom>
+          <a:noFill/>
+        </p:spPr>
+        <p:txBody>
+          <a:bodyPr wrap="none" rtlCol="0">
+            <a:spAutoFit/>
+          </a:bodyPr>
+          <a:lstStyle/>
+          <a:p>
+            <a:r>
+              <a:rPr lang="en-US" b="1" smtClean="0">
+                <a:solidFill>
+                  <a:schemeClr val="accent6">
+                    <a:lumMod val="75000"/>
+                  </a:schemeClr>
+                </a:solidFill>
+              </a:rPr>
+              <a:t>e2</a:t>
+            </a:r>
+            <a:endParaRPr lang="en-US" b="1">
+              <a:solidFill>
+                <a:schemeClr val="accent6">
+                  <a:lumMod val="75000"/>
+                </a:schemeClr>
+              </a:solidFill>
+            </a:endParaRPr>
+          </a:p>
+        </p:txBody>
+      </p:sp>
+      <p:sp>
+        <p:nvSpPr>
+          <p:cNvPr id="27" name="TextBox 26"/>
+          <p:cNvSpPr txBox="1"/>
+          <p:nvPr/>
+        </p:nvSpPr>
+        <p:spPr>
+          <a:xfrm>
+            <a:off x="6068174" y="3353452"/>
+            <a:ext cx="543739" cy="369332"/>
+          </a:xfrm>
+          <a:prstGeom prst="rect">
+            <a:avLst/>
+          </a:prstGeom>
+          <a:noFill/>
+        </p:spPr>
+        <p:txBody>
+          <a:bodyPr wrap="none" rtlCol="0">
+            <a:spAutoFit/>
+          </a:bodyPr>
+          <a:lstStyle/>
+          <a:p>
+            <a:r>
+              <a:rPr lang="en-US" b="1" smtClean="0">
+                <a:solidFill>
+                  <a:schemeClr val="accent6">
+                    <a:lumMod val="75000"/>
+                  </a:schemeClr>
+                </a:solidFill>
+              </a:rPr>
+              <a:t>null</a:t>
+            </a:r>
+            <a:endParaRPr lang="en-US" b="1">
+              <a:solidFill>
+                <a:schemeClr val="accent6">
+                  <a:lumMod val="75000"/>
+                </a:schemeClr>
+              </a:solidFill>
+            </a:endParaRPr>
+          </a:p>
+        </p:txBody>
+      </p:sp>
+      <p:sp>
+        <p:nvSpPr>
+          <p:cNvPr id="28" name="Rectangle 27"/>
+          <p:cNvSpPr/>
+          <p:nvPr/>
+        </p:nvSpPr>
+        <p:spPr>
+          <a:xfrm>
+            <a:off x="3278692" y="3061260"/>
+            <a:ext cx="1057524" cy="415109"/>
+          </a:xfrm>
+          <a:prstGeom prst="rect">
+            <a:avLst/>
+          </a:prstGeom>
+          <a:noFill/>
+          <a:ln w="28575">
+            <a:solidFill>
+              <a:schemeClr val="accent6">
+                <a:lumMod val="75000"/>
+              </a:schemeClr>
+            </a:solidFill>
+          </a:ln>
+        </p:spPr>
+        <p:style>
+          <a:lnRef idx="2">
+            <a:schemeClr val="accent1">
+              <a:shade val="50000"/>
+            </a:schemeClr>
+          </a:lnRef>
+          <a:fillRef idx="1">
+            <a:schemeClr val="accent1"/>
+          </a:fillRef>
+          <a:effectRef idx="0">
+            <a:schemeClr val="accent1"/>
+          </a:effectRef>
+          <a:fontRef idx="minor">
+            <a:schemeClr val="lt1"/>
+          </a:fontRef>
+        </p:style>
+        <p:txBody>
+          <a:bodyPr rtlCol="0" anchor="ctr"/>
+          <a:lstStyle/>
+          <a:p>
+            <a:pPr algn="ctr"/>
+            <a:r>
+              <a:rPr lang="en-US" b="1" smtClean="0">
+                <a:solidFill>
+                  <a:schemeClr val="accent6">
+                    <a:lumMod val="75000"/>
+                  </a:schemeClr>
+                </a:solidFill>
+              </a:rPr>
+              <a:t>val</a:t>
+            </a:r>
+            <a:endParaRPr lang="en-US" b="1">
+              <a:solidFill>
+                <a:schemeClr val="accent6">
+                  <a:lumMod val="75000"/>
+                </a:schemeClr>
+              </a:solidFill>
+            </a:endParaRPr>
+          </a:p>
+        </p:txBody>
+      </p:sp>
+      <p:sp>
+        <p:nvSpPr>
+          <p:cNvPr id="29" name="TextBox 28"/>
+          <p:cNvSpPr txBox="1"/>
+          <p:nvPr/>
+        </p:nvSpPr>
+        <p:spPr>
+          <a:xfrm>
+            <a:off x="4336216" y="3336508"/>
+            <a:ext cx="301686" cy="369332"/>
+          </a:xfrm>
+          <a:prstGeom prst="rect">
+            <a:avLst/>
+          </a:prstGeom>
+          <a:noFill/>
+        </p:spPr>
+        <p:txBody>
+          <a:bodyPr wrap="none" rtlCol="0">
+            <a:spAutoFit/>
+          </a:bodyPr>
+          <a:lstStyle/>
+          <a:p>
+            <a:r>
+              <a:rPr lang="en-US" b="1" smtClean="0">
+                <a:solidFill>
+                  <a:schemeClr val="accent6">
+                    <a:lumMod val="75000"/>
+                  </a:schemeClr>
+                </a:solidFill>
+              </a:rPr>
+              <a:t>1</a:t>
+            </a:r>
+            <a:endParaRPr lang="en-US" b="1">
+              <a:solidFill>
+                <a:schemeClr val="accent6">
+                  <a:lumMod val="75000"/>
+                </a:schemeClr>
+              </a:solidFill>
+            </a:endParaRPr>
+          </a:p>
+        </p:txBody>
+      </p:sp>
+      <p:cxnSp>
+        <p:nvCxnSpPr>
+          <p:cNvPr id="31" name="Straight Connector 30"/>
+          <p:cNvCxnSpPr>
+            <a:stCxn id="19" idx="3"/>
+          </p:cNvCxnSpPr>
+          <p:nvPr/>
+        </p:nvCxnSpPr>
+        <p:spPr>
+          <a:xfrm flipH="1">
+            <a:off x="4368980" y="1513947"/>
+            <a:ext cx="417102" cy="230615"/>
+          </a:xfrm>
+          <a:prstGeom prst="line">
+            <a:avLst/>
+          </a:prstGeom>
+          <a:ln w="28575">
+            <a:solidFill>
+              <a:schemeClr val="accent6">
+                <a:lumMod val="75000"/>
+              </a:schemeClr>
+            </a:solidFill>
+          </a:ln>
+        </p:spPr>
+        <p:style>
+          <a:lnRef idx="1">
+            <a:schemeClr val="accent1"/>
+          </a:lnRef>
+          <a:fillRef idx="0">
+            <a:schemeClr val="accent1"/>
+          </a:fillRef>
+          <a:effectRef idx="0">
+            <a:schemeClr val="accent1"/>
+          </a:effectRef>
+          <a:fontRef idx="minor">
+            <a:schemeClr val="tx1"/>
+          </a:fontRef>
+        </p:style>
+      </p:cxnSp>
+      <p:sp>
+        <p:nvSpPr>
+          <p:cNvPr id="32" name="TextBox 31"/>
+          <p:cNvSpPr txBox="1"/>
+          <p:nvPr/>
+        </p:nvSpPr>
+        <p:spPr>
+          <a:xfrm>
+            <a:off x="4745797" y="1415302"/>
+            <a:ext cx="417102" cy="369332"/>
+          </a:xfrm>
+          <a:prstGeom prst="rect">
+            <a:avLst/>
+          </a:prstGeom>
+          <a:noFill/>
+        </p:spPr>
+        <p:txBody>
+          <a:bodyPr wrap="none" rtlCol="0">
+            <a:spAutoFit/>
+          </a:bodyPr>
+          <a:lstStyle/>
+          <a:p>
+            <a:r>
+              <a:rPr lang="en-US" b="1" smtClean="0">
+                <a:solidFill>
+                  <a:schemeClr val="accent6">
+                    <a:lumMod val="75000"/>
+                  </a:schemeClr>
+                </a:solidFill>
+              </a:rPr>
+              <a:t>e3</a:t>
+            </a:r>
+            <a:endParaRPr lang="en-US" b="1">
+              <a:solidFill>
+                <a:schemeClr val="accent6">
+                  <a:lumMod val="75000"/>
+                </a:schemeClr>
+              </a:solidFill>
+            </a:endParaRPr>
+          </a:p>
+        </p:txBody>
+      </p:sp>
+      <p:sp>
+        <p:nvSpPr>
+          <p:cNvPr id="33" name="TextBox 32"/>
+          <p:cNvSpPr txBox="1"/>
+          <p:nvPr/>
+        </p:nvSpPr>
+        <p:spPr>
+          <a:xfrm>
+            <a:off x="111318" y="3997130"/>
+            <a:ext cx="417102" cy="369332"/>
+          </a:xfrm>
+          <a:prstGeom prst="rect">
+            <a:avLst/>
+          </a:prstGeom>
+          <a:noFill/>
+          <a:ln>
+            <a:noFill/>
+          </a:ln>
+        </p:spPr>
+        <p:txBody>
+          <a:bodyPr wrap="none" rtlCol="0">
+            <a:spAutoFit/>
+          </a:bodyPr>
+          <a:lstStyle/>
+          <a:p>
+            <a:r>
+              <a:rPr lang="en-US" b="1" smtClean="0">
+                <a:solidFill>
+                  <a:schemeClr val="accent2">
+                    <a:lumMod val="75000"/>
+                  </a:schemeClr>
+                </a:solidFill>
+              </a:rPr>
+              <a:t>e4</a:t>
+            </a:r>
+            <a:endParaRPr lang="en-US" b="1">
+              <a:solidFill>
+                <a:schemeClr val="accent2">
+                  <a:lumMod val="75000"/>
+                </a:schemeClr>
+              </a:solidFill>
+            </a:endParaRPr>
+          </a:p>
+        </p:txBody>
+      </p:sp>
+      <p:sp>
+        <p:nvSpPr>
+          <p:cNvPr id="34" name="Rectangle 33"/>
+          <p:cNvSpPr/>
+          <p:nvPr/>
+        </p:nvSpPr>
+        <p:spPr>
+          <a:xfrm>
+            <a:off x="955332" y="3932557"/>
+            <a:ext cx="7576418" cy="770258"/>
+          </a:xfrm>
+          <a:prstGeom prst="rect">
+            <a:avLst/>
+          </a:prstGeom>
+          <a:noFill/>
+          <a:ln w="28575">
+            <a:solidFill>
+              <a:schemeClr val="accent2">
+                <a:lumMod val="75000"/>
+              </a:schemeClr>
+            </a:solidFill>
+          </a:ln>
+        </p:spPr>
+        <p:style>
+          <a:lnRef idx="2">
+            <a:schemeClr val="accent1">
+              <a:shade val="50000"/>
+            </a:schemeClr>
+          </a:lnRef>
+          <a:fillRef idx="1">
+            <a:schemeClr val="accent1"/>
+          </a:fillRef>
+          <a:effectRef idx="0">
+            <a:schemeClr val="accent1"/>
+          </a:effectRef>
+          <a:fontRef idx="minor">
+            <a:schemeClr val="lt1"/>
+          </a:fontRef>
+        </p:style>
+        <p:txBody>
+          <a:bodyPr rtlCol="0" anchor="ctr"/>
+          <a:lstStyle/>
+          <a:p>
+            <a:pPr algn="ctr"/>
+            <a:endParaRPr lang="en-US">
+              <a:solidFill>
+                <a:schemeClr val="accent2">
+                  <a:lumMod val="75000"/>
+                </a:schemeClr>
+              </a:solidFill>
+            </a:endParaRPr>
+          </a:p>
+        </p:txBody>
+      </p:sp>
+      <p:sp>
+        <p:nvSpPr>
+          <p:cNvPr id="35" name="Rectangle 34"/>
+          <p:cNvSpPr/>
+          <p:nvPr/>
+        </p:nvSpPr>
+        <p:spPr>
+          <a:xfrm>
+            <a:off x="1494846" y="4057090"/>
+            <a:ext cx="1057524" cy="415109"/>
+          </a:xfrm>
+          <a:prstGeom prst="rect">
+            <a:avLst/>
+          </a:prstGeom>
+          <a:noFill/>
+          <a:ln w="28575">
+            <a:solidFill>
+              <a:schemeClr val="accent2">
+                <a:lumMod val="75000"/>
+              </a:schemeClr>
+            </a:solidFill>
+          </a:ln>
+        </p:spPr>
+        <p:style>
+          <a:lnRef idx="2">
+            <a:schemeClr val="accent1">
+              <a:shade val="50000"/>
+            </a:schemeClr>
+          </a:lnRef>
+          <a:fillRef idx="1">
+            <a:schemeClr val="accent1"/>
+          </a:fillRef>
+          <a:effectRef idx="0">
+            <a:schemeClr val="accent1"/>
+          </a:effectRef>
+          <a:fontRef idx="minor">
+            <a:schemeClr val="lt1"/>
+          </a:fontRef>
+        </p:style>
+        <p:txBody>
+          <a:bodyPr rtlCol="0" anchor="ctr"/>
+          <a:lstStyle/>
+          <a:p>
+            <a:pPr algn="ctr"/>
+            <a:r>
+              <a:rPr lang="en-US" b="1" smtClean="0">
+                <a:solidFill>
+                  <a:schemeClr val="accent2">
+                    <a:lumMod val="75000"/>
+                  </a:schemeClr>
+                </a:solidFill>
+              </a:rPr>
+              <a:t>prev</a:t>
+            </a:r>
+            <a:endParaRPr lang="en-US" b="1">
+              <a:solidFill>
+                <a:schemeClr val="accent2">
+                  <a:lumMod val="75000"/>
+                </a:schemeClr>
+              </a:solidFill>
+            </a:endParaRPr>
+          </a:p>
+        </p:txBody>
+      </p:sp>
+      <p:sp>
+        <p:nvSpPr>
+          <p:cNvPr id="36" name="Rectangle 35"/>
+          <p:cNvSpPr/>
+          <p:nvPr/>
+        </p:nvSpPr>
+        <p:spPr>
+          <a:xfrm>
+            <a:off x="5010650" y="4074034"/>
+            <a:ext cx="1057524" cy="415109"/>
+          </a:xfrm>
+          <a:prstGeom prst="rect">
+            <a:avLst/>
+          </a:prstGeom>
+          <a:noFill/>
+          <a:ln w="28575">
+            <a:solidFill>
+              <a:schemeClr val="accent2">
+                <a:lumMod val="75000"/>
+              </a:schemeClr>
+            </a:solidFill>
+          </a:ln>
+        </p:spPr>
+        <p:style>
+          <a:lnRef idx="2">
+            <a:schemeClr val="accent1">
+              <a:shade val="50000"/>
+            </a:schemeClr>
+          </a:lnRef>
+          <a:fillRef idx="1">
+            <a:schemeClr val="accent1"/>
+          </a:fillRef>
+          <a:effectRef idx="0">
+            <a:schemeClr val="accent1"/>
+          </a:effectRef>
+          <a:fontRef idx="minor">
+            <a:schemeClr val="lt1"/>
+          </a:fontRef>
+        </p:style>
+        <p:txBody>
+          <a:bodyPr rtlCol="0" anchor="ctr"/>
+          <a:lstStyle/>
+          <a:p>
+            <a:pPr algn="ctr"/>
+            <a:r>
+              <a:rPr lang="en-US" b="1" smtClean="0">
+                <a:solidFill>
+                  <a:schemeClr val="accent2">
+                    <a:lumMod val="75000"/>
+                  </a:schemeClr>
+                </a:solidFill>
+              </a:rPr>
+              <a:t>q</a:t>
+            </a:r>
+            <a:endParaRPr lang="en-US" b="1">
+              <a:solidFill>
+                <a:schemeClr val="accent2">
+                  <a:lumMod val="75000"/>
+                </a:schemeClr>
+              </a:solidFill>
+            </a:endParaRPr>
+          </a:p>
+        </p:txBody>
+      </p:sp>
+      <p:sp>
+        <p:nvSpPr>
+          <p:cNvPr id="37" name="TextBox 36"/>
+          <p:cNvSpPr txBox="1"/>
+          <p:nvPr/>
+        </p:nvSpPr>
+        <p:spPr>
+          <a:xfrm>
+            <a:off x="2489763" y="4365080"/>
+            <a:ext cx="417102" cy="369332"/>
+          </a:xfrm>
+          <a:prstGeom prst="rect">
+            <a:avLst/>
+          </a:prstGeom>
+          <a:noFill/>
+          <a:ln>
+            <a:noFill/>
+          </a:ln>
+        </p:spPr>
+        <p:txBody>
+          <a:bodyPr wrap="none" rtlCol="0">
+            <a:spAutoFit/>
+          </a:bodyPr>
+          <a:lstStyle/>
+          <a:p>
+            <a:r>
+              <a:rPr lang="en-US" b="1" smtClean="0">
+                <a:solidFill>
+                  <a:schemeClr val="accent2">
+                    <a:lumMod val="75000"/>
+                  </a:schemeClr>
+                </a:solidFill>
+              </a:rPr>
+              <a:t>e3</a:t>
+            </a:r>
+            <a:endParaRPr lang="en-US" b="1">
+              <a:solidFill>
+                <a:schemeClr val="accent2">
+                  <a:lumMod val="75000"/>
+                </a:schemeClr>
+              </a:solidFill>
+            </a:endParaRPr>
+          </a:p>
+        </p:txBody>
+      </p:sp>
+      <p:sp>
+        <p:nvSpPr>
+          <p:cNvPr id="38" name="TextBox 37"/>
+          <p:cNvSpPr txBox="1"/>
+          <p:nvPr/>
+        </p:nvSpPr>
+        <p:spPr>
+          <a:xfrm>
+            <a:off x="6068174" y="4349282"/>
+            <a:ext cx="543739" cy="369332"/>
+          </a:xfrm>
+          <a:prstGeom prst="rect">
+            <a:avLst/>
+          </a:prstGeom>
+          <a:noFill/>
+          <a:ln>
+            <a:noFill/>
+          </a:ln>
+        </p:spPr>
+        <p:txBody>
+          <a:bodyPr wrap="none" rtlCol="0">
+            <a:spAutoFit/>
+          </a:bodyPr>
+          <a:lstStyle/>
+          <a:p>
+            <a:r>
+              <a:rPr lang="en-US" b="1" smtClean="0">
+                <a:solidFill>
+                  <a:schemeClr val="accent2">
+                    <a:lumMod val="75000"/>
+                  </a:schemeClr>
+                </a:solidFill>
+              </a:rPr>
+              <a:t>null</a:t>
+            </a:r>
+            <a:endParaRPr lang="en-US" b="1">
+              <a:solidFill>
+                <a:schemeClr val="accent2">
+                  <a:lumMod val="75000"/>
+                </a:schemeClr>
+              </a:solidFill>
+            </a:endParaRPr>
+          </a:p>
+        </p:txBody>
+      </p:sp>
+      <p:sp>
+        <p:nvSpPr>
+          <p:cNvPr id="39" name="Rectangle 38"/>
+          <p:cNvSpPr/>
+          <p:nvPr/>
+        </p:nvSpPr>
+        <p:spPr>
+          <a:xfrm>
+            <a:off x="3278692" y="4057090"/>
+            <a:ext cx="1057524" cy="415109"/>
+          </a:xfrm>
+          <a:prstGeom prst="rect">
+            <a:avLst/>
+          </a:prstGeom>
+          <a:noFill/>
+          <a:ln w="28575">
+            <a:solidFill>
+              <a:schemeClr val="accent2">
+                <a:lumMod val="75000"/>
+              </a:schemeClr>
+            </a:solidFill>
+          </a:ln>
+        </p:spPr>
+        <p:style>
+          <a:lnRef idx="2">
+            <a:schemeClr val="accent1">
+              <a:shade val="50000"/>
+            </a:schemeClr>
+          </a:lnRef>
+          <a:fillRef idx="1">
+            <a:schemeClr val="accent1"/>
+          </a:fillRef>
+          <a:effectRef idx="0">
+            <a:schemeClr val="accent1"/>
+          </a:effectRef>
+          <a:fontRef idx="minor">
+            <a:schemeClr val="lt1"/>
+          </a:fontRef>
+        </p:style>
+        <p:txBody>
+          <a:bodyPr rtlCol="0" anchor="ctr"/>
+          <a:lstStyle/>
+          <a:p>
+            <a:pPr algn="ctr"/>
+            <a:r>
+              <a:rPr lang="en-US" b="1" smtClean="0">
+                <a:solidFill>
+                  <a:schemeClr val="accent2">
+                    <a:lumMod val="75000"/>
+                  </a:schemeClr>
+                </a:solidFill>
+              </a:rPr>
+              <a:t>val</a:t>
+            </a:r>
+            <a:endParaRPr lang="en-US" b="1">
+              <a:solidFill>
+                <a:schemeClr val="accent2">
+                  <a:lumMod val="75000"/>
+                </a:schemeClr>
+              </a:solidFill>
+            </a:endParaRPr>
+          </a:p>
+        </p:txBody>
+      </p:sp>
+      <p:sp>
+        <p:nvSpPr>
+          <p:cNvPr id="40" name="TextBox 39"/>
+          <p:cNvSpPr txBox="1"/>
+          <p:nvPr/>
+        </p:nvSpPr>
+        <p:spPr>
+          <a:xfrm>
+            <a:off x="4336216" y="4332338"/>
+            <a:ext cx="301686" cy="369332"/>
+          </a:xfrm>
+          <a:prstGeom prst="rect">
+            <a:avLst/>
+          </a:prstGeom>
+          <a:noFill/>
+          <a:ln>
+            <a:noFill/>
+          </a:ln>
+        </p:spPr>
+        <p:txBody>
+          <a:bodyPr wrap="none" rtlCol="0">
+            <a:spAutoFit/>
+          </a:bodyPr>
+          <a:lstStyle/>
+          <a:p>
+            <a:r>
+              <a:rPr lang="en-US" b="1" smtClean="0">
+                <a:solidFill>
+                  <a:schemeClr val="accent2">
+                    <a:lumMod val="75000"/>
+                  </a:schemeClr>
+                </a:solidFill>
+              </a:rPr>
+              <a:t>2</a:t>
+            </a:r>
+            <a:endParaRPr lang="en-US" b="1">
+              <a:solidFill>
+                <a:schemeClr val="accent2">
+                  <a:lumMod val="75000"/>
+                </a:schemeClr>
+              </a:solidFill>
+            </a:endParaRPr>
+          </a:p>
+        </p:txBody>
+      </p:sp>
+      <p:sp>
+        <p:nvSpPr>
+          <p:cNvPr id="41" name="TextBox 40"/>
+          <p:cNvSpPr txBox="1"/>
+          <p:nvPr/>
+        </p:nvSpPr>
+        <p:spPr>
+          <a:xfrm>
+            <a:off x="8685323" y="900713"/>
+            <a:ext cx="671979" cy="369332"/>
+          </a:xfrm>
+          <a:prstGeom prst="rect">
+            <a:avLst/>
+          </a:prstGeom>
+          <a:noFill/>
+        </p:spPr>
+        <p:txBody>
+          <a:bodyPr wrap="none" rtlCol="0">
+            <a:spAutoFit/>
+          </a:bodyPr>
+          <a:lstStyle/>
+          <a:p>
+            <a:r>
+              <a:rPr lang="en-US" b="1" smtClean="0">
+                <a:solidFill>
+                  <a:schemeClr val="accent2">
+                    <a:lumMod val="75000"/>
+                  </a:schemeClr>
+                </a:solidFill>
+              </a:rPr>
+              <a:t>N = 2</a:t>
+            </a:r>
+            <a:endParaRPr lang="en-US" b="1">
+              <a:solidFill>
+                <a:schemeClr val="accent2">
+                  <a:lumMod val="75000"/>
+                </a:schemeClr>
+              </a:solidFill>
+            </a:endParaRPr>
+          </a:p>
+        </p:txBody>
+      </p:sp>
+      <p:cxnSp>
+        <p:nvCxnSpPr>
+          <p:cNvPr id="42" name="Straight Connector 41"/>
+          <p:cNvCxnSpPr/>
+          <p:nvPr/>
+        </p:nvCxnSpPr>
+        <p:spPr>
+          <a:xfrm flipH="1">
+            <a:off x="4740953" y="1505758"/>
+            <a:ext cx="417102" cy="230615"/>
+          </a:xfrm>
+          <a:prstGeom prst="line">
+            <a:avLst/>
+          </a:prstGeom>
+          <a:ln w="28575">
+            <a:solidFill>
+              <a:schemeClr val="accent2">
+                <a:lumMod val="75000"/>
+              </a:schemeClr>
+            </a:solidFill>
+          </a:ln>
+        </p:spPr>
+        <p:style>
+          <a:lnRef idx="1">
+            <a:schemeClr val="accent1"/>
+          </a:lnRef>
+          <a:fillRef idx="0">
+            <a:schemeClr val="accent1"/>
+          </a:fillRef>
+          <a:effectRef idx="0">
+            <a:schemeClr val="accent1"/>
+          </a:effectRef>
+          <a:fontRef idx="minor">
+            <a:schemeClr val="tx1"/>
+          </a:fontRef>
+        </p:style>
+      </p:cxnSp>
+      <p:sp>
+        <p:nvSpPr>
+          <p:cNvPr id="43" name="TextBox 42"/>
+          <p:cNvSpPr txBox="1"/>
+          <p:nvPr/>
+        </p:nvSpPr>
+        <p:spPr>
+          <a:xfrm>
+            <a:off x="5093816" y="1415302"/>
+            <a:ext cx="417102" cy="369332"/>
+          </a:xfrm>
+          <a:prstGeom prst="rect">
+            <a:avLst/>
+          </a:prstGeom>
+          <a:noFill/>
+          <a:ln>
+            <a:noFill/>
+          </a:ln>
+        </p:spPr>
+        <p:txBody>
+          <a:bodyPr wrap="none" rtlCol="0">
+            <a:spAutoFit/>
+          </a:bodyPr>
+          <a:lstStyle/>
+          <a:p>
+            <a:r>
+              <a:rPr lang="en-US" b="1" smtClean="0">
+                <a:solidFill>
+                  <a:schemeClr val="accent2">
+                    <a:lumMod val="75000"/>
+                  </a:schemeClr>
+                </a:solidFill>
+              </a:rPr>
+              <a:t>e4</a:t>
+            </a:r>
+            <a:endParaRPr lang="en-US" b="1">
+              <a:solidFill>
+                <a:schemeClr val="accent2">
+                  <a:lumMod val="75000"/>
+                </a:schemeClr>
+              </a:solidFill>
+            </a:endParaRPr>
+          </a:p>
+        </p:txBody>
+      </p:sp>
+      <p:cxnSp>
+        <p:nvCxnSpPr>
+          <p:cNvPr id="44" name="Straight Connector 43"/>
+          <p:cNvCxnSpPr/>
+          <p:nvPr/>
+        </p:nvCxnSpPr>
+        <p:spPr>
+          <a:xfrm flipH="1">
+            <a:off x="4368980" y="2387463"/>
+            <a:ext cx="417102" cy="230615"/>
+          </a:xfrm>
+          <a:prstGeom prst="line">
+            <a:avLst/>
+          </a:prstGeom>
+          <a:ln w="28575">
+            <a:solidFill>
+              <a:schemeClr val="accent6">
+                <a:lumMod val="75000"/>
+              </a:schemeClr>
+            </a:solidFill>
+          </a:ln>
+        </p:spPr>
+        <p:style>
+          <a:lnRef idx="1">
+            <a:schemeClr val="accent1"/>
+          </a:lnRef>
+          <a:fillRef idx="0">
+            <a:schemeClr val="accent1"/>
+          </a:fillRef>
+          <a:effectRef idx="0">
+            <a:schemeClr val="accent1"/>
+          </a:effectRef>
+          <a:fontRef idx="minor">
+            <a:schemeClr val="tx1"/>
+          </a:fontRef>
+        </p:style>
+      </p:cxnSp>
+      <p:sp>
+        <p:nvSpPr>
+          <p:cNvPr id="45" name="TextBox 44"/>
+          <p:cNvSpPr txBox="1"/>
+          <p:nvPr/>
+        </p:nvSpPr>
+        <p:spPr>
+          <a:xfrm>
+            <a:off x="4740953" y="2318105"/>
+            <a:ext cx="417102" cy="369332"/>
+          </a:xfrm>
+          <a:prstGeom prst="rect">
+            <a:avLst/>
+          </a:prstGeom>
+          <a:noFill/>
+        </p:spPr>
+        <p:txBody>
+          <a:bodyPr wrap="none" rtlCol="0">
+            <a:spAutoFit/>
+          </a:bodyPr>
+          <a:lstStyle/>
+          <a:p>
+            <a:r>
+              <a:rPr lang="en-US" b="1" smtClean="0">
+                <a:solidFill>
+                  <a:schemeClr val="accent6">
+                    <a:lumMod val="75000"/>
+                  </a:schemeClr>
+                </a:solidFill>
+              </a:rPr>
+              <a:t>e3</a:t>
+            </a:r>
+            <a:endParaRPr lang="en-US" b="1">
+              <a:solidFill>
+                <a:schemeClr val="accent6">
+                  <a:lumMod val="75000"/>
+                </a:schemeClr>
+              </a:solidFill>
+            </a:endParaRPr>
+          </a:p>
+        </p:txBody>
+      </p:sp>
+      <p:sp>
+        <p:nvSpPr>
+          <p:cNvPr id="46" name="TextBox 45"/>
+          <p:cNvSpPr txBox="1"/>
+          <p:nvPr/>
+        </p:nvSpPr>
+        <p:spPr>
+          <a:xfrm>
+            <a:off x="6534057" y="3321855"/>
+            <a:ext cx="417102" cy="369332"/>
+          </a:xfrm>
+          <a:prstGeom prst="rect">
+            <a:avLst/>
+          </a:prstGeom>
+          <a:noFill/>
+          <a:ln>
+            <a:noFill/>
+          </a:ln>
+        </p:spPr>
+        <p:txBody>
+          <a:bodyPr wrap="none" rtlCol="0">
+            <a:spAutoFit/>
+          </a:bodyPr>
+          <a:lstStyle/>
+          <a:p>
+            <a:r>
+              <a:rPr lang="en-US" b="1" smtClean="0">
+                <a:solidFill>
+                  <a:schemeClr val="accent2">
+                    <a:lumMod val="75000"/>
+                  </a:schemeClr>
+                </a:solidFill>
+              </a:rPr>
+              <a:t>e4</a:t>
+            </a:r>
+            <a:endParaRPr lang="en-US" b="1">
+              <a:solidFill>
+                <a:schemeClr val="accent2">
+                  <a:lumMod val="75000"/>
+                </a:schemeClr>
+              </a:solidFill>
+            </a:endParaRPr>
+          </a:p>
+        </p:txBody>
+      </p:sp>
+      <p:cxnSp>
+        <p:nvCxnSpPr>
+          <p:cNvPr id="47" name="Straight Connector 46"/>
+          <p:cNvCxnSpPr/>
+          <p:nvPr/>
+        </p:nvCxnSpPr>
+        <p:spPr>
+          <a:xfrm flipH="1">
+            <a:off x="6131492" y="3422810"/>
+            <a:ext cx="417102" cy="230615"/>
+          </a:xfrm>
+          <a:prstGeom prst="line">
+            <a:avLst/>
+          </a:prstGeom>
+          <a:ln w="28575">
+            <a:solidFill>
+              <a:schemeClr val="accent2">
+                <a:lumMod val="75000"/>
+              </a:schemeClr>
+            </a:solidFill>
+          </a:ln>
+        </p:spPr>
+        <p:style>
+          <a:lnRef idx="1">
+            <a:schemeClr val="accent1"/>
+          </a:lnRef>
+          <a:fillRef idx="0">
+            <a:schemeClr val="accent1"/>
+          </a:fillRef>
+          <a:effectRef idx="0">
+            <a:schemeClr val="accent1"/>
+          </a:effectRef>
+          <a:fontRef idx="minor">
+            <a:schemeClr val="tx1"/>
+          </a:fontRef>
+        </p:style>
+      </p:cxnSp>
+      <p:sp>
+        <p:nvSpPr>
+          <p:cNvPr id="48" name="TextBox 47"/>
+          <p:cNvSpPr txBox="1"/>
+          <p:nvPr/>
+        </p:nvSpPr>
+        <p:spPr>
+          <a:xfrm>
+            <a:off x="111318" y="5008757"/>
+            <a:ext cx="417102" cy="369332"/>
+          </a:xfrm>
+          <a:prstGeom prst="rect">
+            <a:avLst/>
+          </a:prstGeom>
+          <a:noFill/>
+          <a:ln>
+            <a:noFill/>
+          </a:ln>
+        </p:spPr>
+        <p:txBody>
+          <a:bodyPr wrap="none" rtlCol="0">
+            <a:spAutoFit/>
+          </a:bodyPr>
+          <a:lstStyle/>
+          <a:p>
+            <a:r>
+              <a:rPr lang="en-US" b="1" smtClean="0">
+                <a:solidFill>
+                  <a:srgbClr val="7030A0"/>
+                </a:solidFill>
+              </a:rPr>
+              <a:t>e5</a:t>
+            </a:r>
+            <a:endParaRPr lang="en-US" b="1">
+              <a:solidFill>
+                <a:srgbClr val="7030A0"/>
+              </a:solidFill>
+            </a:endParaRPr>
+          </a:p>
+        </p:txBody>
+      </p:sp>
+      <p:sp>
+        <p:nvSpPr>
+          <p:cNvPr id="49" name="Rectangle 48"/>
+          <p:cNvSpPr/>
+          <p:nvPr/>
+        </p:nvSpPr>
+        <p:spPr>
+          <a:xfrm>
+            <a:off x="955332" y="4944184"/>
+            <a:ext cx="7576418" cy="770258"/>
+          </a:xfrm>
+          <a:prstGeom prst="rect">
+            <a:avLst/>
+          </a:prstGeom>
+          <a:noFill/>
+          <a:ln w="28575">
+            <a:solidFill>
+              <a:srgbClr val="7030A0"/>
+            </a:solidFill>
+          </a:ln>
+        </p:spPr>
+        <p:style>
+          <a:lnRef idx="2">
+            <a:schemeClr val="accent1">
+              <a:shade val="50000"/>
+            </a:schemeClr>
+          </a:lnRef>
+          <a:fillRef idx="1">
+            <a:schemeClr val="accent1"/>
+          </a:fillRef>
+          <a:effectRef idx="0">
+            <a:schemeClr val="accent1"/>
+          </a:effectRef>
+          <a:fontRef idx="minor">
+            <a:schemeClr val="lt1"/>
+          </a:fontRef>
+        </p:style>
+        <p:txBody>
+          <a:bodyPr rtlCol="0" anchor="ctr"/>
+          <a:lstStyle/>
+          <a:p>
+            <a:pPr algn="ctr"/>
+            <a:endParaRPr lang="en-US">
+              <a:solidFill>
+                <a:schemeClr val="accent2">
+                  <a:lumMod val="75000"/>
+                </a:schemeClr>
+              </a:solidFill>
+            </a:endParaRPr>
+          </a:p>
+        </p:txBody>
+      </p:sp>
+      <p:sp>
+        <p:nvSpPr>
+          <p:cNvPr id="50" name="Rectangle 49"/>
+          <p:cNvSpPr/>
+          <p:nvPr/>
+        </p:nvSpPr>
+        <p:spPr>
+          <a:xfrm>
+            <a:off x="1494846" y="5068717"/>
+            <a:ext cx="1057524" cy="415109"/>
+          </a:xfrm>
+          <a:prstGeom prst="rect">
+            <a:avLst/>
+          </a:prstGeom>
+          <a:noFill/>
+          <a:ln w="28575">
+            <a:solidFill>
+              <a:srgbClr val="7030A0"/>
+            </a:solidFill>
+          </a:ln>
+        </p:spPr>
+        <p:style>
+          <a:lnRef idx="2">
+            <a:schemeClr val="accent1">
+              <a:shade val="50000"/>
+            </a:schemeClr>
+          </a:lnRef>
+          <a:fillRef idx="1">
+            <a:schemeClr val="accent1"/>
+          </a:fillRef>
+          <a:effectRef idx="0">
+            <a:schemeClr val="accent1"/>
+          </a:effectRef>
+          <a:fontRef idx="minor">
+            <a:schemeClr val="lt1"/>
+          </a:fontRef>
+        </p:style>
+        <p:txBody>
+          <a:bodyPr rtlCol="0" anchor="ctr"/>
+          <a:lstStyle/>
+          <a:p>
+            <a:pPr algn="ctr"/>
+            <a:r>
+              <a:rPr lang="en-US" b="1" smtClean="0">
+                <a:solidFill>
+                  <a:srgbClr val="7030A0"/>
+                </a:solidFill>
+              </a:rPr>
+              <a:t>prev</a:t>
+            </a:r>
+            <a:endParaRPr lang="en-US" b="1">
+              <a:solidFill>
+                <a:srgbClr val="7030A0"/>
+              </a:solidFill>
+            </a:endParaRPr>
+          </a:p>
+        </p:txBody>
+      </p:sp>
+      <p:sp>
+        <p:nvSpPr>
+          <p:cNvPr id="51" name="Rectangle 50"/>
+          <p:cNvSpPr/>
+          <p:nvPr/>
+        </p:nvSpPr>
+        <p:spPr>
+          <a:xfrm>
+            <a:off x="5010650" y="5085661"/>
+            <a:ext cx="1057524" cy="415109"/>
+          </a:xfrm>
+          <a:prstGeom prst="rect">
+            <a:avLst/>
+          </a:prstGeom>
+          <a:noFill/>
+          <a:ln w="28575">
+            <a:solidFill>
+              <a:srgbClr val="7030A0"/>
+            </a:solidFill>
+          </a:ln>
+        </p:spPr>
+        <p:style>
+          <a:lnRef idx="2">
+            <a:schemeClr val="accent1">
+              <a:shade val="50000"/>
+            </a:schemeClr>
+          </a:lnRef>
+          <a:fillRef idx="1">
+            <a:schemeClr val="accent1"/>
+          </a:fillRef>
+          <a:effectRef idx="0">
+            <a:schemeClr val="accent1"/>
+          </a:effectRef>
+          <a:fontRef idx="minor">
+            <a:schemeClr val="lt1"/>
+          </a:fontRef>
+        </p:style>
+        <p:txBody>
+          <a:bodyPr rtlCol="0" anchor="ctr"/>
+          <a:lstStyle/>
+          <a:p>
+            <a:pPr algn="ctr"/>
+            <a:r>
+              <a:rPr lang="en-US" b="1" smtClean="0">
+                <a:solidFill>
+                  <a:srgbClr val="7030A0"/>
+                </a:solidFill>
+              </a:rPr>
+              <a:t>q</a:t>
+            </a:r>
+            <a:endParaRPr lang="en-US" b="1">
+              <a:solidFill>
+                <a:srgbClr val="7030A0"/>
+              </a:solidFill>
+            </a:endParaRPr>
+          </a:p>
+        </p:txBody>
+      </p:sp>
+      <p:sp>
+        <p:nvSpPr>
+          <p:cNvPr id="52" name="TextBox 51"/>
+          <p:cNvSpPr txBox="1"/>
+          <p:nvPr/>
+        </p:nvSpPr>
+        <p:spPr>
+          <a:xfrm>
+            <a:off x="2489763" y="5376707"/>
+            <a:ext cx="417102" cy="369332"/>
+          </a:xfrm>
+          <a:prstGeom prst="rect">
+            <a:avLst/>
+          </a:prstGeom>
+          <a:noFill/>
+          <a:ln>
+            <a:noFill/>
+          </a:ln>
+        </p:spPr>
+        <p:txBody>
+          <a:bodyPr wrap="none" rtlCol="0">
+            <a:spAutoFit/>
+          </a:bodyPr>
+          <a:lstStyle/>
+          <a:p>
+            <a:r>
+              <a:rPr lang="en-US" b="1" smtClean="0">
+                <a:solidFill>
+                  <a:srgbClr val="7030A0"/>
+                </a:solidFill>
+              </a:rPr>
+              <a:t>e4</a:t>
+            </a:r>
+            <a:endParaRPr lang="en-US" b="1">
+              <a:solidFill>
+                <a:srgbClr val="7030A0"/>
+              </a:solidFill>
+            </a:endParaRPr>
+          </a:p>
+        </p:txBody>
+      </p:sp>
+      <p:sp>
+        <p:nvSpPr>
+          <p:cNvPr id="53" name="TextBox 52"/>
+          <p:cNvSpPr txBox="1"/>
+          <p:nvPr/>
+        </p:nvSpPr>
+        <p:spPr>
+          <a:xfrm>
+            <a:off x="6068174" y="5360909"/>
+            <a:ext cx="543739" cy="369332"/>
+          </a:xfrm>
+          <a:prstGeom prst="rect">
+            <a:avLst/>
+          </a:prstGeom>
+          <a:noFill/>
+          <a:ln>
+            <a:noFill/>
+          </a:ln>
+        </p:spPr>
+        <p:txBody>
+          <a:bodyPr wrap="none" rtlCol="0">
+            <a:spAutoFit/>
+          </a:bodyPr>
+          <a:lstStyle/>
+          <a:p>
+            <a:r>
+              <a:rPr lang="en-US" b="1" smtClean="0">
+                <a:solidFill>
+                  <a:srgbClr val="7030A0"/>
+                </a:solidFill>
+              </a:rPr>
+              <a:t>null</a:t>
+            </a:r>
+            <a:endParaRPr lang="en-US" b="1">
+              <a:solidFill>
+                <a:srgbClr val="7030A0"/>
+              </a:solidFill>
+            </a:endParaRPr>
+          </a:p>
+        </p:txBody>
+      </p:sp>
+      <p:sp>
+        <p:nvSpPr>
+          <p:cNvPr id="54" name="Rectangle 53"/>
+          <p:cNvSpPr/>
+          <p:nvPr/>
+        </p:nvSpPr>
+        <p:spPr>
+          <a:xfrm>
+            <a:off x="3278692" y="5068717"/>
+            <a:ext cx="1057524" cy="415109"/>
+          </a:xfrm>
+          <a:prstGeom prst="rect">
+            <a:avLst/>
+          </a:prstGeom>
+          <a:noFill/>
+          <a:ln w="28575">
+            <a:solidFill>
+              <a:srgbClr val="7030A0"/>
+            </a:solidFill>
+          </a:ln>
+        </p:spPr>
+        <p:style>
+          <a:lnRef idx="2">
+            <a:schemeClr val="accent1">
+              <a:shade val="50000"/>
+            </a:schemeClr>
+          </a:lnRef>
+          <a:fillRef idx="1">
+            <a:schemeClr val="accent1"/>
+          </a:fillRef>
+          <a:effectRef idx="0">
+            <a:schemeClr val="accent1"/>
+          </a:effectRef>
+          <a:fontRef idx="minor">
+            <a:schemeClr val="lt1"/>
+          </a:fontRef>
+        </p:style>
+        <p:txBody>
+          <a:bodyPr rtlCol="0" anchor="ctr"/>
+          <a:lstStyle/>
+          <a:p>
+            <a:pPr algn="ctr"/>
+            <a:r>
+              <a:rPr lang="en-US" b="1" smtClean="0">
+                <a:solidFill>
+                  <a:srgbClr val="7030A0"/>
+                </a:solidFill>
+              </a:rPr>
+              <a:t>val</a:t>
+            </a:r>
+            <a:endParaRPr lang="en-US" b="1">
+              <a:solidFill>
+                <a:srgbClr val="7030A0"/>
+              </a:solidFill>
+            </a:endParaRPr>
+          </a:p>
+        </p:txBody>
+      </p:sp>
+      <p:sp>
+        <p:nvSpPr>
+          <p:cNvPr id="55" name="TextBox 54"/>
+          <p:cNvSpPr txBox="1"/>
+          <p:nvPr/>
+        </p:nvSpPr>
+        <p:spPr>
+          <a:xfrm>
+            <a:off x="4336216" y="5343965"/>
+            <a:ext cx="301686" cy="369332"/>
+          </a:xfrm>
+          <a:prstGeom prst="rect">
+            <a:avLst/>
+          </a:prstGeom>
+          <a:noFill/>
+          <a:ln>
+            <a:noFill/>
+          </a:ln>
+        </p:spPr>
+        <p:txBody>
+          <a:bodyPr wrap="none" rtlCol="0">
+            <a:spAutoFit/>
+          </a:bodyPr>
+          <a:lstStyle/>
+          <a:p>
+            <a:r>
+              <a:rPr lang="en-US" b="1" smtClean="0">
+                <a:solidFill>
+                  <a:srgbClr val="7030A0"/>
+                </a:solidFill>
+              </a:rPr>
+              <a:t>3</a:t>
+            </a:r>
+            <a:endParaRPr lang="en-US" b="1">
+              <a:solidFill>
+                <a:srgbClr val="7030A0"/>
+              </a:solidFill>
+            </a:endParaRPr>
+          </a:p>
+        </p:txBody>
+      </p:sp>
+      <p:sp>
+        <p:nvSpPr>
+          <p:cNvPr id="56" name="TextBox 55"/>
+          <p:cNvSpPr txBox="1"/>
+          <p:nvPr/>
+        </p:nvSpPr>
+        <p:spPr>
+          <a:xfrm>
+            <a:off x="8685322" y="1235422"/>
+            <a:ext cx="671979" cy="369332"/>
+          </a:xfrm>
+          <a:prstGeom prst="rect">
+            <a:avLst/>
+          </a:prstGeom>
+          <a:noFill/>
+        </p:spPr>
+        <p:txBody>
+          <a:bodyPr wrap="none" rtlCol="0">
+            <a:spAutoFit/>
+          </a:bodyPr>
+          <a:lstStyle/>
+          <a:p>
+            <a:r>
+              <a:rPr lang="en-US" b="1" smtClean="0">
+                <a:solidFill>
+                  <a:srgbClr val="7030A0"/>
+                </a:solidFill>
+              </a:rPr>
+              <a:t>N = 3</a:t>
+            </a:r>
+            <a:endParaRPr lang="en-US" b="1">
+              <a:solidFill>
+                <a:srgbClr val="7030A0"/>
+              </a:solidFill>
+            </a:endParaRPr>
+          </a:p>
+        </p:txBody>
+      </p:sp>
+      <p:sp>
+        <p:nvSpPr>
+          <p:cNvPr id="57" name="TextBox 56"/>
+          <p:cNvSpPr txBox="1"/>
+          <p:nvPr/>
+        </p:nvSpPr>
+        <p:spPr>
+          <a:xfrm>
+            <a:off x="5439267" y="1399504"/>
+            <a:ext cx="417102" cy="369332"/>
+          </a:xfrm>
+          <a:prstGeom prst="rect">
+            <a:avLst/>
+          </a:prstGeom>
+          <a:noFill/>
+          <a:ln>
+            <a:noFill/>
+          </a:ln>
+        </p:spPr>
+        <p:txBody>
+          <a:bodyPr wrap="none" rtlCol="0">
+            <a:spAutoFit/>
+          </a:bodyPr>
+          <a:lstStyle/>
+          <a:p>
+            <a:r>
+              <a:rPr lang="en-US" b="1" smtClean="0">
+                <a:solidFill>
+                  <a:srgbClr val="7030A0"/>
+                </a:solidFill>
+              </a:rPr>
+              <a:t>e5</a:t>
+            </a:r>
+            <a:endParaRPr lang="en-US" b="1">
+              <a:solidFill>
+                <a:srgbClr val="7030A0"/>
+              </a:solidFill>
+            </a:endParaRPr>
+          </a:p>
+        </p:txBody>
+      </p:sp>
+      <p:cxnSp>
+        <p:nvCxnSpPr>
+          <p:cNvPr id="58" name="Straight Connector 57"/>
+          <p:cNvCxnSpPr/>
+          <p:nvPr/>
+        </p:nvCxnSpPr>
+        <p:spPr>
+          <a:xfrm flipH="1">
+            <a:off x="5068747" y="1505758"/>
+            <a:ext cx="417102" cy="230615"/>
+          </a:xfrm>
+          <a:prstGeom prst="line">
+            <a:avLst/>
+          </a:prstGeom>
+          <a:ln w="28575">
+            <a:solidFill>
+              <a:srgbClr val="7030A0"/>
+            </a:solidFill>
+          </a:ln>
+        </p:spPr>
+        <p:style>
+          <a:lnRef idx="1">
+            <a:schemeClr val="accent1"/>
+          </a:lnRef>
+          <a:fillRef idx="0">
+            <a:schemeClr val="accent1"/>
+          </a:fillRef>
+          <a:effectRef idx="0">
+            <a:schemeClr val="accent1"/>
+          </a:effectRef>
+          <a:fontRef idx="minor">
+            <a:schemeClr val="tx1"/>
+          </a:fontRef>
+        </p:style>
+      </p:cxnSp>
+      <p:cxnSp>
+        <p:nvCxnSpPr>
+          <p:cNvPr id="59" name="Straight Connector 58"/>
+          <p:cNvCxnSpPr/>
+          <p:nvPr/>
+        </p:nvCxnSpPr>
+        <p:spPr>
+          <a:xfrm flipH="1">
+            <a:off x="6131492" y="4418640"/>
+            <a:ext cx="417102" cy="230615"/>
+          </a:xfrm>
+          <a:prstGeom prst="line">
+            <a:avLst/>
+          </a:prstGeom>
+          <a:ln w="28575">
+            <a:solidFill>
+              <a:srgbClr val="7030A0"/>
+            </a:solidFill>
+          </a:ln>
+        </p:spPr>
+        <p:style>
+          <a:lnRef idx="1">
+            <a:schemeClr val="accent1"/>
+          </a:lnRef>
+          <a:fillRef idx="0">
+            <a:schemeClr val="accent1"/>
+          </a:fillRef>
+          <a:effectRef idx="0">
+            <a:schemeClr val="accent1"/>
+          </a:effectRef>
+          <a:fontRef idx="minor">
+            <a:schemeClr val="tx1"/>
+          </a:fontRef>
+        </p:style>
+      </p:cxnSp>
+      <p:sp>
+        <p:nvSpPr>
+          <p:cNvPr id="60" name="TextBox 59"/>
+          <p:cNvSpPr txBox="1"/>
+          <p:nvPr/>
+        </p:nvSpPr>
+        <p:spPr>
+          <a:xfrm>
+            <a:off x="6560543" y="4341383"/>
+            <a:ext cx="417102" cy="369332"/>
+          </a:xfrm>
+          <a:prstGeom prst="rect">
+            <a:avLst/>
+          </a:prstGeom>
+          <a:noFill/>
+          <a:ln>
+            <a:noFill/>
+          </a:ln>
+        </p:spPr>
+        <p:txBody>
+          <a:bodyPr wrap="none" rtlCol="0">
+            <a:spAutoFit/>
+          </a:bodyPr>
+          <a:lstStyle/>
+          <a:p>
+            <a:r>
+              <a:rPr lang="en-US" b="1" smtClean="0">
+                <a:solidFill>
+                  <a:srgbClr val="7030A0"/>
+                </a:solidFill>
+              </a:rPr>
+              <a:t>e5</a:t>
+            </a:r>
+            <a:endParaRPr lang="en-US" b="1">
+              <a:solidFill>
+                <a:srgbClr val="7030A0"/>
+              </a:solidFill>
+            </a:endParaRPr>
+          </a:p>
+        </p:txBody>
+      </p:sp>
+      <p:sp>
+        <p:nvSpPr>
+          <p:cNvPr id="61" name="TextBox 60"/>
+          <p:cNvSpPr txBox="1"/>
+          <p:nvPr/>
+        </p:nvSpPr>
+        <p:spPr>
+          <a:xfrm>
+            <a:off x="8926333" y="1345348"/>
+            <a:ext cx="245580" cy="923330"/>
+          </a:xfrm>
+          <a:prstGeom prst="rect">
+            <a:avLst/>
+          </a:prstGeom>
+          <a:noFill/>
+        </p:spPr>
+        <p:txBody>
+          <a:bodyPr wrap="none" rtlCol="0">
+            <a:spAutoFit/>
+          </a:bodyPr>
+          <a:lstStyle/>
+          <a:p>
+            <a:r>
+              <a:rPr lang="en-US" b="1" smtClean="0">
+                <a:solidFill>
+                  <a:srgbClr val="FF0000"/>
+                </a:solidFill>
+              </a:rPr>
+              <a:t>.</a:t>
+            </a:r>
+          </a:p>
+          <a:p>
+            <a:r>
+              <a:rPr lang="en-US" b="1" smtClean="0">
+                <a:solidFill>
+                  <a:srgbClr val="FF0000"/>
+                </a:solidFill>
+              </a:rPr>
+              <a:t>.</a:t>
+            </a:r>
+          </a:p>
+          <a:p>
+            <a:r>
+              <a:rPr lang="en-US" b="1">
+                <a:solidFill>
+                  <a:srgbClr val="FF0000"/>
+                </a:solidFill>
+              </a:rPr>
+              <a:t>.</a:t>
+            </a:r>
+          </a:p>
+        </p:txBody>
+      </p:sp>
+      <p:sp>
+        <p:nvSpPr>
+          <p:cNvPr id="62" name="TextBox 61"/>
+          <p:cNvSpPr txBox="1"/>
+          <p:nvPr/>
+        </p:nvSpPr>
+        <p:spPr>
+          <a:xfrm>
+            <a:off x="3561874" y="5746039"/>
+            <a:ext cx="245580" cy="923330"/>
+          </a:xfrm>
+          <a:prstGeom prst="rect">
+            <a:avLst/>
+          </a:prstGeom>
+          <a:noFill/>
+        </p:spPr>
+        <p:txBody>
+          <a:bodyPr wrap="none" rtlCol="0">
+            <a:spAutoFit/>
+          </a:bodyPr>
+          <a:lstStyle/>
+          <a:p>
+            <a:r>
+              <a:rPr lang="en-US" b="1" smtClean="0">
+                <a:solidFill>
+                  <a:srgbClr val="FF0000"/>
+                </a:solidFill>
+              </a:rPr>
+              <a:t>.</a:t>
+            </a:r>
+          </a:p>
+          <a:p>
+            <a:r>
+              <a:rPr lang="en-US" b="1" smtClean="0">
+                <a:solidFill>
+                  <a:srgbClr val="FF0000"/>
+                </a:solidFill>
+              </a:rPr>
+              <a:t>.</a:t>
+            </a:r>
+          </a:p>
+          <a:p>
+            <a:r>
+              <a:rPr lang="en-US" b="1">
+                <a:solidFill>
+                  <a:srgbClr val="FF0000"/>
+                </a:solidFill>
+              </a:rPr>
+              <a:t>.</a:t>
+            </a:r>
+          </a:p>
+        </p:txBody>
+      </p:sp>
+      <p:sp>
+        <p:nvSpPr>
+          <p:cNvPr id="63" name="TextBox 62"/>
+          <p:cNvSpPr txBox="1"/>
+          <p:nvPr/>
+        </p:nvSpPr>
+        <p:spPr>
+          <a:xfrm>
+            <a:off x="8694614" y="2195812"/>
+            <a:ext cx="2665923" cy="1754326"/>
+          </a:xfrm>
+          <a:prstGeom prst="rect">
+            <a:avLst/>
+          </a:prstGeom>
+          <a:noFill/>
+        </p:spPr>
+        <p:txBody>
+          <a:bodyPr wrap="none" rtlCol="0">
+            <a:spAutoFit/>
+          </a:bodyPr>
+          <a:lstStyle/>
+          <a:p>
+            <a:r>
+              <a:rPr lang="en-US" sz="1200" smtClean="0"/>
+              <a:t>traverseQueue </a:t>
+            </a:r>
+            <a:r>
+              <a:rPr lang="en-US" sz="1200"/>
+              <a:t>&lt;- function(queueIn, n) {</a:t>
+            </a:r>
+          </a:p>
+          <a:p>
+            <a:r>
+              <a:rPr lang="en-US" sz="1200"/>
+              <a:t>if (n == 0) {</a:t>
+            </a:r>
+          </a:p>
+          <a:p>
+            <a:r>
+              <a:rPr lang="en-US" sz="1200"/>
+              <a:t> </a:t>
+            </a:r>
+            <a:r>
+              <a:rPr lang="en-US" sz="1200" smtClean="0"/>
+              <a:t>   return</a:t>
+            </a:r>
+            <a:endParaRPr lang="en-US" sz="1200"/>
+          </a:p>
+          <a:p>
+            <a:r>
+              <a:rPr lang="en-US" sz="1200" smtClean="0"/>
+              <a:t>    } </a:t>
+            </a:r>
+            <a:r>
+              <a:rPr lang="en-US" sz="1200"/>
+              <a:t>else {</a:t>
+            </a:r>
+          </a:p>
+          <a:p>
+            <a:r>
+              <a:rPr lang="en-US" sz="1200"/>
+              <a:t> </a:t>
+            </a:r>
+            <a:r>
+              <a:rPr lang="en-US" sz="1200" smtClean="0"/>
+              <a:t>      n </a:t>
+            </a:r>
+            <a:r>
+              <a:rPr lang="en-US" sz="1200"/>
+              <a:t>&lt;- n - 1</a:t>
+            </a:r>
+          </a:p>
+          <a:p>
+            <a:r>
+              <a:rPr lang="en-US" sz="1200" smtClean="0"/>
+              <a:t>       print(queueIn$val</a:t>
+            </a:r>
+            <a:r>
+              <a:rPr lang="en-US" sz="1200"/>
+              <a:t>)</a:t>
+            </a:r>
+          </a:p>
+          <a:p>
+            <a:r>
+              <a:rPr lang="en-US" sz="1200" smtClean="0"/>
+              <a:t>       traverseQueue(queueIn$q</a:t>
+            </a:r>
+            <a:r>
+              <a:rPr lang="en-US" sz="1200"/>
+              <a:t>, n)</a:t>
+            </a:r>
+          </a:p>
+          <a:p>
+            <a:r>
+              <a:rPr lang="en-US" sz="1200" smtClean="0"/>
+              <a:t>           }</a:t>
+            </a:r>
+            <a:endParaRPr lang="en-US" sz="1200"/>
+          </a:p>
+          <a:p>
+            <a:r>
+              <a:rPr lang="en-US" sz="1200"/>
+              <a:t> </a:t>
+            </a:r>
+            <a:r>
+              <a:rPr lang="en-US" sz="1200" smtClean="0"/>
+              <a:t>      }</a:t>
+            </a:r>
+            <a:endParaRPr lang="en-US" sz="1200"/>
+          </a:p>
+        </p:txBody>
+      </p:sp>
+      <p:sp>
+        <p:nvSpPr>
+          <p:cNvPr id="64" name="TextBox 63"/>
+          <p:cNvSpPr txBox="1"/>
+          <p:nvPr/>
+        </p:nvSpPr>
+        <p:spPr>
+          <a:xfrm>
+            <a:off x="8694614" y="3945599"/>
+            <a:ext cx="3267986" cy="2554545"/>
+          </a:xfrm>
+          <a:prstGeom prst="rect">
+            <a:avLst/>
+          </a:prstGeom>
+          <a:noFill/>
+        </p:spPr>
+        <p:txBody>
+          <a:bodyPr wrap="square" rtlCol="0">
+            <a:spAutoFit/>
+          </a:bodyPr>
+          <a:lstStyle/>
+          <a:p>
+            <a:r>
+              <a:rPr lang="en-US" sz="1600" smtClean="0"/>
+              <a:t>Assumption is that model will use a time-series queue, each element of which is an event to occur at time t.  Thus, a JumpIntoQueue function for event at t will have to traverse the queue, find events at (t – i) and (t + j) and insert the new event for time t in between the two.  That function will be built off the initial logic of traverseQueue, above.</a:t>
+            </a:r>
+            <a:endParaRPr lang="en-US" sz="1600"/>
+          </a:p>
+        </p:txBody>
+      </p:sp>
+    </p:spTree>
+    <p:extLst>
+      <p:ext uri="{BB962C8B-B14F-4D97-AF65-F5344CB8AC3E}">
+        <p14:creationId xmlns:p14="http://schemas.microsoft.com/office/powerpoint/2010/main" val="637848313"/>
       </p:ext>
     </p:extLst>
   </p:cSld>

--- a/Water Lift.pptx
+++ b/Water Lift.pptx
@@ -5,13 +5,17 @@
     <p:sldMasterId id="2147483648" r:id="rId1"/>
   </p:sldMasterIdLst>
   <p:notesMasterIdLst>
-    <p:notesMasterId r:id="rId6"/>
+    <p:notesMasterId r:id="rId10"/>
   </p:notesMasterIdLst>
   <p:sldIdLst>
     <p:sldId id="257" r:id="rId2"/>
     <p:sldId id="256" r:id="rId3"/>
     <p:sldId id="258" r:id="rId4"/>
     <p:sldId id="259" r:id="rId5"/>
+    <p:sldId id="260" r:id="rId6"/>
+    <p:sldId id="261" r:id="rId7"/>
+    <p:sldId id="262" r:id="rId8"/>
+    <p:sldId id="263" r:id="rId9"/>
   </p:sldIdLst>
   <p:sldSz cx="12192000" cy="6858000"/>
   <p:notesSz cx="6858000" cy="9144000"/>
@@ -200,7 +204,7 @@
           <a:p>
             <a:fld id="{5BDBF0C8-BD07-4055-AFB2-CD72F0F961BA}" type="datetimeFigureOut">
               <a:rPr lang="en-US" smtClean="0"/>
-              <a:t>7/10/2019</a:t>
+              <a:t>7/11/2019</a:t>
             </a:fld>
             <a:endParaRPr lang="en-US"/>
           </a:p>
@@ -683,7 +687,7 @@
           <a:p>
             <a:fld id="{0BC08ED2-4D06-4F96-B1B8-64B30AEC7CF7}" type="datetimeFigureOut">
               <a:rPr lang="en-US" smtClean="0"/>
-              <a:t>7/10/2019</a:t>
+              <a:t>7/11/2019</a:t>
             </a:fld>
             <a:endParaRPr lang="en-US"/>
           </a:p>
@@ -853,7 +857,7 @@
           <a:p>
             <a:fld id="{0BC08ED2-4D06-4F96-B1B8-64B30AEC7CF7}" type="datetimeFigureOut">
               <a:rPr lang="en-US" smtClean="0"/>
-              <a:t>7/10/2019</a:t>
+              <a:t>7/11/2019</a:t>
             </a:fld>
             <a:endParaRPr lang="en-US"/>
           </a:p>
@@ -1033,7 +1037,7 @@
           <a:p>
             <a:fld id="{0BC08ED2-4D06-4F96-B1B8-64B30AEC7CF7}" type="datetimeFigureOut">
               <a:rPr lang="en-US" smtClean="0"/>
-              <a:t>7/10/2019</a:t>
+              <a:t>7/11/2019</a:t>
             </a:fld>
             <a:endParaRPr lang="en-US"/>
           </a:p>
@@ -1203,7 +1207,7 @@
           <a:p>
             <a:fld id="{0BC08ED2-4D06-4F96-B1B8-64B30AEC7CF7}" type="datetimeFigureOut">
               <a:rPr lang="en-US" smtClean="0"/>
-              <a:t>7/10/2019</a:t>
+              <a:t>7/11/2019</a:t>
             </a:fld>
             <a:endParaRPr lang="en-US"/>
           </a:p>
@@ -1449,7 +1453,7 @@
           <a:p>
             <a:fld id="{0BC08ED2-4D06-4F96-B1B8-64B30AEC7CF7}" type="datetimeFigureOut">
               <a:rPr lang="en-US" smtClean="0"/>
-              <a:t>7/10/2019</a:t>
+              <a:t>7/11/2019</a:t>
             </a:fld>
             <a:endParaRPr lang="en-US"/>
           </a:p>
@@ -1681,7 +1685,7 @@
           <a:p>
             <a:fld id="{0BC08ED2-4D06-4F96-B1B8-64B30AEC7CF7}" type="datetimeFigureOut">
               <a:rPr lang="en-US" smtClean="0"/>
-              <a:t>7/10/2019</a:t>
+              <a:t>7/11/2019</a:t>
             </a:fld>
             <a:endParaRPr lang="en-US"/>
           </a:p>
@@ -2048,7 +2052,7 @@
           <a:p>
             <a:fld id="{0BC08ED2-4D06-4F96-B1B8-64B30AEC7CF7}" type="datetimeFigureOut">
               <a:rPr lang="en-US" smtClean="0"/>
-              <a:t>7/10/2019</a:t>
+              <a:t>7/11/2019</a:t>
             </a:fld>
             <a:endParaRPr lang="en-US"/>
           </a:p>
@@ -2166,7 +2170,7 @@
           <a:p>
             <a:fld id="{0BC08ED2-4D06-4F96-B1B8-64B30AEC7CF7}" type="datetimeFigureOut">
               <a:rPr lang="en-US" smtClean="0"/>
-              <a:t>7/10/2019</a:t>
+              <a:t>7/11/2019</a:t>
             </a:fld>
             <a:endParaRPr lang="en-US"/>
           </a:p>
@@ -2261,7 +2265,7 @@
           <a:p>
             <a:fld id="{0BC08ED2-4D06-4F96-B1B8-64B30AEC7CF7}" type="datetimeFigureOut">
               <a:rPr lang="en-US" smtClean="0"/>
-              <a:t>7/10/2019</a:t>
+              <a:t>7/11/2019</a:t>
             </a:fld>
             <a:endParaRPr lang="en-US"/>
           </a:p>
@@ -2538,7 +2542,7 @@
           <a:p>
             <a:fld id="{0BC08ED2-4D06-4F96-B1B8-64B30AEC7CF7}" type="datetimeFigureOut">
               <a:rPr lang="en-US" smtClean="0"/>
-              <a:t>7/10/2019</a:t>
+              <a:t>7/11/2019</a:t>
             </a:fld>
             <a:endParaRPr lang="en-US"/>
           </a:p>
@@ -2791,7 +2795,7 @@
           <a:p>
             <a:fld id="{0BC08ED2-4D06-4F96-B1B8-64B30AEC7CF7}" type="datetimeFigureOut">
               <a:rPr lang="en-US" smtClean="0"/>
-              <a:t>7/10/2019</a:t>
+              <a:t>7/11/2019</a:t>
             </a:fld>
             <a:endParaRPr lang="en-US"/>
           </a:p>
@@ -3004,7 +3008,7 @@
           <a:p>
             <a:fld id="{0BC08ED2-4D06-4F96-B1B8-64B30AEC7CF7}" type="datetimeFigureOut">
               <a:rPr lang="en-US" smtClean="0"/>
-              <a:t>7/10/2019</a:t>
+              <a:t>7/11/2019</a:t>
             </a:fld>
             <a:endParaRPr lang="en-US"/>
           </a:p>
@@ -8702,13 +8706,7 @@
               <a:rPr lang="en-US">
                 <a:hlinkClick r:id="rId2"/>
               </a:rPr>
-              <a:t>https</a:t>
-            </a:r>
-            <a:r>
-              <a:rPr lang="en-US">
-                <a:hlinkClick r:id="rId2"/>
-              </a:rPr>
-              <a:t>://</a:t>
+              <a:t>https://</a:t>
             </a:r>
             <a:r>
               <a:rPr lang="en-US" smtClean="0">
@@ -10000,7 +9998,7 @@
                   </a:schemeClr>
                 </a:solidFill>
               </a:rPr>
-              <a:t>q</a:t>
+              <a:t>follow</a:t>
             </a:r>
             <a:endParaRPr lang="en-US">
               <a:solidFill>
@@ -10182,6 +10180,889 @@
       </p:sp>
       <p:sp>
         <p:nvSpPr>
+          <p:cNvPr id="65" name="TextBox 64"/>
+          <p:cNvSpPr txBox="1"/>
+          <p:nvPr/>
+        </p:nvSpPr>
+        <p:spPr>
+          <a:xfrm>
+            <a:off x="2545160" y="458476"/>
+            <a:ext cx="417102" cy="369332"/>
+          </a:xfrm>
+          <a:prstGeom prst="rect">
+            <a:avLst/>
+          </a:prstGeom>
+          <a:noFill/>
+        </p:spPr>
+        <p:txBody>
+          <a:bodyPr wrap="none" rtlCol="0">
+            <a:spAutoFit/>
+          </a:bodyPr>
+          <a:lstStyle/>
+          <a:p>
+            <a:r>
+              <a:rPr lang="en-US" smtClean="0">
+                <a:solidFill>
+                  <a:schemeClr val="accent1">
+                    <a:lumMod val="50000"/>
+                  </a:schemeClr>
+                </a:solidFill>
+              </a:rPr>
+              <a:t>e1</a:t>
+            </a:r>
+            <a:endParaRPr lang="en-US">
+              <a:solidFill>
+                <a:schemeClr val="accent1">
+                  <a:lumMod val="50000"/>
+                </a:schemeClr>
+              </a:solidFill>
+            </a:endParaRPr>
+          </a:p>
+        </p:txBody>
+      </p:sp>
+    </p:spTree>
+    <p:extLst>
+      <p:ext uri="{BB962C8B-B14F-4D97-AF65-F5344CB8AC3E}">
+        <p14:creationId xmlns:p14="http://schemas.microsoft.com/office/powerpoint/2010/main" val="637848313"/>
+      </p:ext>
+    </p:extLst>
+  </p:cSld>
+  <p:clrMapOvr>
+    <a:masterClrMapping/>
+  </p:clrMapOvr>
+  <p:timing>
+    <p:tnLst>
+      <p:par>
+        <p:cTn id="1" dur="indefinite" restart="never" nodeType="tmRoot"/>
+      </p:par>
+    </p:tnLst>
+  </p:timing>
+</p:sld>
+</file>
+
+<file path=ppt/slides/slide5.xml><?xml version="1.0" encoding="utf-8"?>
+<p:sld xmlns:a="http://schemas.openxmlformats.org/drawingml/2006/main" xmlns:r="http://schemas.openxmlformats.org/officeDocument/2006/relationships" xmlns:p="http://schemas.openxmlformats.org/presentationml/2006/main">
+  <p:cSld>
+    <p:spTree>
+      <p:nvGrpSpPr>
+        <p:cNvPr id="1" name=""/>
+        <p:cNvGrpSpPr/>
+        <p:nvPr/>
+      </p:nvGrpSpPr>
+      <p:grpSpPr>
+        <a:xfrm>
+          <a:off x="0" y="0"/>
+          <a:ext cx="0" cy="0"/>
+          <a:chOff x="0" y="0"/>
+          <a:chExt cx="0" cy="0"/>
+        </a:xfrm>
+      </p:grpSpPr>
+      <p:sp>
+        <p:nvSpPr>
+          <p:cNvPr id="4" name="TextBox 3"/>
+          <p:cNvSpPr txBox="1"/>
+          <p:nvPr/>
+        </p:nvSpPr>
+        <p:spPr>
+          <a:xfrm>
+            <a:off x="111318" y="144085"/>
+            <a:ext cx="844014" cy="214239"/>
+          </a:xfrm>
+          <a:prstGeom prst="rect">
+            <a:avLst/>
+          </a:prstGeom>
+          <a:noFill/>
+        </p:spPr>
+        <p:txBody>
+          <a:bodyPr wrap="none" rtlCol="0">
+            <a:spAutoFit/>
+          </a:bodyPr>
+          <a:lstStyle/>
+          <a:p>
+            <a:r>
+              <a:rPr lang="en-US" smtClean="0"/>
+              <a:t>.</a:t>
+            </a:r>
+            <a:r>
+              <a:rPr lang="en-US" smtClean="0">
+                <a:solidFill>
+                  <a:schemeClr val="accent1">
+                    <a:lumMod val="50000"/>
+                  </a:schemeClr>
+                </a:solidFill>
+              </a:rPr>
+              <a:t>Global</a:t>
+            </a:r>
+            <a:endParaRPr lang="en-US">
+              <a:solidFill>
+                <a:schemeClr val="accent1">
+                  <a:lumMod val="50000"/>
+                </a:schemeClr>
+              </a:solidFill>
+            </a:endParaRPr>
+          </a:p>
+        </p:txBody>
+      </p:sp>
+      <p:sp>
+        <p:nvSpPr>
+          <p:cNvPr id="5" name="Rectangle 4"/>
+          <p:cNvSpPr/>
+          <p:nvPr/>
+        </p:nvSpPr>
+        <p:spPr>
+          <a:xfrm>
+            <a:off x="955332" y="79513"/>
+            <a:ext cx="7576418" cy="770258"/>
+          </a:xfrm>
+          <a:prstGeom prst="rect">
+            <a:avLst/>
+          </a:prstGeom>
+          <a:noFill/>
+          <a:ln>
+            <a:solidFill>
+              <a:schemeClr val="accent1">
+                <a:lumMod val="50000"/>
+              </a:schemeClr>
+            </a:solidFill>
+          </a:ln>
+        </p:spPr>
+        <p:style>
+          <a:lnRef idx="2">
+            <a:schemeClr val="accent1">
+              <a:shade val="50000"/>
+            </a:schemeClr>
+          </a:lnRef>
+          <a:fillRef idx="1">
+            <a:schemeClr val="accent1"/>
+          </a:fillRef>
+          <a:effectRef idx="0">
+            <a:schemeClr val="accent1"/>
+          </a:effectRef>
+          <a:fontRef idx="minor">
+            <a:schemeClr val="lt1"/>
+          </a:fontRef>
+        </p:style>
+        <p:txBody>
+          <a:bodyPr rtlCol="0" anchor="ctr"/>
+          <a:lstStyle/>
+          <a:p>
+            <a:pPr algn="ctr"/>
+            <a:endParaRPr lang="en-US"/>
+          </a:p>
+        </p:txBody>
+      </p:sp>
+      <p:sp>
+        <p:nvSpPr>
+          <p:cNvPr id="6" name="Rectangle 5"/>
+          <p:cNvSpPr/>
+          <p:nvPr/>
+        </p:nvSpPr>
+        <p:spPr>
+          <a:xfrm>
+            <a:off x="1494846" y="204046"/>
+            <a:ext cx="1057524" cy="415109"/>
+          </a:xfrm>
+          <a:prstGeom prst="rect">
+            <a:avLst/>
+          </a:prstGeom>
+          <a:noFill/>
+          <a:ln>
+            <a:solidFill>
+              <a:schemeClr val="accent1">
+                <a:lumMod val="50000"/>
+              </a:schemeClr>
+            </a:solidFill>
+          </a:ln>
+        </p:spPr>
+        <p:style>
+          <a:lnRef idx="2">
+            <a:schemeClr val="accent1">
+              <a:shade val="50000"/>
+            </a:schemeClr>
+          </a:lnRef>
+          <a:fillRef idx="1">
+            <a:schemeClr val="accent1"/>
+          </a:fillRef>
+          <a:effectRef idx="0">
+            <a:schemeClr val="accent1"/>
+          </a:effectRef>
+          <a:fontRef idx="minor">
+            <a:schemeClr val="lt1"/>
+          </a:fontRef>
+        </p:style>
+        <p:txBody>
+          <a:bodyPr rtlCol="0" anchor="ctr"/>
+          <a:lstStyle/>
+          <a:p>
+            <a:pPr algn="ctr"/>
+            <a:r>
+              <a:rPr lang="en-US" smtClean="0">
+                <a:solidFill>
+                  <a:schemeClr val="accent1">
+                    <a:lumMod val="50000"/>
+                  </a:schemeClr>
+                </a:solidFill>
+              </a:rPr>
+              <a:t>qq</a:t>
+            </a:r>
+            <a:endParaRPr lang="en-US">
+              <a:solidFill>
+                <a:schemeClr val="accent1">
+                  <a:lumMod val="50000"/>
+                </a:schemeClr>
+              </a:solidFill>
+            </a:endParaRPr>
+          </a:p>
+        </p:txBody>
+      </p:sp>
+      <p:sp>
+        <p:nvSpPr>
+          <p:cNvPr id="7" name="TextBox 6"/>
+          <p:cNvSpPr txBox="1"/>
+          <p:nvPr/>
+        </p:nvSpPr>
+        <p:spPr>
+          <a:xfrm>
+            <a:off x="111318" y="1038876"/>
+            <a:ext cx="417102" cy="214239"/>
+          </a:xfrm>
+          <a:prstGeom prst="rect">
+            <a:avLst/>
+          </a:prstGeom>
+          <a:noFill/>
+        </p:spPr>
+        <p:txBody>
+          <a:bodyPr wrap="none" rtlCol="0">
+            <a:spAutoFit/>
+          </a:bodyPr>
+          <a:lstStyle/>
+          <a:p>
+            <a:r>
+              <a:rPr lang="en-US" smtClean="0">
+                <a:solidFill>
+                  <a:schemeClr val="accent1">
+                    <a:lumMod val="50000"/>
+                  </a:schemeClr>
+                </a:solidFill>
+              </a:rPr>
+              <a:t>e1</a:t>
+            </a:r>
+            <a:endParaRPr lang="en-US">
+              <a:solidFill>
+                <a:schemeClr val="accent1">
+                  <a:lumMod val="50000"/>
+                </a:schemeClr>
+              </a:solidFill>
+            </a:endParaRPr>
+          </a:p>
+        </p:txBody>
+      </p:sp>
+      <p:sp>
+        <p:nvSpPr>
+          <p:cNvPr id="8" name="Rectangle 7"/>
+          <p:cNvSpPr/>
+          <p:nvPr/>
+        </p:nvSpPr>
+        <p:spPr>
+          <a:xfrm>
+            <a:off x="955332" y="974304"/>
+            <a:ext cx="7576418" cy="770258"/>
+          </a:xfrm>
+          <a:prstGeom prst="rect">
+            <a:avLst/>
+          </a:prstGeom>
+          <a:noFill/>
+          <a:ln>
+            <a:solidFill>
+              <a:schemeClr val="accent1">
+                <a:lumMod val="50000"/>
+              </a:schemeClr>
+            </a:solidFill>
+          </a:ln>
+        </p:spPr>
+        <p:style>
+          <a:lnRef idx="2">
+            <a:schemeClr val="accent1">
+              <a:shade val="50000"/>
+            </a:schemeClr>
+          </a:lnRef>
+          <a:fillRef idx="1">
+            <a:schemeClr val="accent1"/>
+          </a:fillRef>
+          <a:effectRef idx="0">
+            <a:schemeClr val="accent1"/>
+          </a:effectRef>
+          <a:fontRef idx="minor">
+            <a:schemeClr val="lt1"/>
+          </a:fontRef>
+        </p:style>
+        <p:txBody>
+          <a:bodyPr rtlCol="0" anchor="ctr"/>
+          <a:lstStyle/>
+          <a:p>
+            <a:pPr algn="ctr"/>
+            <a:endParaRPr lang="en-US"/>
+          </a:p>
+        </p:txBody>
+      </p:sp>
+      <p:sp>
+        <p:nvSpPr>
+          <p:cNvPr id="9" name="Rectangle 8"/>
+          <p:cNvSpPr/>
+          <p:nvPr/>
+        </p:nvSpPr>
+        <p:spPr>
+          <a:xfrm>
+            <a:off x="1494846" y="1098837"/>
+            <a:ext cx="1057524" cy="415109"/>
+          </a:xfrm>
+          <a:prstGeom prst="rect">
+            <a:avLst/>
+          </a:prstGeom>
+          <a:noFill/>
+          <a:ln>
+            <a:solidFill>
+              <a:schemeClr val="accent1">
+                <a:lumMod val="50000"/>
+              </a:schemeClr>
+            </a:solidFill>
+          </a:ln>
+        </p:spPr>
+        <p:style>
+          <a:lnRef idx="2">
+            <a:schemeClr val="accent1">
+              <a:shade val="50000"/>
+            </a:schemeClr>
+          </a:lnRef>
+          <a:fillRef idx="1">
+            <a:schemeClr val="accent1"/>
+          </a:fillRef>
+          <a:effectRef idx="0">
+            <a:schemeClr val="accent1"/>
+          </a:effectRef>
+          <a:fontRef idx="minor">
+            <a:schemeClr val="lt1"/>
+          </a:fontRef>
+        </p:style>
+        <p:txBody>
+          <a:bodyPr rtlCol="0" anchor="ctr"/>
+          <a:lstStyle/>
+          <a:p>
+            <a:pPr algn="ctr"/>
+            <a:r>
+              <a:rPr lang="en-US" smtClean="0">
+                <a:solidFill>
+                  <a:schemeClr val="accent1">
+                    <a:lumMod val="50000"/>
+                  </a:schemeClr>
+                </a:solidFill>
+              </a:rPr>
+              <a:t>front</a:t>
+            </a:r>
+            <a:endParaRPr lang="en-US">
+              <a:solidFill>
+                <a:schemeClr val="accent1">
+                  <a:lumMod val="50000"/>
+                </a:schemeClr>
+              </a:solidFill>
+            </a:endParaRPr>
+          </a:p>
+        </p:txBody>
+      </p:sp>
+      <p:sp>
+        <p:nvSpPr>
+          <p:cNvPr id="10" name="Rectangle 9"/>
+          <p:cNvSpPr/>
+          <p:nvPr/>
+        </p:nvSpPr>
+        <p:spPr>
+          <a:xfrm>
+            <a:off x="3261361" y="1115781"/>
+            <a:ext cx="1057524" cy="415109"/>
+          </a:xfrm>
+          <a:prstGeom prst="rect">
+            <a:avLst/>
+          </a:prstGeom>
+          <a:noFill/>
+          <a:ln>
+            <a:solidFill>
+              <a:schemeClr val="accent1">
+                <a:lumMod val="50000"/>
+              </a:schemeClr>
+            </a:solidFill>
+          </a:ln>
+        </p:spPr>
+        <p:style>
+          <a:lnRef idx="2">
+            <a:schemeClr val="accent1">
+              <a:shade val="50000"/>
+            </a:schemeClr>
+          </a:lnRef>
+          <a:fillRef idx="1">
+            <a:schemeClr val="accent1"/>
+          </a:fillRef>
+          <a:effectRef idx="0">
+            <a:schemeClr val="accent1"/>
+          </a:effectRef>
+          <a:fontRef idx="minor">
+            <a:schemeClr val="lt1"/>
+          </a:fontRef>
+        </p:style>
+        <p:txBody>
+          <a:bodyPr rtlCol="0" anchor="ctr"/>
+          <a:lstStyle/>
+          <a:p>
+            <a:pPr algn="ctr"/>
+            <a:r>
+              <a:rPr lang="en-US" smtClean="0">
+                <a:solidFill>
+                  <a:schemeClr val="accent1">
+                    <a:lumMod val="50000"/>
+                  </a:schemeClr>
+                </a:solidFill>
+              </a:rPr>
+              <a:t>last</a:t>
+            </a:r>
+            <a:endParaRPr lang="en-US">
+              <a:solidFill>
+                <a:schemeClr val="accent1">
+                  <a:lumMod val="50000"/>
+                </a:schemeClr>
+              </a:solidFill>
+            </a:endParaRPr>
+          </a:p>
+        </p:txBody>
+      </p:sp>
+      <p:sp>
+        <p:nvSpPr>
+          <p:cNvPr id="11" name="TextBox 10"/>
+          <p:cNvSpPr txBox="1"/>
+          <p:nvPr/>
+        </p:nvSpPr>
+        <p:spPr>
+          <a:xfrm>
+            <a:off x="2489763" y="1406827"/>
+            <a:ext cx="417102" cy="214239"/>
+          </a:xfrm>
+          <a:prstGeom prst="rect">
+            <a:avLst/>
+          </a:prstGeom>
+          <a:noFill/>
+        </p:spPr>
+        <p:txBody>
+          <a:bodyPr wrap="none" rtlCol="0">
+            <a:spAutoFit/>
+          </a:bodyPr>
+          <a:lstStyle/>
+          <a:p>
+            <a:r>
+              <a:rPr lang="en-US" smtClean="0">
+                <a:solidFill>
+                  <a:schemeClr val="accent1">
+                    <a:lumMod val="50000"/>
+                  </a:schemeClr>
+                </a:solidFill>
+              </a:rPr>
+              <a:t>e2</a:t>
+            </a:r>
+            <a:endParaRPr lang="en-US">
+              <a:solidFill>
+                <a:schemeClr val="accent1">
+                  <a:lumMod val="50000"/>
+                </a:schemeClr>
+              </a:solidFill>
+            </a:endParaRPr>
+          </a:p>
+        </p:txBody>
+      </p:sp>
+      <p:sp>
+        <p:nvSpPr>
+          <p:cNvPr id="12" name="TextBox 11"/>
+          <p:cNvSpPr txBox="1"/>
+          <p:nvPr/>
+        </p:nvSpPr>
+        <p:spPr>
+          <a:xfrm>
+            <a:off x="111318" y="1965953"/>
+            <a:ext cx="417102" cy="214239"/>
+          </a:xfrm>
+          <a:prstGeom prst="rect">
+            <a:avLst/>
+          </a:prstGeom>
+          <a:noFill/>
+        </p:spPr>
+        <p:txBody>
+          <a:bodyPr wrap="none" rtlCol="0">
+            <a:spAutoFit/>
+          </a:bodyPr>
+          <a:lstStyle/>
+          <a:p>
+            <a:r>
+              <a:rPr lang="en-US" smtClean="0">
+                <a:solidFill>
+                  <a:schemeClr val="accent1">
+                    <a:lumMod val="50000"/>
+                  </a:schemeClr>
+                </a:solidFill>
+              </a:rPr>
+              <a:t>e2</a:t>
+            </a:r>
+            <a:endParaRPr lang="en-US">
+              <a:solidFill>
+                <a:schemeClr val="accent1">
+                  <a:lumMod val="50000"/>
+                </a:schemeClr>
+              </a:solidFill>
+            </a:endParaRPr>
+          </a:p>
+        </p:txBody>
+      </p:sp>
+      <p:sp>
+        <p:nvSpPr>
+          <p:cNvPr id="13" name="Rectangle 12"/>
+          <p:cNvSpPr/>
+          <p:nvPr/>
+        </p:nvSpPr>
+        <p:spPr>
+          <a:xfrm>
+            <a:off x="955332" y="1901380"/>
+            <a:ext cx="7576418" cy="770258"/>
+          </a:xfrm>
+          <a:prstGeom prst="rect">
+            <a:avLst/>
+          </a:prstGeom>
+          <a:noFill/>
+          <a:ln>
+            <a:solidFill>
+              <a:schemeClr val="accent1">
+                <a:lumMod val="50000"/>
+              </a:schemeClr>
+            </a:solidFill>
+          </a:ln>
+        </p:spPr>
+        <p:style>
+          <a:lnRef idx="2">
+            <a:schemeClr val="accent1">
+              <a:shade val="50000"/>
+            </a:schemeClr>
+          </a:lnRef>
+          <a:fillRef idx="1">
+            <a:schemeClr val="accent1"/>
+          </a:fillRef>
+          <a:effectRef idx="0">
+            <a:schemeClr val="accent1"/>
+          </a:effectRef>
+          <a:fontRef idx="minor">
+            <a:schemeClr val="lt1"/>
+          </a:fontRef>
+        </p:style>
+        <p:txBody>
+          <a:bodyPr rtlCol="0" anchor="ctr"/>
+          <a:lstStyle/>
+          <a:p>
+            <a:pPr algn="ctr"/>
+            <a:endParaRPr lang="en-US"/>
+          </a:p>
+        </p:txBody>
+      </p:sp>
+      <p:sp>
+        <p:nvSpPr>
+          <p:cNvPr id="14" name="Rectangle 13"/>
+          <p:cNvSpPr/>
+          <p:nvPr/>
+        </p:nvSpPr>
+        <p:spPr>
+          <a:xfrm>
+            <a:off x="1494846" y="2025913"/>
+            <a:ext cx="1057524" cy="415109"/>
+          </a:xfrm>
+          <a:prstGeom prst="rect">
+            <a:avLst/>
+          </a:prstGeom>
+          <a:noFill/>
+          <a:ln>
+            <a:solidFill>
+              <a:schemeClr val="accent1">
+                <a:lumMod val="50000"/>
+              </a:schemeClr>
+            </a:solidFill>
+          </a:ln>
+        </p:spPr>
+        <p:style>
+          <a:lnRef idx="2">
+            <a:schemeClr val="accent1">
+              <a:shade val="50000"/>
+            </a:schemeClr>
+          </a:lnRef>
+          <a:fillRef idx="1">
+            <a:schemeClr val="accent1"/>
+          </a:fillRef>
+          <a:effectRef idx="0">
+            <a:schemeClr val="accent1"/>
+          </a:effectRef>
+          <a:fontRef idx="minor">
+            <a:schemeClr val="lt1"/>
+          </a:fontRef>
+        </p:style>
+        <p:txBody>
+          <a:bodyPr rtlCol="0" anchor="ctr"/>
+          <a:lstStyle/>
+          <a:p>
+            <a:pPr algn="ctr"/>
+            <a:r>
+              <a:rPr lang="en-US" smtClean="0">
+                <a:solidFill>
+                  <a:schemeClr val="accent1">
+                    <a:lumMod val="50000"/>
+                  </a:schemeClr>
+                </a:solidFill>
+              </a:rPr>
+              <a:t>prev</a:t>
+            </a:r>
+            <a:endParaRPr lang="en-US">
+              <a:solidFill>
+                <a:schemeClr val="accent1">
+                  <a:lumMod val="50000"/>
+                </a:schemeClr>
+              </a:solidFill>
+            </a:endParaRPr>
+          </a:p>
+        </p:txBody>
+      </p:sp>
+      <p:sp>
+        <p:nvSpPr>
+          <p:cNvPr id="15" name="Rectangle 14"/>
+          <p:cNvSpPr/>
+          <p:nvPr/>
+        </p:nvSpPr>
+        <p:spPr>
+          <a:xfrm>
+            <a:off x="3261361" y="2042857"/>
+            <a:ext cx="1057524" cy="415109"/>
+          </a:xfrm>
+          <a:prstGeom prst="rect">
+            <a:avLst/>
+          </a:prstGeom>
+          <a:noFill/>
+          <a:ln>
+            <a:solidFill>
+              <a:schemeClr val="accent1">
+                <a:lumMod val="50000"/>
+              </a:schemeClr>
+            </a:solidFill>
+          </a:ln>
+        </p:spPr>
+        <p:style>
+          <a:lnRef idx="2">
+            <a:schemeClr val="accent1">
+              <a:shade val="50000"/>
+            </a:schemeClr>
+          </a:lnRef>
+          <a:fillRef idx="1">
+            <a:schemeClr val="accent1"/>
+          </a:fillRef>
+          <a:effectRef idx="0">
+            <a:schemeClr val="accent1"/>
+          </a:effectRef>
+          <a:fontRef idx="minor">
+            <a:schemeClr val="lt1"/>
+          </a:fontRef>
+        </p:style>
+        <p:txBody>
+          <a:bodyPr rtlCol="0" anchor="ctr"/>
+          <a:lstStyle/>
+          <a:p>
+            <a:pPr algn="ctr"/>
+            <a:r>
+              <a:rPr lang="en-US" smtClean="0">
+                <a:solidFill>
+                  <a:schemeClr val="accent1">
+                    <a:lumMod val="50000"/>
+                  </a:schemeClr>
+                </a:solidFill>
+              </a:rPr>
+              <a:t>follow</a:t>
+            </a:r>
+            <a:endParaRPr lang="en-US">
+              <a:solidFill>
+                <a:schemeClr val="accent1">
+                  <a:lumMod val="50000"/>
+                </a:schemeClr>
+              </a:solidFill>
+            </a:endParaRPr>
+          </a:p>
+        </p:txBody>
+      </p:sp>
+      <p:sp>
+        <p:nvSpPr>
+          <p:cNvPr id="16" name="TextBox 15"/>
+          <p:cNvSpPr txBox="1"/>
+          <p:nvPr/>
+        </p:nvSpPr>
+        <p:spPr>
+          <a:xfrm>
+            <a:off x="2489763" y="2333903"/>
+            <a:ext cx="534121" cy="369332"/>
+          </a:xfrm>
+          <a:prstGeom prst="rect">
+            <a:avLst/>
+          </a:prstGeom>
+          <a:noFill/>
+        </p:spPr>
+        <p:txBody>
+          <a:bodyPr wrap="none" rtlCol="0">
+            <a:spAutoFit/>
+          </a:bodyPr>
+          <a:lstStyle/>
+          <a:p>
+            <a:r>
+              <a:rPr lang="en-US" smtClean="0">
+                <a:solidFill>
+                  <a:schemeClr val="accent1">
+                    <a:lumMod val="50000"/>
+                  </a:schemeClr>
+                </a:solidFill>
+              </a:rPr>
+              <a:t>null</a:t>
+            </a:r>
+            <a:endParaRPr lang="en-US">
+              <a:solidFill>
+                <a:schemeClr val="accent1">
+                  <a:lumMod val="50000"/>
+                </a:schemeClr>
+              </a:solidFill>
+            </a:endParaRPr>
+          </a:p>
+        </p:txBody>
+      </p:sp>
+      <p:sp>
+        <p:nvSpPr>
+          <p:cNvPr id="18" name="TextBox 17"/>
+          <p:cNvSpPr txBox="1"/>
+          <p:nvPr/>
+        </p:nvSpPr>
+        <p:spPr>
+          <a:xfrm>
+            <a:off x="4318885" y="2318105"/>
+            <a:ext cx="534121" cy="369332"/>
+          </a:xfrm>
+          <a:prstGeom prst="rect">
+            <a:avLst/>
+          </a:prstGeom>
+          <a:noFill/>
+        </p:spPr>
+        <p:txBody>
+          <a:bodyPr wrap="none" rtlCol="0">
+            <a:spAutoFit/>
+          </a:bodyPr>
+          <a:lstStyle/>
+          <a:p>
+            <a:r>
+              <a:rPr lang="en-US" smtClean="0">
+                <a:solidFill>
+                  <a:schemeClr val="accent1">
+                    <a:lumMod val="50000"/>
+                  </a:schemeClr>
+                </a:solidFill>
+              </a:rPr>
+              <a:t>null</a:t>
+            </a:r>
+            <a:endParaRPr lang="en-US">
+              <a:solidFill>
+                <a:schemeClr val="accent1">
+                  <a:lumMod val="50000"/>
+                </a:schemeClr>
+              </a:solidFill>
+            </a:endParaRPr>
+          </a:p>
+        </p:txBody>
+      </p:sp>
+      <p:sp>
+        <p:nvSpPr>
+          <p:cNvPr id="19" name="TextBox 18"/>
+          <p:cNvSpPr txBox="1"/>
+          <p:nvPr/>
+        </p:nvSpPr>
+        <p:spPr>
+          <a:xfrm>
+            <a:off x="4368980" y="1406827"/>
+            <a:ext cx="417102" cy="214239"/>
+          </a:xfrm>
+          <a:prstGeom prst="rect">
+            <a:avLst/>
+          </a:prstGeom>
+          <a:noFill/>
+        </p:spPr>
+        <p:txBody>
+          <a:bodyPr wrap="none" rtlCol="0">
+            <a:spAutoFit/>
+          </a:bodyPr>
+          <a:lstStyle/>
+          <a:p>
+            <a:r>
+              <a:rPr lang="en-US" smtClean="0">
+                <a:solidFill>
+                  <a:schemeClr val="accent1">
+                    <a:lumMod val="50000"/>
+                  </a:schemeClr>
+                </a:solidFill>
+              </a:rPr>
+              <a:t>e2</a:t>
+            </a:r>
+            <a:endParaRPr lang="en-US">
+              <a:solidFill>
+                <a:schemeClr val="accent1">
+                  <a:lumMod val="50000"/>
+                </a:schemeClr>
+              </a:solidFill>
+            </a:endParaRPr>
+          </a:p>
+        </p:txBody>
+      </p:sp>
+      <p:sp>
+        <p:nvSpPr>
+          <p:cNvPr id="20" name="TextBox 19"/>
+          <p:cNvSpPr txBox="1"/>
+          <p:nvPr/>
+        </p:nvSpPr>
+        <p:spPr>
+          <a:xfrm>
+            <a:off x="8685324" y="61820"/>
+            <a:ext cx="2683683" cy="369332"/>
+          </a:xfrm>
+          <a:prstGeom prst="rect">
+            <a:avLst/>
+          </a:prstGeom>
+          <a:noFill/>
+        </p:spPr>
+        <p:txBody>
+          <a:bodyPr wrap="none" rtlCol="0">
+            <a:spAutoFit/>
+          </a:bodyPr>
+          <a:lstStyle/>
+          <a:p>
+            <a:r>
+              <a:rPr lang="en-US" smtClean="0">
+                <a:solidFill>
+                  <a:schemeClr val="accent1">
+                    <a:lumMod val="50000"/>
+                  </a:schemeClr>
+                </a:solidFill>
+              </a:rPr>
+              <a:t>New Queue – no elements</a:t>
+            </a:r>
+            <a:endParaRPr lang="en-US">
+              <a:solidFill>
+                <a:schemeClr val="accent1">
+                  <a:lumMod val="50000"/>
+                </a:schemeClr>
+              </a:solidFill>
+            </a:endParaRPr>
+          </a:p>
+        </p:txBody>
+      </p:sp>
+      <p:sp>
+        <p:nvSpPr>
           <p:cNvPr id="21" name="TextBox 20"/>
           <p:cNvSpPr txBox="1"/>
           <p:nvPr/>
@@ -10428,7 +11309,7 @@
                   </a:schemeClr>
                 </a:solidFill>
               </a:rPr>
-              <a:t>q</a:t>
+              <a:t>follow</a:t>
             </a:r>
             <a:endParaRPr lang="en-US" b="1">
               <a:solidFill>
@@ -10711,6 +11592,1557 @@
           </a:p>
         </p:txBody>
       </p:sp>
+      <p:cxnSp>
+        <p:nvCxnSpPr>
+          <p:cNvPr id="44" name="Straight Connector 43"/>
+          <p:cNvCxnSpPr/>
+          <p:nvPr/>
+        </p:nvCxnSpPr>
+        <p:spPr>
+          <a:xfrm flipH="1">
+            <a:off x="4368980" y="2387463"/>
+            <a:ext cx="417102" cy="230615"/>
+          </a:xfrm>
+          <a:prstGeom prst="line">
+            <a:avLst/>
+          </a:prstGeom>
+          <a:ln w="28575">
+            <a:solidFill>
+              <a:schemeClr val="accent6">
+                <a:lumMod val="75000"/>
+              </a:schemeClr>
+            </a:solidFill>
+          </a:ln>
+        </p:spPr>
+        <p:style>
+          <a:lnRef idx="1">
+            <a:schemeClr val="accent1"/>
+          </a:lnRef>
+          <a:fillRef idx="0">
+            <a:schemeClr val="accent1"/>
+          </a:fillRef>
+          <a:effectRef idx="0">
+            <a:schemeClr val="accent1"/>
+          </a:effectRef>
+          <a:fontRef idx="minor">
+            <a:schemeClr val="tx1"/>
+          </a:fontRef>
+        </p:style>
+      </p:cxnSp>
+      <p:sp>
+        <p:nvSpPr>
+          <p:cNvPr id="45" name="TextBox 44"/>
+          <p:cNvSpPr txBox="1"/>
+          <p:nvPr/>
+        </p:nvSpPr>
+        <p:spPr>
+          <a:xfrm>
+            <a:off x="4740953" y="2318105"/>
+            <a:ext cx="417102" cy="369332"/>
+          </a:xfrm>
+          <a:prstGeom prst="rect">
+            <a:avLst/>
+          </a:prstGeom>
+          <a:noFill/>
+        </p:spPr>
+        <p:txBody>
+          <a:bodyPr wrap="none" rtlCol="0">
+            <a:spAutoFit/>
+          </a:bodyPr>
+          <a:lstStyle/>
+          <a:p>
+            <a:r>
+              <a:rPr lang="en-US" b="1" smtClean="0">
+                <a:solidFill>
+                  <a:schemeClr val="accent6">
+                    <a:lumMod val="75000"/>
+                  </a:schemeClr>
+                </a:solidFill>
+              </a:rPr>
+              <a:t>e3</a:t>
+            </a:r>
+            <a:endParaRPr lang="en-US" b="1">
+              <a:solidFill>
+                <a:schemeClr val="accent6">
+                  <a:lumMod val="75000"/>
+                </a:schemeClr>
+              </a:solidFill>
+            </a:endParaRPr>
+          </a:p>
+        </p:txBody>
+      </p:sp>
+      <p:sp>
+        <p:nvSpPr>
+          <p:cNvPr id="2" name="TextBox 1"/>
+          <p:cNvSpPr txBox="1"/>
+          <p:nvPr/>
+        </p:nvSpPr>
+        <p:spPr>
+          <a:xfrm>
+            <a:off x="3611993" y="1652"/>
+            <a:ext cx="3854838" cy="923330"/>
+          </a:xfrm>
+          <a:prstGeom prst="rect">
+            <a:avLst/>
+          </a:prstGeom>
+          <a:noFill/>
+        </p:spPr>
+        <p:txBody>
+          <a:bodyPr wrap="none" rtlCol="0">
+            <a:spAutoFit/>
+          </a:bodyPr>
+          <a:lstStyle/>
+          <a:p>
+            <a:r>
+              <a:rPr lang="en-US" smtClean="0"/>
+              <a:t>{ </a:t>
+            </a:r>
+            <a:r>
+              <a:rPr lang="en-US" smtClean="0"/>
+              <a:t>Double-linked List,</a:t>
+            </a:r>
+          </a:p>
+          <a:p>
+            <a:r>
+              <a:rPr lang="en-US"/>
+              <a:t> </a:t>
+            </a:r>
+            <a:r>
+              <a:rPr lang="en-US" smtClean="0"/>
+              <a:t>  with ‘q’ instead of ‘next’</a:t>
+            </a:r>
+          </a:p>
+          <a:p>
+            <a:r>
+              <a:rPr lang="en-US"/>
+              <a:t> </a:t>
+            </a:r>
+            <a:r>
+              <a:rPr lang="en-US" smtClean="0"/>
+              <a:t>   and excess environments e1 and e2 </a:t>
+            </a:r>
+            <a:r>
+              <a:rPr lang="en-US" smtClean="0"/>
+              <a:t>}</a:t>
+            </a:r>
+            <a:endParaRPr lang="en-US"/>
+          </a:p>
+        </p:txBody>
+      </p:sp>
+      <p:sp>
+        <p:nvSpPr>
+          <p:cNvPr id="65" name="TextBox 64"/>
+          <p:cNvSpPr txBox="1"/>
+          <p:nvPr/>
+        </p:nvSpPr>
+        <p:spPr>
+          <a:xfrm>
+            <a:off x="2545160" y="458476"/>
+            <a:ext cx="417102" cy="369332"/>
+          </a:xfrm>
+          <a:prstGeom prst="rect">
+            <a:avLst/>
+          </a:prstGeom>
+          <a:noFill/>
+        </p:spPr>
+        <p:txBody>
+          <a:bodyPr wrap="none" rtlCol="0">
+            <a:spAutoFit/>
+          </a:bodyPr>
+          <a:lstStyle/>
+          <a:p>
+            <a:r>
+              <a:rPr lang="en-US" smtClean="0">
+                <a:solidFill>
+                  <a:schemeClr val="accent1">
+                    <a:lumMod val="50000"/>
+                  </a:schemeClr>
+                </a:solidFill>
+              </a:rPr>
+              <a:t>e1</a:t>
+            </a:r>
+            <a:endParaRPr lang="en-US">
+              <a:solidFill>
+                <a:schemeClr val="accent1">
+                  <a:lumMod val="50000"/>
+                </a:schemeClr>
+              </a:solidFill>
+            </a:endParaRPr>
+          </a:p>
+        </p:txBody>
+      </p:sp>
+    </p:spTree>
+    <p:extLst>
+      <p:ext uri="{BB962C8B-B14F-4D97-AF65-F5344CB8AC3E}">
+        <p14:creationId xmlns:p14="http://schemas.microsoft.com/office/powerpoint/2010/main" val="610032355"/>
+      </p:ext>
+    </p:extLst>
+  </p:cSld>
+  <p:clrMapOvr>
+    <a:masterClrMapping/>
+  </p:clrMapOvr>
+  <p:timing>
+    <p:tnLst>
+      <p:par>
+        <p:cTn id="1" dur="indefinite" restart="never" nodeType="tmRoot"/>
+      </p:par>
+    </p:tnLst>
+  </p:timing>
+</p:sld>
+</file>
+
+<file path=ppt/slides/slide6.xml><?xml version="1.0" encoding="utf-8"?>
+<p:sld xmlns:a="http://schemas.openxmlformats.org/drawingml/2006/main" xmlns:r="http://schemas.openxmlformats.org/officeDocument/2006/relationships" xmlns:p="http://schemas.openxmlformats.org/presentationml/2006/main">
+  <p:cSld>
+    <p:spTree>
+      <p:nvGrpSpPr>
+        <p:cNvPr id="1" name=""/>
+        <p:cNvGrpSpPr/>
+        <p:nvPr/>
+      </p:nvGrpSpPr>
+      <p:grpSpPr>
+        <a:xfrm>
+          <a:off x="0" y="0"/>
+          <a:ext cx="0" cy="0"/>
+          <a:chOff x="0" y="0"/>
+          <a:chExt cx="0" cy="0"/>
+        </a:xfrm>
+      </p:grpSpPr>
+      <p:sp>
+        <p:nvSpPr>
+          <p:cNvPr id="4" name="TextBox 3"/>
+          <p:cNvSpPr txBox="1"/>
+          <p:nvPr/>
+        </p:nvSpPr>
+        <p:spPr>
+          <a:xfrm>
+            <a:off x="111318" y="144085"/>
+            <a:ext cx="844014" cy="214239"/>
+          </a:xfrm>
+          <a:prstGeom prst="rect">
+            <a:avLst/>
+          </a:prstGeom>
+          <a:noFill/>
+        </p:spPr>
+        <p:txBody>
+          <a:bodyPr wrap="none" rtlCol="0">
+            <a:spAutoFit/>
+          </a:bodyPr>
+          <a:lstStyle/>
+          <a:p>
+            <a:r>
+              <a:rPr lang="en-US" smtClean="0"/>
+              <a:t>.</a:t>
+            </a:r>
+            <a:r>
+              <a:rPr lang="en-US" smtClean="0">
+                <a:solidFill>
+                  <a:schemeClr val="accent1">
+                    <a:lumMod val="50000"/>
+                  </a:schemeClr>
+                </a:solidFill>
+              </a:rPr>
+              <a:t>Global</a:t>
+            </a:r>
+            <a:endParaRPr lang="en-US">
+              <a:solidFill>
+                <a:schemeClr val="accent1">
+                  <a:lumMod val="50000"/>
+                </a:schemeClr>
+              </a:solidFill>
+            </a:endParaRPr>
+          </a:p>
+        </p:txBody>
+      </p:sp>
+      <p:sp>
+        <p:nvSpPr>
+          <p:cNvPr id="5" name="Rectangle 4"/>
+          <p:cNvSpPr/>
+          <p:nvPr/>
+        </p:nvSpPr>
+        <p:spPr>
+          <a:xfrm>
+            <a:off x="955332" y="79513"/>
+            <a:ext cx="7576418" cy="770258"/>
+          </a:xfrm>
+          <a:prstGeom prst="rect">
+            <a:avLst/>
+          </a:prstGeom>
+          <a:noFill/>
+          <a:ln>
+            <a:solidFill>
+              <a:schemeClr val="accent1">
+                <a:lumMod val="50000"/>
+              </a:schemeClr>
+            </a:solidFill>
+          </a:ln>
+        </p:spPr>
+        <p:style>
+          <a:lnRef idx="2">
+            <a:schemeClr val="accent1">
+              <a:shade val="50000"/>
+            </a:schemeClr>
+          </a:lnRef>
+          <a:fillRef idx="1">
+            <a:schemeClr val="accent1"/>
+          </a:fillRef>
+          <a:effectRef idx="0">
+            <a:schemeClr val="accent1"/>
+          </a:effectRef>
+          <a:fontRef idx="minor">
+            <a:schemeClr val="lt1"/>
+          </a:fontRef>
+        </p:style>
+        <p:txBody>
+          <a:bodyPr rtlCol="0" anchor="ctr"/>
+          <a:lstStyle/>
+          <a:p>
+            <a:pPr algn="ctr"/>
+            <a:endParaRPr lang="en-US"/>
+          </a:p>
+        </p:txBody>
+      </p:sp>
+      <p:sp>
+        <p:nvSpPr>
+          <p:cNvPr id="6" name="Rectangle 5"/>
+          <p:cNvSpPr/>
+          <p:nvPr/>
+        </p:nvSpPr>
+        <p:spPr>
+          <a:xfrm>
+            <a:off x="1494846" y="204046"/>
+            <a:ext cx="1057524" cy="415109"/>
+          </a:xfrm>
+          <a:prstGeom prst="rect">
+            <a:avLst/>
+          </a:prstGeom>
+          <a:noFill/>
+          <a:ln>
+            <a:solidFill>
+              <a:schemeClr val="accent1">
+                <a:lumMod val="50000"/>
+              </a:schemeClr>
+            </a:solidFill>
+          </a:ln>
+        </p:spPr>
+        <p:style>
+          <a:lnRef idx="2">
+            <a:schemeClr val="accent1">
+              <a:shade val="50000"/>
+            </a:schemeClr>
+          </a:lnRef>
+          <a:fillRef idx="1">
+            <a:schemeClr val="accent1"/>
+          </a:fillRef>
+          <a:effectRef idx="0">
+            <a:schemeClr val="accent1"/>
+          </a:effectRef>
+          <a:fontRef idx="minor">
+            <a:schemeClr val="lt1"/>
+          </a:fontRef>
+        </p:style>
+        <p:txBody>
+          <a:bodyPr rtlCol="0" anchor="ctr"/>
+          <a:lstStyle/>
+          <a:p>
+            <a:pPr algn="ctr"/>
+            <a:r>
+              <a:rPr lang="en-US" smtClean="0">
+                <a:solidFill>
+                  <a:schemeClr val="accent1">
+                    <a:lumMod val="50000"/>
+                  </a:schemeClr>
+                </a:solidFill>
+              </a:rPr>
+              <a:t>qq</a:t>
+            </a:r>
+            <a:endParaRPr lang="en-US">
+              <a:solidFill>
+                <a:schemeClr val="accent1">
+                  <a:lumMod val="50000"/>
+                </a:schemeClr>
+              </a:solidFill>
+            </a:endParaRPr>
+          </a:p>
+        </p:txBody>
+      </p:sp>
+      <p:sp>
+        <p:nvSpPr>
+          <p:cNvPr id="7" name="TextBox 6"/>
+          <p:cNvSpPr txBox="1"/>
+          <p:nvPr/>
+        </p:nvSpPr>
+        <p:spPr>
+          <a:xfrm>
+            <a:off x="111318" y="1038876"/>
+            <a:ext cx="417102" cy="214239"/>
+          </a:xfrm>
+          <a:prstGeom prst="rect">
+            <a:avLst/>
+          </a:prstGeom>
+          <a:noFill/>
+        </p:spPr>
+        <p:txBody>
+          <a:bodyPr wrap="none" rtlCol="0">
+            <a:spAutoFit/>
+          </a:bodyPr>
+          <a:lstStyle/>
+          <a:p>
+            <a:r>
+              <a:rPr lang="en-US" smtClean="0">
+                <a:solidFill>
+                  <a:schemeClr val="accent1">
+                    <a:lumMod val="50000"/>
+                  </a:schemeClr>
+                </a:solidFill>
+              </a:rPr>
+              <a:t>e1</a:t>
+            </a:r>
+            <a:endParaRPr lang="en-US">
+              <a:solidFill>
+                <a:schemeClr val="accent1">
+                  <a:lumMod val="50000"/>
+                </a:schemeClr>
+              </a:solidFill>
+            </a:endParaRPr>
+          </a:p>
+        </p:txBody>
+      </p:sp>
+      <p:sp>
+        <p:nvSpPr>
+          <p:cNvPr id="8" name="Rectangle 7"/>
+          <p:cNvSpPr/>
+          <p:nvPr/>
+        </p:nvSpPr>
+        <p:spPr>
+          <a:xfrm>
+            <a:off x="955332" y="974304"/>
+            <a:ext cx="7576418" cy="770258"/>
+          </a:xfrm>
+          <a:prstGeom prst="rect">
+            <a:avLst/>
+          </a:prstGeom>
+          <a:noFill/>
+          <a:ln>
+            <a:solidFill>
+              <a:schemeClr val="accent1">
+                <a:lumMod val="50000"/>
+              </a:schemeClr>
+            </a:solidFill>
+          </a:ln>
+        </p:spPr>
+        <p:style>
+          <a:lnRef idx="2">
+            <a:schemeClr val="accent1">
+              <a:shade val="50000"/>
+            </a:schemeClr>
+          </a:lnRef>
+          <a:fillRef idx="1">
+            <a:schemeClr val="accent1"/>
+          </a:fillRef>
+          <a:effectRef idx="0">
+            <a:schemeClr val="accent1"/>
+          </a:effectRef>
+          <a:fontRef idx="minor">
+            <a:schemeClr val="lt1"/>
+          </a:fontRef>
+        </p:style>
+        <p:txBody>
+          <a:bodyPr rtlCol="0" anchor="ctr"/>
+          <a:lstStyle/>
+          <a:p>
+            <a:pPr algn="ctr"/>
+            <a:endParaRPr lang="en-US"/>
+          </a:p>
+        </p:txBody>
+      </p:sp>
+      <p:sp>
+        <p:nvSpPr>
+          <p:cNvPr id="9" name="Rectangle 8"/>
+          <p:cNvSpPr/>
+          <p:nvPr/>
+        </p:nvSpPr>
+        <p:spPr>
+          <a:xfrm>
+            <a:off x="1494846" y="1098837"/>
+            <a:ext cx="1057524" cy="415109"/>
+          </a:xfrm>
+          <a:prstGeom prst="rect">
+            <a:avLst/>
+          </a:prstGeom>
+          <a:noFill/>
+          <a:ln>
+            <a:solidFill>
+              <a:schemeClr val="accent1">
+                <a:lumMod val="50000"/>
+              </a:schemeClr>
+            </a:solidFill>
+          </a:ln>
+        </p:spPr>
+        <p:style>
+          <a:lnRef idx="2">
+            <a:schemeClr val="accent1">
+              <a:shade val="50000"/>
+            </a:schemeClr>
+          </a:lnRef>
+          <a:fillRef idx="1">
+            <a:schemeClr val="accent1"/>
+          </a:fillRef>
+          <a:effectRef idx="0">
+            <a:schemeClr val="accent1"/>
+          </a:effectRef>
+          <a:fontRef idx="minor">
+            <a:schemeClr val="lt1"/>
+          </a:fontRef>
+        </p:style>
+        <p:txBody>
+          <a:bodyPr rtlCol="0" anchor="ctr"/>
+          <a:lstStyle/>
+          <a:p>
+            <a:pPr algn="ctr"/>
+            <a:r>
+              <a:rPr lang="en-US" smtClean="0">
+                <a:solidFill>
+                  <a:schemeClr val="accent1">
+                    <a:lumMod val="50000"/>
+                  </a:schemeClr>
+                </a:solidFill>
+              </a:rPr>
+              <a:t>front</a:t>
+            </a:r>
+            <a:endParaRPr lang="en-US">
+              <a:solidFill>
+                <a:schemeClr val="accent1">
+                  <a:lumMod val="50000"/>
+                </a:schemeClr>
+              </a:solidFill>
+            </a:endParaRPr>
+          </a:p>
+        </p:txBody>
+      </p:sp>
+      <p:sp>
+        <p:nvSpPr>
+          <p:cNvPr id="10" name="Rectangle 9"/>
+          <p:cNvSpPr/>
+          <p:nvPr/>
+        </p:nvSpPr>
+        <p:spPr>
+          <a:xfrm>
+            <a:off x="3261361" y="1115781"/>
+            <a:ext cx="1057524" cy="415109"/>
+          </a:xfrm>
+          <a:prstGeom prst="rect">
+            <a:avLst/>
+          </a:prstGeom>
+          <a:noFill/>
+          <a:ln>
+            <a:solidFill>
+              <a:schemeClr val="accent1">
+                <a:lumMod val="50000"/>
+              </a:schemeClr>
+            </a:solidFill>
+          </a:ln>
+        </p:spPr>
+        <p:style>
+          <a:lnRef idx="2">
+            <a:schemeClr val="accent1">
+              <a:shade val="50000"/>
+            </a:schemeClr>
+          </a:lnRef>
+          <a:fillRef idx="1">
+            <a:schemeClr val="accent1"/>
+          </a:fillRef>
+          <a:effectRef idx="0">
+            <a:schemeClr val="accent1"/>
+          </a:effectRef>
+          <a:fontRef idx="minor">
+            <a:schemeClr val="lt1"/>
+          </a:fontRef>
+        </p:style>
+        <p:txBody>
+          <a:bodyPr rtlCol="0" anchor="ctr"/>
+          <a:lstStyle/>
+          <a:p>
+            <a:pPr algn="ctr"/>
+            <a:r>
+              <a:rPr lang="en-US" smtClean="0">
+                <a:solidFill>
+                  <a:schemeClr val="accent1">
+                    <a:lumMod val="50000"/>
+                  </a:schemeClr>
+                </a:solidFill>
+              </a:rPr>
+              <a:t>last</a:t>
+            </a:r>
+            <a:endParaRPr lang="en-US">
+              <a:solidFill>
+                <a:schemeClr val="accent1">
+                  <a:lumMod val="50000"/>
+                </a:schemeClr>
+              </a:solidFill>
+            </a:endParaRPr>
+          </a:p>
+        </p:txBody>
+      </p:sp>
+      <p:sp>
+        <p:nvSpPr>
+          <p:cNvPr id="11" name="TextBox 10"/>
+          <p:cNvSpPr txBox="1"/>
+          <p:nvPr/>
+        </p:nvSpPr>
+        <p:spPr>
+          <a:xfrm>
+            <a:off x="2489763" y="1406827"/>
+            <a:ext cx="417102" cy="214239"/>
+          </a:xfrm>
+          <a:prstGeom prst="rect">
+            <a:avLst/>
+          </a:prstGeom>
+          <a:noFill/>
+        </p:spPr>
+        <p:txBody>
+          <a:bodyPr wrap="none" rtlCol="0">
+            <a:spAutoFit/>
+          </a:bodyPr>
+          <a:lstStyle/>
+          <a:p>
+            <a:r>
+              <a:rPr lang="en-US" smtClean="0">
+                <a:solidFill>
+                  <a:schemeClr val="accent1">
+                    <a:lumMod val="50000"/>
+                  </a:schemeClr>
+                </a:solidFill>
+              </a:rPr>
+              <a:t>e2</a:t>
+            </a:r>
+            <a:endParaRPr lang="en-US">
+              <a:solidFill>
+                <a:schemeClr val="accent1">
+                  <a:lumMod val="50000"/>
+                </a:schemeClr>
+              </a:solidFill>
+            </a:endParaRPr>
+          </a:p>
+        </p:txBody>
+      </p:sp>
+      <p:sp>
+        <p:nvSpPr>
+          <p:cNvPr id="12" name="TextBox 11"/>
+          <p:cNvSpPr txBox="1"/>
+          <p:nvPr/>
+        </p:nvSpPr>
+        <p:spPr>
+          <a:xfrm>
+            <a:off x="111318" y="1965953"/>
+            <a:ext cx="417102" cy="214239"/>
+          </a:xfrm>
+          <a:prstGeom prst="rect">
+            <a:avLst/>
+          </a:prstGeom>
+          <a:noFill/>
+        </p:spPr>
+        <p:txBody>
+          <a:bodyPr wrap="none" rtlCol="0">
+            <a:spAutoFit/>
+          </a:bodyPr>
+          <a:lstStyle/>
+          <a:p>
+            <a:r>
+              <a:rPr lang="en-US" smtClean="0">
+                <a:solidFill>
+                  <a:schemeClr val="accent1">
+                    <a:lumMod val="50000"/>
+                  </a:schemeClr>
+                </a:solidFill>
+              </a:rPr>
+              <a:t>e2</a:t>
+            </a:r>
+            <a:endParaRPr lang="en-US">
+              <a:solidFill>
+                <a:schemeClr val="accent1">
+                  <a:lumMod val="50000"/>
+                </a:schemeClr>
+              </a:solidFill>
+            </a:endParaRPr>
+          </a:p>
+        </p:txBody>
+      </p:sp>
+      <p:sp>
+        <p:nvSpPr>
+          <p:cNvPr id="13" name="Rectangle 12"/>
+          <p:cNvSpPr/>
+          <p:nvPr/>
+        </p:nvSpPr>
+        <p:spPr>
+          <a:xfrm>
+            <a:off x="955332" y="1901380"/>
+            <a:ext cx="7576418" cy="770258"/>
+          </a:xfrm>
+          <a:prstGeom prst="rect">
+            <a:avLst/>
+          </a:prstGeom>
+          <a:noFill/>
+          <a:ln>
+            <a:solidFill>
+              <a:schemeClr val="accent1">
+                <a:lumMod val="50000"/>
+              </a:schemeClr>
+            </a:solidFill>
+          </a:ln>
+        </p:spPr>
+        <p:style>
+          <a:lnRef idx="2">
+            <a:schemeClr val="accent1">
+              <a:shade val="50000"/>
+            </a:schemeClr>
+          </a:lnRef>
+          <a:fillRef idx="1">
+            <a:schemeClr val="accent1"/>
+          </a:fillRef>
+          <a:effectRef idx="0">
+            <a:schemeClr val="accent1"/>
+          </a:effectRef>
+          <a:fontRef idx="minor">
+            <a:schemeClr val="lt1"/>
+          </a:fontRef>
+        </p:style>
+        <p:txBody>
+          <a:bodyPr rtlCol="0" anchor="ctr"/>
+          <a:lstStyle/>
+          <a:p>
+            <a:pPr algn="ctr"/>
+            <a:endParaRPr lang="en-US"/>
+          </a:p>
+        </p:txBody>
+      </p:sp>
+      <p:sp>
+        <p:nvSpPr>
+          <p:cNvPr id="14" name="Rectangle 13"/>
+          <p:cNvSpPr/>
+          <p:nvPr/>
+        </p:nvSpPr>
+        <p:spPr>
+          <a:xfrm>
+            <a:off x="1494846" y="2025913"/>
+            <a:ext cx="1057524" cy="415109"/>
+          </a:xfrm>
+          <a:prstGeom prst="rect">
+            <a:avLst/>
+          </a:prstGeom>
+          <a:noFill/>
+          <a:ln>
+            <a:solidFill>
+              <a:schemeClr val="accent1">
+                <a:lumMod val="50000"/>
+              </a:schemeClr>
+            </a:solidFill>
+          </a:ln>
+        </p:spPr>
+        <p:style>
+          <a:lnRef idx="2">
+            <a:schemeClr val="accent1">
+              <a:shade val="50000"/>
+            </a:schemeClr>
+          </a:lnRef>
+          <a:fillRef idx="1">
+            <a:schemeClr val="accent1"/>
+          </a:fillRef>
+          <a:effectRef idx="0">
+            <a:schemeClr val="accent1"/>
+          </a:effectRef>
+          <a:fontRef idx="minor">
+            <a:schemeClr val="lt1"/>
+          </a:fontRef>
+        </p:style>
+        <p:txBody>
+          <a:bodyPr rtlCol="0" anchor="ctr"/>
+          <a:lstStyle/>
+          <a:p>
+            <a:pPr algn="ctr"/>
+            <a:r>
+              <a:rPr lang="en-US" smtClean="0">
+                <a:solidFill>
+                  <a:schemeClr val="accent1">
+                    <a:lumMod val="50000"/>
+                  </a:schemeClr>
+                </a:solidFill>
+              </a:rPr>
+              <a:t>prev</a:t>
+            </a:r>
+            <a:endParaRPr lang="en-US">
+              <a:solidFill>
+                <a:schemeClr val="accent1">
+                  <a:lumMod val="50000"/>
+                </a:schemeClr>
+              </a:solidFill>
+            </a:endParaRPr>
+          </a:p>
+        </p:txBody>
+      </p:sp>
+      <p:sp>
+        <p:nvSpPr>
+          <p:cNvPr id="15" name="Rectangle 14"/>
+          <p:cNvSpPr/>
+          <p:nvPr/>
+        </p:nvSpPr>
+        <p:spPr>
+          <a:xfrm>
+            <a:off x="3261361" y="2042857"/>
+            <a:ext cx="1057524" cy="415109"/>
+          </a:xfrm>
+          <a:prstGeom prst="rect">
+            <a:avLst/>
+          </a:prstGeom>
+          <a:noFill/>
+          <a:ln>
+            <a:solidFill>
+              <a:schemeClr val="accent1">
+                <a:lumMod val="50000"/>
+              </a:schemeClr>
+            </a:solidFill>
+          </a:ln>
+        </p:spPr>
+        <p:style>
+          <a:lnRef idx="2">
+            <a:schemeClr val="accent1">
+              <a:shade val="50000"/>
+            </a:schemeClr>
+          </a:lnRef>
+          <a:fillRef idx="1">
+            <a:schemeClr val="accent1"/>
+          </a:fillRef>
+          <a:effectRef idx="0">
+            <a:schemeClr val="accent1"/>
+          </a:effectRef>
+          <a:fontRef idx="minor">
+            <a:schemeClr val="lt1"/>
+          </a:fontRef>
+        </p:style>
+        <p:txBody>
+          <a:bodyPr rtlCol="0" anchor="ctr"/>
+          <a:lstStyle/>
+          <a:p>
+            <a:pPr algn="ctr"/>
+            <a:r>
+              <a:rPr lang="en-US" smtClean="0">
+                <a:solidFill>
+                  <a:schemeClr val="accent1">
+                    <a:lumMod val="50000"/>
+                  </a:schemeClr>
+                </a:solidFill>
+              </a:rPr>
+              <a:t>follow</a:t>
+            </a:r>
+            <a:endParaRPr lang="en-US">
+              <a:solidFill>
+                <a:schemeClr val="accent1">
+                  <a:lumMod val="50000"/>
+                </a:schemeClr>
+              </a:solidFill>
+            </a:endParaRPr>
+          </a:p>
+        </p:txBody>
+      </p:sp>
+      <p:sp>
+        <p:nvSpPr>
+          <p:cNvPr id="16" name="TextBox 15"/>
+          <p:cNvSpPr txBox="1"/>
+          <p:nvPr/>
+        </p:nvSpPr>
+        <p:spPr>
+          <a:xfrm>
+            <a:off x="2489763" y="2333903"/>
+            <a:ext cx="534121" cy="369332"/>
+          </a:xfrm>
+          <a:prstGeom prst="rect">
+            <a:avLst/>
+          </a:prstGeom>
+          <a:noFill/>
+        </p:spPr>
+        <p:txBody>
+          <a:bodyPr wrap="none" rtlCol="0">
+            <a:spAutoFit/>
+          </a:bodyPr>
+          <a:lstStyle/>
+          <a:p>
+            <a:r>
+              <a:rPr lang="en-US" smtClean="0">
+                <a:solidFill>
+                  <a:schemeClr val="accent1">
+                    <a:lumMod val="50000"/>
+                  </a:schemeClr>
+                </a:solidFill>
+              </a:rPr>
+              <a:t>null</a:t>
+            </a:r>
+            <a:endParaRPr lang="en-US">
+              <a:solidFill>
+                <a:schemeClr val="accent1">
+                  <a:lumMod val="50000"/>
+                </a:schemeClr>
+              </a:solidFill>
+            </a:endParaRPr>
+          </a:p>
+        </p:txBody>
+      </p:sp>
+      <p:sp>
+        <p:nvSpPr>
+          <p:cNvPr id="18" name="TextBox 17"/>
+          <p:cNvSpPr txBox="1"/>
+          <p:nvPr/>
+        </p:nvSpPr>
+        <p:spPr>
+          <a:xfrm>
+            <a:off x="4318885" y="2318105"/>
+            <a:ext cx="534121" cy="369332"/>
+          </a:xfrm>
+          <a:prstGeom prst="rect">
+            <a:avLst/>
+          </a:prstGeom>
+          <a:noFill/>
+        </p:spPr>
+        <p:txBody>
+          <a:bodyPr wrap="none" rtlCol="0">
+            <a:spAutoFit/>
+          </a:bodyPr>
+          <a:lstStyle/>
+          <a:p>
+            <a:r>
+              <a:rPr lang="en-US" smtClean="0">
+                <a:solidFill>
+                  <a:schemeClr val="accent1">
+                    <a:lumMod val="50000"/>
+                  </a:schemeClr>
+                </a:solidFill>
+              </a:rPr>
+              <a:t>null</a:t>
+            </a:r>
+            <a:endParaRPr lang="en-US">
+              <a:solidFill>
+                <a:schemeClr val="accent1">
+                  <a:lumMod val="50000"/>
+                </a:schemeClr>
+              </a:solidFill>
+            </a:endParaRPr>
+          </a:p>
+        </p:txBody>
+      </p:sp>
+      <p:sp>
+        <p:nvSpPr>
+          <p:cNvPr id="19" name="TextBox 18"/>
+          <p:cNvSpPr txBox="1"/>
+          <p:nvPr/>
+        </p:nvSpPr>
+        <p:spPr>
+          <a:xfrm>
+            <a:off x="4368980" y="1406827"/>
+            <a:ext cx="417102" cy="214239"/>
+          </a:xfrm>
+          <a:prstGeom prst="rect">
+            <a:avLst/>
+          </a:prstGeom>
+          <a:noFill/>
+        </p:spPr>
+        <p:txBody>
+          <a:bodyPr wrap="none" rtlCol="0">
+            <a:spAutoFit/>
+          </a:bodyPr>
+          <a:lstStyle/>
+          <a:p>
+            <a:r>
+              <a:rPr lang="en-US" smtClean="0">
+                <a:solidFill>
+                  <a:schemeClr val="accent1">
+                    <a:lumMod val="50000"/>
+                  </a:schemeClr>
+                </a:solidFill>
+              </a:rPr>
+              <a:t>e2</a:t>
+            </a:r>
+            <a:endParaRPr lang="en-US">
+              <a:solidFill>
+                <a:schemeClr val="accent1">
+                  <a:lumMod val="50000"/>
+                </a:schemeClr>
+              </a:solidFill>
+            </a:endParaRPr>
+          </a:p>
+        </p:txBody>
+      </p:sp>
+      <p:sp>
+        <p:nvSpPr>
+          <p:cNvPr id="20" name="TextBox 19"/>
+          <p:cNvSpPr txBox="1"/>
+          <p:nvPr/>
+        </p:nvSpPr>
+        <p:spPr>
+          <a:xfrm>
+            <a:off x="8685324" y="61820"/>
+            <a:ext cx="2683683" cy="369332"/>
+          </a:xfrm>
+          <a:prstGeom prst="rect">
+            <a:avLst/>
+          </a:prstGeom>
+          <a:noFill/>
+        </p:spPr>
+        <p:txBody>
+          <a:bodyPr wrap="none" rtlCol="0">
+            <a:spAutoFit/>
+          </a:bodyPr>
+          <a:lstStyle/>
+          <a:p>
+            <a:r>
+              <a:rPr lang="en-US" smtClean="0">
+                <a:solidFill>
+                  <a:schemeClr val="accent1">
+                    <a:lumMod val="50000"/>
+                  </a:schemeClr>
+                </a:solidFill>
+              </a:rPr>
+              <a:t>New Queue – no elements</a:t>
+            </a:r>
+            <a:endParaRPr lang="en-US">
+              <a:solidFill>
+                <a:schemeClr val="accent1">
+                  <a:lumMod val="50000"/>
+                </a:schemeClr>
+              </a:solidFill>
+            </a:endParaRPr>
+          </a:p>
+        </p:txBody>
+      </p:sp>
+      <p:sp>
+        <p:nvSpPr>
+          <p:cNvPr id="21" name="TextBox 20"/>
+          <p:cNvSpPr txBox="1"/>
+          <p:nvPr/>
+        </p:nvSpPr>
+        <p:spPr>
+          <a:xfrm>
+            <a:off x="8685323" y="531381"/>
+            <a:ext cx="671979" cy="369332"/>
+          </a:xfrm>
+          <a:prstGeom prst="rect">
+            <a:avLst/>
+          </a:prstGeom>
+          <a:noFill/>
+        </p:spPr>
+        <p:txBody>
+          <a:bodyPr wrap="none" rtlCol="0">
+            <a:spAutoFit/>
+          </a:bodyPr>
+          <a:lstStyle/>
+          <a:p>
+            <a:r>
+              <a:rPr lang="en-US" b="1" smtClean="0">
+                <a:solidFill>
+                  <a:schemeClr val="accent6">
+                    <a:lumMod val="75000"/>
+                  </a:schemeClr>
+                </a:solidFill>
+              </a:rPr>
+              <a:t>N = 1</a:t>
+            </a:r>
+            <a:endParaRPr lang="en-US" b="1">
+              <a:solidFill>
+                <a:schemeClr val="accent6">
+                  <a:lumMod val="75000"/>
+                </a:schemeClr>
+              </a:solidFill>
+            </a:endParaRPr>
+          </a:p>
+        </p:txBody>
+      </p:sp>
+      <p:sp>
+        <p:nvSpPr>
+          <p:cNvPr id="22" name="TextBox 21"/>
+          <p:cNvSpPr txBox="1"/>
+          <p:nvPr/>
+        </p:nvSpPr>
+        <p:spPr>
+          <a:xfrm>
+            <a:off x="111318" y="3001300"/>
+            <a:ext cx="417102" cy="369332"/>
+          </a:xfrm>
+          <a:prstGeom prst="rect">
+            <a:avLst/>
+          </a:prstGeom>
+          <a:noFill/>
+        </p:spPr>
+        <p:txBody>
+          <a:bodyPr wrap="none" rtlCol="0">
+            <a:spAutoFit/>
+          </a:bodyPr>
+          <a:lstStyle/>
+          <a:p>
+            <a:r>
+              <a:rPr lang="en-US" b="1" smtClean="0">
+                <a:solidFill>
+                  <a:schemeClr val="accent6">
+                    <a:lumMod val="75000"/>
+                  </a:schemeClr>
+                </a:solidFill>
+              </a:rPr>
+              <a:t>e3</a:t>
+            </a:r>
+            <a:endParaRPr lang="en-US" b="1">
+              <a:solidFill>
+                <a:schemeClr val="accent6">
+                  <a:lumMod val="75000"/>
+                </a:schemeClr>
+              </a:solidFill>
+            </a:endParaRPr>
+          </a:p>
+        </p:txBody>
+      </p:sp>
+      <p:sp>
+        <p:nvSpPr>
+          <p:cNvPr id="23" name="Rectangle 22"/>
+          <p:cNvSpPr/>
+          <p:nvPr/>
+        </p:nvSpPr>
+        <p:spPr>
+          <a:xfrm>
+            <a:off x="955332" y="2936727"/>
+            <a:ext cx="7576418" cy="770258"/>
+          </a:xfrm>
+          <a:prstGeom prst="rect">
+            <a:avLst/>
+          </a:prstGeom>
+          <a:noFill/>
+          <a:ln w="28575">
+            <a:solidFill>
+              <a:schemeClr val="accent6">
+                <a:lumMod val="75000"/>
+              </a:schemeClr>
+            </a:solidFill>
+          </a:ln>
+        </p:spPr>
+        <p:style>
+          <a:lnRef idx="2">
+            <a:schemeClr val="accent1">
+              <a:shade val="50000"/>
+            </a:schemeClr>
+          </a:lnRef>
+          <a:fillRef idx="1">
+            <a:schemeClr val="accent1"/>
+          </a:fillRef>
+          <a:effectRef idx="0">
+            <a:schemeClr val="accent1"/>
+          </a:effectRef>
+          <a:fontRef idx="minor">
+            <a:schemeClr val="lt1"/>
+          </a:fontRef>
+        </p:style>
+        <p:txBody>
+          <a:bodyPr rtlCol="0" anchor="ctr"/>
+          <a:lstStyle/>
+          <a:p>
+            <a:pPr algn="ctr"/>
+            <a:endParaRPr lang="en-US"/>
+          </a:p>
+        </p:txBody>
+      </p:sp>
+      <p:sp>
+        <p:nvSpPr>
+          <p:cNvPr id="24" name="Rectangle 23"/>
+          <p:cNvSpPr/>
+          <p:nvPr/>
+        </p:nvSpPr>
+        <p:spPr>
+          <a:xfrm>
+            <a:off x="1494846" y="3061260"/>
+            <a:ext cx="1057524" cy="415109"/>
+          </a:xfrm>
+          <a:prstGeom prst="rect">
+            <a:avLst/>
+          </a:prstGeom>
+          <a:noFill/>
+          <a:ln w="28575">
+            <a:solidFill>
+              <a:schemeClr val="accent6">
+                <a:lumMod val="75000"/>
+              </a:schemeClr>
+            </a:solidFill>
+          </a:ln>
+        </p:spPr>
+        <p:style>
+          <a:lnRef idx="2">
+            <a:schemeClr val="accent1">
+              <a:shade val="50000"/>
+            </a:schemeClr>
+          </a:lnRef>
+          <a:fillRef idx="1">
+            <a:schemeClr val="accent1"/>
+          </a:fillRef>
+          <a:effectRef idx="0">
+            <a:schemeClr val="accent1"/>
+          </a:effectRef>
+          <a:fontRef idx="minor">
+            <a:schemeClr val="lt1"/>
+          </a:fontRef>
+        </p:style>
+        <p:txBody>
+          <a:bodyPr rtlCol="0" anchor="ctr"/>
+          <a:lstStyle/>
+          <a:p>
+            <a:pPr algn="ctr"/>
+            <a:r>
+              <a:rPr lang="en-US" b="1" smtClean="0">
+                <a:solidFill>
+                  <a:schemeClr val="accent6">
+                    <a:lumMod val="75000"/>
+                  </a:schemeClr>
+                </a:solidFill>
+              </a:rPr>
+              <a:t>prev</a:t>
+            </a:r>
+            <a:endParaRPr lang="en-US" b="1">
+              <a:solidFill>
+                <a:schemeClr val="accent6">
+                  <a:lumMod val="75000"/>
+                </a:schemeClr>
+              </a:solidFill>
+            </a:endParaRPr>
+          </a:p>
+        </p:txBody>
+      </p:sp>
+      <p:sp>
+        <p:nvSpPr>
+          <p:cNvPr id="25" name="Rectangle 24"/>
+          <p:cNvSpPr/>
+          <p:nvPr/>
+        </p:nvSpPr>
+        <p:spPr>
+          <a:xfrm>
+            <a:off x="5010650" y="3078204"/>
+            <a:ext cx="1057524" cy="415109"/>
+          </a:xfrm>
+          <a:prstGeom prst="rect">
+            <a:avLst/>
+          </a:prstGeom>
+          <a:noFill/>
+          <a:ln w="28575">
+            <a:solidFill>
+              <a:schemeClr val="accent6">
+                <a:lumMod val="75000"/>
+              </a:schemeClr>
+            </a:solidFill>
+          </a:ln>
+        </p:spPr>
+        <p:style>
+          <a:lnRef idx="2">
+            <a:schemeClr val="accent1">
+              <a:shade val="50000"/>
+            </a:schemeClr>
+          </a:lnRef>
+          <a:fillRef idx="1">
+            <a:schemeClr val="accent1"/>
+          </a:fillRef>
+          <a:effectRef idx="0">
+            <a:schemeClr val="accent1"/>
+          </a:effectRef>
+          <a:fontRef idx="minor">
+            <a:schemeClr val="lt1"/>
+          </a:fontRef>
+        </p:style>
+        <p:txBody>
+          <a:bodyPr rtlCol="0" anchor="ctr"/>
+          <a:lstStyle/>
+          <a:p>
+            <a:pPr algn="ctr"/>
+            <a:r>
+              <a:rPr lang="en-US" b="1" smtClean="0">
+                <a:solidFill>
+                  <a:schemeClr val="accent6">
+                    <a:lumMod val="75000"/>
+                  </a:schemeClr>
+                </a:solidFill>
+              </a:rPr>
+              <a:t>follow</a:t>
+            </a:r>
+            <a:endParaRPr lang="en-US" b="1">
+              <a:solidFill>
+                <a:schemeClr val="accent6">
+                  <a:lumMod val="75000"/>
+                </a:schemeClr>
+              </a:solidFill>
+            </a:endParaRPr>
+          </a:p>
+        </p:txBody>
+      </p:sp>
+      <p:sp>
+        <p:nvSpPr>
+          <p:cNvPr id="26" name="TextBox 25"/>
+          <p:cNvSpPr txBox="1"/>
+          <p:nvPr/>
+        </p:nvSpPr>
+        <p:spPr>
+          <a:xfrm>
+            <a:off x="2489763" y="3369250"/>
+            <a:ext cx="417102" cy="369332"/>
+          </a:xfrm>
+          <a:prstGeom prst="rect">
+            <a:avLst/>
+          </a:prstGeom>
+          <a:noFill/>
+        </p:spPr>
+        <p:txBody>
+          <a:bodyPr wrap="none" rtlCol="0">
+            <a:spAutoFit/>
+          </a:bodyPr>
+          <a:lstStyle/>
+          <a:p>
+            <a:r>
+              <a:rPr lang="en-US" b="1" smtClean="0">
+                <a:solidFill>
+                  <a:schemeClr val="accent6">
+                    <a:lumMod val="75000"/>
+                  </a:schemeClr>
+                </a:solidFill>
+              </a:rPr>
+              <a:t>e2</a:t>
+            </a:r>
+            <a:endParaRPr lang="en-US" b="1">
+              <a:solidFill>
+                <a:schemeClr val="accent6">
+                  <a:lumMod val="75000"/>
+                </a:schemeClr>
+              </a:solidFill>
+            </a:endParaRPr>
+          </a:p>
+        </p:txBody>
+      </p:sp>
+      <p:sp>
+        <p:nvSpPr>
+          <p:cNvPr id="27" name="TextBox 26"/>
+          <p:cNvSpPr txBox="1"/>
+          <p:nvPr/>
+        </p:nvSpPr>
+        <p:spPr>
+          <a:xfrm>
+            <a:off x="6068174" y="3353452"/>
+            <a:ext cx="543739" cy="369332"/>
+          </a:xfrm>
+          <a:prstGeom prst="rect">
+            <a:avLst/>
+          </a:prstGeom>
+          <a:noFill/>
+        </p:spPr>
+        <p:txBody>
+          <a:bodyPr wrap="none" rtlCol="0">
+            <a:spAutoFit/>
+          </a:bodyPr>
+          <a:lstStyle/>
+          <a:p>
+            <a:r>
+              <a:rPr lang="en-US" b="1" smtClean="0">
+                <a:solidFill>
+                  <a:schemeClr val="accent6">
+                    <a:lumMod val="75000"/>
+                  </a:schemeClr>
+                </a:solidFill>
+              </a:rPr>
+              <a:t>null</a:t>
+            </a:r>
+            <a:endParaRPr lang="en-US" b="1">
+              <a:solidFill>
+                <a:schemeClr val="accent6">
+                  <a:lumMod val="75000"/>
+                </a:schemeClr>
+              </a:solidFill>
+            </a:endParaRPr>
+          </a:p>
+        </p:txBody>
+      </p:sp>
+      <p:sp>
+        <p:nvSpPr>
+          <p:cNvPr id="28" name="Rectangle 27"/>
+          <p:cNvSpPr/>
+          <p:nvPr/>
+        </p:nvSpPr>
+        <p:spPr>
+          <a:xfrm>
+            <a:off x="3278692" y="3061260"/>
+            <a:ext cx="1057524" cy="415109"/>
+          </a:xfrm>
+          <a:prstGeom prst="rect">
+            <a:avLst/>
+          </a:prstGeom>
+          <a:noFill/>
+          <a:ln w="28575">
+            <a:solidFill>
+              <a:schemeClr val="accent6">
+                <a:lumMod val="75000"/>
+              </a:schemeClr>
+            </a:solidFill>
+          </a:ln>
+        </p:spPr>
+        <p:style>
+          <a:lnRef idx="2">
+            <a:schemeClr val="accent1">
+              <a:shade val="50000"/>
+            </a:schemeClr>
+          </a:lnRef>
+          <a:fillRef idx="1">
+            <a:schemeClr val="accent1"/>
+          </a:fillRef>
+          <a:effectRef idx="0">
+            <a:schemeClr val="accent1"/>
+          </a:effectRef>
+          <a:fontRef idx="minor">
+            <a:schemeClr val="lt1"/>
+          </a:fontRef>
+        </p:style>
+        <p:txBody>
+          <a:bodyPr rtlCol="0" anchor="ctr"/>
+          <a:lstStyle/>
+          <a:p>
+            <a:pPr algn="ctr"/>
+            <a:r>
+              <a:rPr lang="en-US" b="1" smtClean="0">
+                <a:solidFill>
+                  <a:schemeClr val="accent6">
+                    <a:lumMod val="75000"/>
+                  </a:schemeClr>
+                </a:solidFill>
+              </a:rPr>
+              <a:t>val</a:t>
+            </a:r>
+            <a:endParaRPr lang="en-US" b="1">
+              <a:solidFill>
+                <a:schemeClr val="accent6">
+                  <a:lumMod val="75000"/>
+                </a:schemeClr>
+              </a:solidFill>
+            </a:endParaRPr>
+          </a:p>
+        </p:txBody>
+      </p:sp>
+      <p:sp>
+        <p:nvSpPr>
+          <p:cNvPr id="29" name="TextBox 28"/>
+          <p:cNvSpPr txBox="1"/>
+          <p:nvPr/>
+        </p:nvSpPr>
+        <p:spPr>
+          <a:xfrm>
+            <a:off x="4336216" y="3336508"/>
+            <a:ext cx="301686" cy="369332"/>
+          </a:xfrm>
+          <a:prstGeom prst="rect">
+            <a:avLst/>
+          </a:prstGeom>
+          <a:noFill/>
+        </p:spPr>
+        <p:txBody>
+          <a:bodyPr wrap="none" rtlCol="0">
+            <a:spAutoFit/>
+          </a:bodyPr>
+          <a:lstStyle/>
+          <a:p>
+            <a:r>
+              <a:rPr lang="en-US" b="1" smtClean="0">
+                <a:solidFill>
+                  <a:schemeClr val="accent6">
+                    <a:lumMod val="75000"/>
+                  </a:schemeClr>
+                </a:solidFill>
+              </a:rPr>
+              <a:t>1</a:t>
+            </a:r>
+            <a:endParaRPr lang="en-US" b="1">
+              <a:solidFill>
+                <a:schemeClr val="accent6">
+                  <a:lumMod val="75000"/>
+                </a:schemeClr>
+              </a:solidFill>
+            </a:endParaRPr>
+          </a:p>
+        </p:txBody>
+      </p:sp>
+      <p:cxnSp>
+        <p:nvCxnSpPr>
+          <p:cNvPr id="31" name="Straight Connector 30"/>
+          <p:cNvCxnSpPr>
+            <a:stCxn id="19" idx="3"/>
+          </p:cNvCxnSpPr>
+          <p:nvPr/>
+        </p:nvCxnSpPr>
+        <p:spPr>
+          <a:xfrm flipH="1">
+            <a:off x="4368980" y="1513947"/>
+            <a:ext cx="417102" cy="230615"/>
+          </a:xfrm>
+          <a:prstGeom prst="line">
+            <a:avLst/>
+          </a:prstGeom>
+          <a:ln w="28575">
+            <a:solidFill>
+              <a:schemeClr val="accent6">
+                <a:lumMod val="75000"/>
+              </a:schemeClr>
+            </a:solidFill>
+          </a:ln>
+        </p:spPr>
+        <p:style>
+          <a:lnRef idx="1">
+            <a:schemeClr val="accent1"/>
+          </a:lnRef>
+          <a:fillRef idx="0">
+            <a:schemeClr val="accent1"/>
+          </a:fillRef>
+          <a:effectRef idx="0">
+            <a:schemeClr val="accent1"/>
+          </a:effectRef>
+          <a:fontRef idx="minor">
+            <a:schemeClr val="tx1"/>
+          </a:fontRef>
+        </p:style>
+      </p:cxnSp>
+      <p:sp>
+        <p:nvSpPr>
+          <p:cNvPr id="32" name="TextBox 31"/>
+          <p:cNvSpPr txBox="1"/>
+          <p:nvPr/>
+        </p:nvSpPr>
+        <p:spPr>
+          <a:xfrm>
+            <a:off x="4745797" y="1415302"/>
+            <a:ext cx="417102" cy="369332"/>
+          </a:xfrm>
+          <a:prstGeom prst="rect">
+            <a:avLst/>
+          </a:prstGeom>
+          <a:noFill/>
+        </p:spPr>
+        <p:txBody>
+          <a:bodyPr wrap="none" rtlCol="0">
+            <a:spAutoFit/>
+          </a:bodyPr>
+          <a:lstStyle/>
+          <a:p>
+            <a:r>
+              <a:rPr lang="en-US" b="1" smtClean="0">
+                <a:solidFill>
+                  <a:schemeClr val="accent6">
+                    <a:lumMod val="75000"/>
+                  </a:schemeClr>
+                </a:solidFill>
+              </a:rPr>
+              <a:t>e3</a:t>
+            </a:r>
+            <a:endParaRPr lang="en-US" b="1">
+              <a:solidFill>
+                <a:schemeClr val="accent6">
+                  <a:lumMod val="75000"/>
+                </a:schemeClr>
+              </a:solidFill>
+            </a:endParaRPr>
+          </a:p>
+        </p:txBody>
+      </p:sp>
       <p:sp>
         <p:nvSpPr>
           <p:cNvPr id="33" name="TextBox 32"/>
@@ -10926,7 +13358,7 @@
                   </a:schemeClr>
                 </a:solidFill>
               </a:rPr>
-              <a:t>q</a:t>
+              <a:t>follow</a:t>
             </a:r>
             <a:endParaRPr lang="en-US" b="1">
               <a:solidFill>
@@ -11424,13 +13856,1485 @@
       </p:cxnSp>
       <p:sp>
         <p:nvSpPr>
+          <p:cNvPr id="66" name="TextBox 65"/>
+          <p:cNvSpPr txBox="1"/>
+          <p:nvPr/>
+        </p:nvSpPr>
+        <p:spPr>
+          <a:xfrm>
+            <a:off x="2545160" y="458476"/>
+            <a:ext cx="417102" cy="369332"/>
+          </a:xfrm>
+          <a:prstGeom prst="rect">
+            <a:avLst/>
+          </a:prstGeom>
+          <a:noFill/>
+        </p:spPr>
+        <p:txBody>
+          <a:bodyPr wrap="none" rtlCol="0">
+            <a:spAutoFit/>
+          </a:bodyPr>
+          <a:lstStyle/>
+          <a:p>
+            <a:r>
+              <a:rPr lang="en-US" smtClean="0">
+                <a:solidFill>
+                  <a:schemeClr val="accent1">
+                    <a:lumMod val="50000"/>
+                  </a:schemeClr>
+                </a:solidFill>
+              </a:rPr>
+              <a:t>e1</a:t>
+            </a:r>
+            <a:endParaRPr lang="en-US">
+              <a:solidFill>
+                <a:schemeClr val="accent1">
+                  <a:lumMod val="50000"/>
+                </a:schemeClr>
+              </a:solidFill>
+            </a:endParaRPr>
+          </a:p>
+        </p:txBody>
+      </p:sp>
+      <p:sp>
+        <p:nvSpPr>
           <p:cNvPr id="48" name="TextBox 47"/>
           <p:cNvSpPr txBox="1"/>
           <p:nvPr/>
         </p:nvSpPr>
         <p:spPr>
           <a:xfrm>
-            <a:off x="111318" y="5008757"/>
+            <a:off x="3611993" y="1652"/>
+            <a:ext cx="3854838" cy="923330"/>
+          </a:xfrm>
+          <a:prstGeom prst="rect">
+            <a:avLst/>
+          </a:prstGeom>
+          <a:noFill/>
+        </p:spPr>
+        <p:txBody>
+          <a:bodyPr wrap="none" rtlCol="0">
+            <a:spAutoFit/>
+          </a:bodyPr>
+          <a:lstStyle/>
+          <a:p>
+            <a:r>
+              <a:rPr lang="en-US" smtClean="0"/>
+              <a:t>{ </a:t>
+            </a:r>
+            <a:r>
+              <a:rPr lang="en-US" smtClean="0"/>
+              <a:t>Double-linked List,</a:t>
+            </a:r>
+          </a:p>
+          <a:p>
+            <a:r>
+              <a:rPr lang="en-US"/>
+              <a:t> </a:t>
+            </a:r>
+            <a:r>
+              <a:rPr lang="en-US" smtClean="0"/>
+              <a:t>  with ‘q’ instead of ‘next’</a:t>
+            </a:r>
+          </a:p>
+          <a:p>
+            <a:r>
+              <a:rPr lang="en-US"/>
+              <a:t> </a:t>
+            </a:r>
+            <a:r>
+              <a:rPr lang="en-US" smtClean="0"/>
+              <a:t>   and excess environments e1 and e2 </a:t>
+            </a:r>
+            <a:r>
+              <a:rPr lang="en-US" smtClean="0"/>
+              <a:t>}</a:t>
+            </a:r>
+            <a:endParaRPr lang="en-US"/>
+          </a:p>
+        </p:txBody>
+      </p:sp>
+    </p:spTree>
+    <p:extLst>
+      <p:ext uri="{BB962C8B-B14F-4D97-AF65-F5344CB8AC3E}">
+        <p14:creationId xmlns:p14="http://schemas.microsoft.com/office/powerpoint/2010/main" val="2485713376"/>
+      </p:ext>
+    </p:extLst>
+  </p:cSld>
+  <p:clrMapOvr>
+    <a:masterClrMapping/>
+  </p:clrMapOvr>
+  <p:timing>
+    <p:tnLst>
+      <p:par>
+        <p:cTn id="1" dur="indefinite" restart="never" nodeType="tmRoot"/>
+      </p:par>
+    </p:tnLst>
+  </p:timing>
+</p:sld>
+</file>
+
+<file path=ppt/slides/slide7.xml><?xml version="1.0" encoding="utf-8"?>
+<p:sld xmlns:a="http://schemas.openxmlformats.org/drawingml/2006/main" xmlns:r="http://schemas.openxmlformats.org/officeDocument/2006/relationships" xmlns:p="http://schemas.openxmlformats.org/presentationml/2006/main">
+  <p:cSld>
+    <p:spTree>
+      <p:nvGrpSpPr>
+        <p:cNvPr id="1" name=""/>
+        <p:cNvGrpSpPr/>
+        <p:nvPr/>
+      </p:nvGrpSpPr>
+      <p:grpSpPr>
+        <a:xfrm>
+          <a:off x="0" y="0"/>
+          <a:ext cx="0" cy="0"/>
+          <a:chOff x="0" y="0"/>
+          <a:chExt cx="0" cy="0"/>
+        </a:xfrm>
+      </p:grpSpPr>
+      <p:sp>
+        <p:nvSpPr>
+          <p:cNvPr id="4" name="TextBox 3"/>
+          <p:cNvSpPr txBox="1"/>
+          <p:nvPr/>
+        </p:nvSpPr>
+        <p:spPr>
+          <a:xfrm>
+            <a:off x="111318" y="144085"/>
+            <a:ext cx="844014" cy="214239"/>
+          </a:xfrm>
+          <a:prstGeom prst="rect">
+            <a:avLst/>
+          </a:prstGeom>
+          <a:noFill/>
+        </p:spPr>
+        <p:txBody>
+          <a:bodyPr wrap="none" rtlCol="0">
+            <a:spAutoFit/>
+          </a:bodyPr>
+          <a:lstStyle/>
+          <a:p>
+            <a:r>
+              <a:rPr lang="en-US" smtClean="0"/>
+              <a:t>.</a:t>
+            </a:r>
+            <a:r>
+              <a:rPr lang="en-US" smtClean="0">
+                <a:solidFill>
+                  <a:schemeClr val="accent1">
+                    <a:lumMod val="50000"/>
+                  </a:schemeClr>
+                </a:solidFill>
+              </a:rPr>
+              <a:t>Global</a:t>
+            </a:r>
+            <a:endParaRPr lang="en-US">
+              <a:solidFill>
+                <a:schemeClr val="accent1">
+                  <a:lumMod val="50000"/>
+                </a:schemeClr>
+              </a:solidFill>
+            </a:endParaRPr>
+          </a:p>
+        </p:txBody>
+      </p:sp>
+      <p:sp>
+        <p:nvSpPr>
+          <p:cNvPr id="5" name="Rectangle 4"/>
+          <p:cNvSpPr/>
+          <p:nvPr/>
+        </p:nvSpPr>
+        <p:spPr>
+          <a:xfrm>
+            <a:off x="955332" y="79513"/>
+            <a:ext cx="7576418" cy="770258"/>
+          </a:xfrm>
+          <a:prstGeom prst="rect">
+            <a:avLst/>
+          </a:prstGeom>
+          <a:noFill/>
+          <a:ln>
+            <a:solidFill>
+              <a:schemeClr val="accent1">
+                <a:lumMod val="50000"/>
+              </a:schemeClr>
+            </a:solidFill>
+          </a:ln>
+        </p:spPr>
+        <p:style>
+          <a:lnRef idx="2">
+            <a:schemeClr val="accent1">
+              <a:shade val="50000"/>
+            </a:schemeClr>
+          </a:lnRef>
+          <a:fillRef idx="1">
+            <a:schemeClr val="accent1"/>
+          </a:fillRef>
+          <a:effectRef idx="0">
+            <a:schemeClr val="accent1"/>
+          </a:effectRef>
+          <a:fontRef idx="minor">
+            <a:schemeClr val="lt1"/>
+          </a:fontRef>
+        </p:style>
+        <p:txBody>
+          <a:bodyPr rtlCol="0" anchor="ctr"/>
+          <a:lstStyle/>
+          <a:p>
+            <a:pPr algn="ctr"/>
+            <a:endParaRPr lang="en-US"/>
+          </a:p>
+        </p:txBody>
+      </p:sp>
+      <p:sp>
+        <p:nvSpPr>
+          <p:cNvPr id="6" name="Rectangle 5"/>
+          <p:cNvSpPr/>
+          <p:nvPr/>
+        </p:nvSpPr>
+        <p:spPr>
+          <a:xfrm>
+            <a:off x="1494846" y="204046"/>
+            <a:ext cx="1057524" cy="415109"/>
+          </a:xfrm>
+          <a:prstGeom prst="rect">
+            <a:avLst/>
+          </a:prstGeom>
+          <a:noFill/>
+          <a:ln>
+            <a:solidFill>
+              <a:schemeClr val="accent1">
+                <a:lumMod val="50000"/>
+              </a:schemeClr>
+            </a:solidFill>
+          </a:ln>
+        </p:spPr>
+        <p:style>
+          <a:lnRef idx="2">
+            <a:schemeClr val="accent1">
+              <a:shade val="50000"/>
+            </a:schemeClr>
+          </a:lnRef>
+          <a:fillRef idx="1">
+            <a:schemeClr val="accent1"/>
+          </a:fillRef>
+          <a:effectRef idx="0">
+            <a:schemeClr val="accent1"/>
+          </a:effectRef>
+          <a:fontRef idx="minor">
+            <a:schemeClr val="lt1"/>
+          </a:fontRef>
+        </p:style>
+        <p:txBody>
+          <a:bodyPr rtlCol="0" anchor="ctr"/>
+          <a:lstStyle/>
+          <a:p>
+            <a:pPr algn="ctr"/>
+            <a:r>
+              <a:rPr lang="en-US" smtClean="0">
+                <a:solidFill>
+                  <a:schemeClr val="accent1">
+                    <a:lumMod val="50000"/>
+                  </a:schemeClr>
+                </a:solidFill>
+              </a:rPr>
+              <a:t>qq</a:t>
+            </a:r>
+            <a:endParaRPr lang="en-US">
+              <a:solidFill>
+                <a:schemeClr val="accent1">
+                  <a:lumMod val="50000"/>
+                </a:schemeClr>
+              </a:solidFill>
+            </a:endParaRPr>
+          </a:p>
+        </p:txBody>
+      </p:sp>
+      <p:sp>
+        <p:nvSpPr>
+          <p:cNvPr id="7" name="TextBox 6"/>
+          <p:cNvSpPr txBox="1"/>
+          <p:nvPr/>
+        </p:nvSpPr>
+        <p:spPr>
+          <a:xfrm>
+            <a:off x="111318" y="1038876"/>
+            <a:ext cx="417102" cy="214239"/>
+          </a:xfrm>
+          <a:prstGeom prst="rect">
+            <a:avLst/>
+          </a:prstGeom>
+          <a:noFill/>
+        </p:spPr>
+        <p:txBody>
+          <a:bodyPr wrap="none" rtlCol="0">
+            <a:spAutoFit/>
+          </a:bodyPr>
+          <a:lstStyle/>
+          <a:p>
+            <a:r>
+              <a:rPr lang="en-US" smtClean="0">
+                <a:solidFill>
+                  <a:schemeClr val="accent1">
+                    <a:lumMod val="50000"/>
+                  </a:schemeClr>
+                </a:solidFill>
+              </a:rPr>
+              <a:t>e1</a:t>
+            </a:r>
+            <a:endParaRPr lang="en-US">
+              <a:solidFill>
+                <a:schemeClr val="accent1">
+                  <a:lumMod val="50000"/>
+                </a:schemeClr>
+              </a:solidFill>
+            </a:endParaRPr>
+          </a:p>
+        </p:txBody>
+      </p:sp>
+      <p:sp>
+        <p:nvSpPr>
+          <p:cNvPr id="8" name="Rectangle 7"/>
+          <p:cNvSpPr/>
+          <p:nvPr/>
+        </p:nvSpPr>
+        <p:spPr>
+          <a:xfrm>
+            <a:off x="955332" y="974304"/>
+            <a:ext cx="7576418" cy="770258"/>
+          </a:xfrm>
+          <a:prstGeom prst="rect">
+            <a:avLst/>
+          </a:prstGeom>
+          <a:noFill/>
+          <a:ln>
+            <a:solidFill>
+              <a:schemeClr val="accent1">
+                <a:lumMod val="50000"/>
+              </a:schemeClr>
+            </a:solidFill>
+          </a:ln>
+        </p:spPr>
+        <p:style>
+          <a:lnRef idx="2">
+            <a:schemeClr val="accent1">
+              <a:shade val="50000"/>
+            </a:schemeClr>
+          </a:lnRef>
+          <a:fillRef idx="1">
+            <a:schemeClr val="accent1"/>
+          </a:fillRef>
+          <a:effectRef idx="0">
+            <a:schemeClr val="accent1"/>
+          </a:effectRef>
+          <a:fontRef idx="minor">
+            <a:schemeClr val="lt1"/>
+          </a:fontRef>
+        </p:style>
+        <p:txBody>
+          <a:bodyPr rtlCol="0" anchor="ctr"/>
+          <a:lstStyle/>
+          <a:p>
+            <a:pPr algn="ctr"/>
+            <a:endParaRPr lang="en-US"/>
+          </a:p>
+        </p:txBody>
+      </p:sp>
+      <p:sp>
+        <p:nvSpPr>
+          <p:cNvPr id="9" name="Rectangle 8"/>
+          <p:cNvSpPr/>
+          <p:nvPr/>
+        </p:nvSpPr>
+        <p:spPr>
+          <a:xfrm>
+            <a:off x="1494846" y="1098837"/>
+            <a:ext cx="1057524" cy="415109"/>
+          </a:xfrm>
+          <a:prstGeom prst="rect">
+            <a:avLst/>
+          </a:prstGeom>
+          <a:noFill/>
+          <a:ln>
+            <a:solidFill>
+              <a:schemeClr val="accent1">
+                <a:lumMod val="50000"/>
+              </a:schemeClr>
+            </a:solidFill>
+          </a:ln>
+        </p:spPr>
+        <p:style>
+          <a:lnRef idx="2">
+            <a:schemeClr val="accent1">
+              <a:shade val="50000"/>
+            </a:schemeClr>
+          </a:lnRef>
+          <a:fillRef idx="1">
+            <a:schemeClr val="accent1"/>
+          </a:fillRef>
+          <a:effectRef idx="0">
+            <a:schemeClr val="accent1"/>
+          </a:effectRef>
+          <a:fontRef idx="minor">
+            <a:schemeClr val="lt1"/>
+          </a:fontRef>
+        </p:style>
+        <p:txBody>
+          <a:bodyPr rtlCol="0" anchor="ctr"/>
+          <a:lstStyle/>
+          <a:p>
+            <a:pPr algn="ctr"/>
+            <a:r>
+              <a:rPr lang="en-US" smtClean="0">
+                <a:solidFill>
+                  <a:schemeClr val="accent1">
+                    <a:lumMod val="50000"/>
+                  </a:schemeClr>
+                </a:solidFill>
+              </a:rPr>
+              <a:t>front</a:t>
+            </a:r>
+            <a:endParaRPr lang="en-US">
+              <a:solidFill>
+                <a:schemeClr val="accent1">
+                  <a:lumMod val="50000"/>
+                </a:schemeClr>
+              </a:solidFill>
+            </a:endParaRPr>
+          </a:p>
+        </p:txBody>
+      </p:sp>
+      <p:sp>
+        <p:nvSpPr>
+          <p:cNvPr id="10" name="Rectangle 9"/>
+          <p:cNvSpPr/>
+          <p:nvPr/>
+        </p:nvSpPr>
+        <p:spPr>
+          <a:xfrm>
+            <a:off x="3261361" y="1115781"/>
+            <a:ext cx="1057524" cy="415109"/>
+          </a:xfrm>
+          <a:prstGeom prst="rect">
+            <a:avLst/>
+          </a:prstGeom>
+          <a:noFill/>
+          <a:ln>
+            <a:solidFill>
+              <a:schemeClr val="accent1">
+                <a:lumMod val="50000"/>
+              </a:schemeClr>
+            </a:solidFill>
+          </a:ln>
+        </p:spPr>
+        <p:style>
+          <a:lnRef idx="2">
+            <a:schemeClr val="accent1">
+              <a:shade val="50000"/>
+            </a:schemeClr>
+          </a:lnRef>
+          <a:fillRef idx="1">
+            <a:schemeClr val="accent1"/>
+          </a:fillRef>
+          <a:effectRef idx="0">
+            <a:schemeClr val="accent1"/>
+          </a:effectRef>
+          <a:fontRef idx="minor">
+            <a:schemeClr val="lt1"/>
+          </a:fontRef>
+        </p:style>
+        <p:txBody>
+          <a:bodyPr rtlCol="0" anchor="ctr"/>
+          <a:lstStyle/>
+          <a:p>
+            <a:pPr algn="ctr"/>
+            <a:r>
+              <a:rPr lang="en-US" smtClean="0">
+                <a:solidFill>
+                  <a:schemeClr val="accent1">
+                    <a:lumMod val="50000"/>
+                  </a:schemeClr>
+                </a:solidFill>
+              </a:rPr>
+              <a:t>last</a:t>
+            </a:r>
+            <a:endParaRPr lang="en-US">
+              <a:solidFill>
+                <a:schemeClr val="accent1">
+                  <a:lumMod val="50000"/>
+                </a:schemeClr>
+              </a:solidFill>
+            </a:endParaRPr>
+          </a:p>
+        </p:txBody>
+      </p:sp>
+      <p:sp>
+        <p:nvSpPr>
+          <p:cNvPr id="11" name="TextBox 10"/>
+          <p:cNvSpPr txBox="1"/>
+          <p:nvPr/>
+        </p:nvSpPr>
+        <p:spPr>
+          <a:xfrm>
+            <a:off x="2489763" y="1406827"/>
+            <a:ext cx="417102" cy="214239"/>
+          </a:xfrm>
+          <a:prstGeom prst="rect">
+            <a:avLst/>
+          </a:prstGeom>
+          <a:noFill/>
+        </p:spPr>
+        <p:txBody>
+          <a:bodyPr wrap="none" rtlCol="0">
+            <a:spAutoFit/>
+          </a:bodyPr>
+          <a:lstStyle/>
+          <a:p>
+            <a:r>
+              <a:rPr lang="en-US" smtClean="0">
+                <a:solidFill>
+                  <a:schemeClr val="accent1">
+                    <a:lumMod val="50000"/>
+                  </a:schemeClr>
+                </a:solidFill>
+              </a:rPr>
+              <a:t>e2</a:t>
+            </a:r>
+            <a:endParaRPr lang="en-US">
+              <a:solidFill>
+                <a:schemeClr val="accent1">
+                  <a:lumMod val="50000"/>
+                </a:schemeClr>
+              </a:solidFill>
+            </a:endParaRPr>
+          </a:p>
+        </p:txBody>
+      </p:sp>
+      <p:sp>
+        <p:nvSpPr>
+          <p:cNvPr id="12" name="TextBox 11"/>
+          <p:cNvSpPr txBox="1"/>
+          <p:nvPr/>
+        </p:nvSpPr>
+        <p:spPr>
+          <a:xfrm>
+            <a:off x="111318" y="1965953"/>
+            <a:ext cx="417102" cy="214239"/>
+          </a:xfrm>
+          <a:prstGeom prst="rect">
+            <a:avLst/>
+          </a:prstGeom>
+          <a:noFill/>
+        </p:spPr>
+        <p:txBody>
+          <a:bodyPr wrap="none" rtlCol="0">
+            <a:spAutoFit/>
+          </a:bodyPr>
+          <a:lstStyle/>
+          <a:p>
+            <a:r>
+              <a:rPr lang="en-US" smtClean="0">
+                <a:solidFill>
+                  <a:schemeClr val="accent1">
+                    <a:lumMod val="50000"/>
+                  </a:schemeClr>
+                </a:solidFill>
+              </a:rPr>
+              <a:t>e2</a:t>
+            </a:r>
+            <a:endParaRPr lang="en-US">
+              <a:solidFill>
+                <a:schemeClr val="accent1">
+                  <a:lumMod val="50000"/>
+                </a:schemeClr>
+              </a:solidFill>
+            </a:endParaRPr>
+          </a:p>
+        </p:txBody>
+      </p:sp>
+      <p:sp>
+        <p:nvSpPr>
+          <p:cNvPr id="13" name="Rectangle 12"/>
+          <p:cNvSpPr/>
+          <p:nvPr/>
+        </p:nvSpPr>
+        <p:spPr>
+          <a:xfrm>
+            <a:off x="955332" y="1901380"/>
+            <a:ext cx="7576418" cy="770258"/>
+          </a:xfrm>
+          <a:prstGeom prst="rect">
+            <a:avLst/>
+          </a:prstGeom>
+          <a:noFill/>
+          <a:ln>
+            <a:solidFill>
+              <a:schemeClr val="accent1">
+                <a:lumMod val="50000"/>
+              </a:schemeClr>
+            </a:solidFill>
+          </a:ln>
+        </p:spPr>
+        <p:style>
+          <a:lnRef idx="2">
+            <a:schemeClr val="accent1">
+              <a:shade val="50000"/>
+            </a:schemeClr>
+          </a:lnRef>
+          <a:fillRef idx="1">
+            <a:schemeClr val="accent1"/>
+          </a:fillRef>
+          <a:effectRef idx="0">
+            <a:schemeClr val="accent1"/>
+          </a:effectRef>
+          <a:fontRef idx="minor">
+            <a:schemeClr val="lt1"/>
+          </a:fontRef>
+        </p:style>
+        <p:txBody>
+          <a:bodyPr rtlCol="0" anchor="ctr"/>
+          <a:lstStyle/>
+          <a:p>
+            <a:pPr algn="ctr"/>
+            <a:endParaRPr lang="en-US"/>
+          </a:p>
+        </p:txBody>
+      </p:sp>
+      <p:sp>
+        <p:nvSpPr>
+          <p:cNvPr id="14" name="Rectangle 13"/>
+          <p:cNvSpPr/>
+          <p:nvPr/>
+        </p:nvSpPr>
+        <p:spPr>
+          <a:xfrm>
+            <a:off x="1494846" y="2025913"/>
+            <a:ext cx="1057524" cy="415109"/>
+          </a:xfrm>
+          <a:prstGeom prst="rect">
+            <a:avLst/>
+          </a:prstGeom>
+          <a:noFill/>
+          <a:ln>
+            <a:solidFill>
+              <a:schemeClr val="accent1">
+                <a:lumMod val="50000"/>
+              </a:schemeClr>
+            </a:solidFill>
+          </a:ln>
+        </p:spPr>
+        <p:style>
+          <a:lnRef idx="2">
+            <a:schemeClr val="accent1">
+              <a:shade val="50000"/>
+            </a:schemeClr>
+          </a:lnRef>
+          <a:fillRef idx="1">
+            <a:schemeClr val="accent1"/>
+          </a:fillRef>
+          <a:effectRef idx="0">
+            <a:schemeClr val="accent1"/>
+          </a:effectRef>
+          <a:fontRef idx="minor">
+            <a:schemeClr val="lt1"/>
+          </a:fontRef>
+        </p:style>
+        <p:txBody>
+          <a:bodyPr rtlCol="0" anchor="ctr"/>
+          <a:lstStyle/>
+          <a:p>
+            <a:pPr algn="ctr"/>
+            <a:r>
+              <a:rPr lang="en-US" smtClean="0">
+                <a:solidFill>
+                  <a:schemeClr val="accent1">
+                    <a:lumMod val="50000"/>
+                  </a:schemeClr>
+                </a:solidFill>
+              </a:rPr>
+              <a:t>prev</a:t>
+            </a:r>
+            <a:endParaRPr lang="en-US">
+              <a:solidFill>
+                <a:schemeClr val="accent1">
+                  <a:lumMod val="50000"/>
+                </a:schemeClr>
+              </a:solidFill>
+            </a:endParaRPr>
+          </a:p>
+        </p:txBody>
+      </p:sp>
+      <p:sp>
+        <p:nvSpPr>
+          <p:cNvPr id="15" name="Rectangle 14"/>
+          <p:cNvSpPr/>
+          <p:nvPr/>
+        </p:nvSpPr>
+        <p:spPr>
+          <a:xfrm>
+            <a:off x="3261361" y="2042857"/>
+            <a:ext cx="1057524" cy="415109"/>
+          </a:xfrm>
+          <a:prstGeom prst="rect">
+            <a:avLst/>
+          </a:prstGeom>
+          <a:noFill/>
+          <a:ln>
+            <a:solidFill>
+              <a:schemeClr val="accent1">
+                <a:lumMod val="50000"/>
+              </a:schemeClr>
+            </a:solidFill>
+          </a:ln>
+        </p:spPr>
+        <p:style>
+          <a:lnRef idx="2">
+            <a:schemeClr val="accent1">
+              <a:shade val="50000"/>
+            </a:schemeClr>
+          </a:lnRef>
+          <a:fillRef idx="1">
+            <a:schemeClr val="accent1"/>
+          </a:fillRef>
+          <a:effectRef idx="0">
+            <a:schemeClr val="accent1"/>
+          </a:effectRef>
+          <a:fontRef idx="minor">
+            <a:schemeClr val="lt1"/>
+          </a:fontRef>
+        </p:style>
+        <p:txBody>
+          <a:bodyPr rtlCol="0" anchor="ctr"/>
+          <a:lstStyle/>
+          <a:p>
+            <a:pPr algn="ctr"/>
+            <a:r>
+              <a:rPr lang="en-US" smtClean="0">
+                <a:solidFill>
+                  <a:schemeClr val="accent1">
+                    <a:lumMod val="50000"/>
+                  </a:schemeClr>
+                </a:solidFill>
+              </a:rPr>
+              <a:t>follow</a:t>
+            </a:r>
+            <a:endParaRPr lang="en-US">
+              <a:solidFill>
+                <a:schemeClr val="accent1">
+                  <a:lumMod val="50000"/>
+                </a:schemeClr>
+              </a:solidFill>
+            </a:endParaRPr>
+          </a:p>
+        </p:txBody>
+      </p:sp>
+      <p:sp>
+        <p:nvSpPr>
+          <p:cNvPr id="16" name="TextBox 15"/>
+          <p:cNvSpPr txBox="1"/>
+          <p:nvPr/>
+        </p:nvSpPr>
+        <p:spPr>
+          <a:xfrm>
+            <a:off x="2489763" y="2333903"/>
+            <a:ext cx="534121" cy="369332"/>
+          </a:xfrm>
+          <a:prstGeom prst="rect">
+            <a:avLst/>
+          </a:prstGeom>
+          <a:noFill/>
+        </p:spPr>
+        <p:txBody>
+          <a:bodyPr wrap="none" rtlCol="0">
+            <a:spAutoFit/>
+          </a:bodyPr>
+          <a:lstStyle/>
+          <a:p>
+            <a:r>
+              <a:rPr lang="en-US" smtClean="0">
+                <a:solidFill>
+                  <a:schemeClr val="accent1">
+                    <a:lumMod val="50000"/>
+                  </a:schemeClr>
+                </a:solidFill>
+              </a:rPr>
+              <a:t>null</a:t>
+            </a:r>
+            <a:endParaRPr lang="en-US">
+              <a:solidFill>
+                <a:schemeClr val="accent1">
+                  <a:lumMod val="50000"/>
+                </a:schemeClr>
+              </a:solidFill>
+            </a:endParaRPr>
+          </a:p>
+        </p:txBody>
+      </p:sp>
+      <p:sp>
+        <p:nvSpPr>
+          <p:cNvPr id="18" name="TextBox 17"/>
+          <p:cNvSpPr txBox="1"/>
+          <p:nvPr/>
+        </p:nvSpPr>
+        <p:spPr>
+          <a:xfrm>
+            <a:off x="4318885" y="2318105"/>
+            <a:ext cx="534121" cy="369332"/>
+          </a:xfrm>
+          <a:prstGeom prst="rect">
+            <a:avLst/>
+          </a:prstGeom>
+          <a:noFill/>
+        </p:spPr>
+        <p:txBody>
+          <a:bodyPr wrap="none" rtlCol="0">
+            <a:spAutoFit/>
+          </a:bodyPr>
+          <a:lstStyle/>
+          <a:p>
+            <a:r>
+              <a:rPr lang="en-US" smtClean="0">
+                <a:solidFill>
+                  <a:schemeClr val="accent1">
+                    <a:lumMod val="50000"/>
+                  </a:schemeClr>
+                </a:solidFill>
+              </a:rPr>
+              <a:t>null</a:t>
+            </a:r>
+            <a:endParaRPr lang="en-US">
+              <a:solidFill>
+                <a:schemeClr val="accent1">
+                  <a:lumMod val="50000"/>
+                </a:schemeClr>
+              </a:solidFill>
+            </a:endParaRPr>
+          </a:p>
+        </p:txBody>
+      </p:sp>
+      <p:sp>
+        <p:nvSpPr>
+          <p:cNvPr id="19" name="TextBox 18"/>
+          <p:cNvSpPr txBox="1"/>
+          <p:nvPr/>
+        </p:nvSpPr>
+        <p:spPr>
+          <a:xfrm>
+            <a:off x="4368980" y="1406827"/>
+            <a:ext cx="417102" cy="214239"/>
+          </a:xfrm>
+          <a:prstGeom prst="rect">
+            <a:avLst/>
+          </a:prstGeom>
+          <a:noFill/>
+        </p:spPr>
+        <p:txBody>
+          <a:bodyPr wrap="none" rtlCol="0">
+            <a:spAutoFit/>
+          </a:bodyPr>
+          <a:lstStyle/>
+          <a:p>
+            <a:r>
+              <a:rPr lang="en-US" smtClean="0">
+                <a:solidFill>
+                  <a:schemeClr val="accent1">
+                    <a:lumMod val="50000"/>
+                  </a:schemeClr>
+                </a:solidFill>
+              </a:rPr>
+              <a:t>e2</a:t>
+            </a:r>
+            <a:endParaRPr lang="en-US">
+              <a:solidFill>
+                <a:schemeClr val="accent1">
+                  <a:lumMod val="50000"/>
+                </a:schemeClr>
+              </a:solidFill>
+            </a:endParaRPr>
+          </a:p>
+        </p:txBody>
+      </p:sp>
+      <p:sp>
+        <p:nvSpPr>
+          <p:cNvPr id="20" name="TextBox 19"/>
+          <p:cNvSpPr txBox="1"/>
+          <p:nvPr/>
+        </p:nvSpPr>
+        <p:spPr>
+          <a:xfrm>
+            <a:off x="8685324" y="61820"/>
+            <a:ext cx="2683683" cy="369332"/>
+          </a:xfrm>
+          <a:prstGeom prst="rect">
+            <a:avLst/>
+          </a:prstGeom>
+          <a:noFill/>
+        </p:spPr>
+        <p:txBody>
+          <a:bodyPr wrap="none" rtlCol="0">
+            <a:spAutoFit/>
+          </a:bodyPr>
+          <a:lstStyle/>
+          <a:p>
+            <a:r>
+              <a:rPr lang="en-US" smtClean="0">
+                <a:solidFill>
+                  <a:schemeClr val="accent1">
+                    <a:lumMod val="50000"/>
+                  </a:schemeClr>
+                </a:solidFill>
+              </a:rPr>
+              <a:t>New Queue – no elements</a:t>
+            </a:r>
+            <a:endParaRPr lang="en-US">
+              <a:solidFill>
+                <a:schemeClr val="accent1">
+                  <a:lumMod val="50000"/>
+                </a:schemeClr>
+              </a:solidFill>
+            </a:endParaRPr>
+          </a:p>
+        </p:txBody>
+      </p:sp>
+      <p:sp>
+        <p:nvSpPr>
+          <p:cNvPr id="21" name="TextBox 20"/>
+          <p:cNvSpPr txBox="1"/>
+          <p:nvPr/>
+        </p:nvSpPr>
+        <p:spPr>
+          <a:xfrm>
+            <a:off x="8685323" y="531381"/>
+            <a:ext cx="671979" cy="369332"/>
+          </a:xfrm>
+          <a:prstGeom prst="rect">
+            <a:avLst/>
+          </a:prstGeom>
+          <a:noFill/>
+        </p:spPr>
+        <p:txBody>
+          <a:bodyPr wrap="none" rtlCol="0">
+            <a:spAutoFit/>
+          </a:bodyPr>
+          <a:lstStyle/>
+          <a:p>
+            <a:r>
+              <a:rPr lang="en-US" b="1" smtClean="0">
+                <a:solidFill>
+                  <a:schemeClr val="accent6">
+                    <a:lumMod val="75000"/>
+                  </a:schemeClr>
+                </a:solidFill>
+              </a:rPr>
+              <a:t>N = 1</a:t>
+            </a:r>
+            <a:endParaRPr lang="en-US" b="1">
+              <a:solidFill>
+                <a:schemeClr val="accent6">
+                  <a:lumMod val="75000"/>
+                </a:schemeClr>
+              </a:solidFill>
+            </a:endParaRPr>
+          </a:p>
+        </p:txBody>
+      </p:sp>
+      <p:sp>
+        <p:nvSpPr>
+          <p:cNvPr id="22" name="TextBox 21"/>
+          <p:cNvSpPr txBox="1"/>
+          <p:nvPr/>
+        </p:nvSpPr>
+        <p:spPr>
+          <a:xfrm>
+            <a:off x="111318" y="3001300"/>
+            <a:ext cx="417102" cy="369332"/>
+          </a:xfrm>
+          <a:prstGeom prst="rect">
+            <a:avLst/>
+          </a:prstGeom>
+          <a:noFill/>
+        </p:spPr>
+        <p:txBody>
+          <a:bodyPr wrap="none" rtlCol="0">
+            <a:spAutoFit/>
+          </a:bodyPr>
+          <a:lstStyle/>
+          <a:p>
+            <a:r>
+              <a:rPr lang="en-US" b="1" smtClean="0">
+                <a:solidFill>
+                  <a:schemeClr val="accent6">
+                    <a:lumMod val="75000"/>
+                  </a:schemeClr>
+                </a:solidFill>
+              </a:rPr>
+              <a:t>e3</a:t>
+            </a:r>
+            <a:endParaRPr lang="en-US" b="1">
+              <a:solidFill>
+                <a:schemeClr val="accent6">
+                  <a:lumMod val="75000"/>
+                </a:schemeClr>
+              </a:solidFill>
+            </a:endParaRPr>
+          </a:p>
+        </p:txBody>
+      </p:sp>
+      <p:sp>
+        <p:nvSpPr>
+          <p:cNvPr id="23" name="Rectangle 22"/>
+          <p:cNvSpPr/>
+          <p:nvPr/>
+        </p:nvSpPr>
+        <p:spPr>
+          <a:xfrm>
+            <a:off x="955332" y="2936727"/>
+            <a:ext cx="7576418" cy="770258"/>
+          </a:xfrm>
+          <a:prstGeom prst="rect">
+            <a:avLst/>
+          </a:prstGeom>
+          <a:noFill/>
+          <a:ln w="28575">
+            <a:solidFill>
+              <a:schemeClr val="accent6">
+                <a:lumMod val="75000"/>
+              </a:schemeClr>
+            </a:solidFill>
+          </a:ln>
+        </p:spPr>
+        <p:style>
+          <a:lnRef idx="2">
+            <a:schemeClr val="accent1">
+              <a:shade val="50000"/>
+            </a:schemeClr>
+          </a:lnRef>
+          <a:fillRef idx="1">
+            <a:schemeClr val="accent1"/>
+          </a:fillRef>
+          <a:effectRef idx="0">
+            <a:schemeClr val="accent1"/>
+          </a:effectRef>
+          <a:fontRef idx="minor">
+            <a:schemeClr val="lt1"/>
+          </a:fontRef>
+        </p:style>
+        <p:txBody>
+          <a:bodyPr rtlCol="0" anchor="ctr"/>
+          <a:lstStyle/>
+          <a:p>
+            <a:pPr algn="ctr"/>
+            <a:endParaRPr lang="en-US"/>
+          </a:p>
+        </p:txBody>
+      </p:sp>
+      <p:sp>
+        <p:nvSpPr>
+          <p:cNvPr id="24" name="Rectangle 23"/>
+          <p:cNvSpPr/>
+          <p:nvPr/>
+        </p:nvSpPr>
+        <p:spPr>
+          <a:xfrm>
+            <a:off x="1494846" y="3061260"/>
+            <a:ext cx="1057524" cy="415109"/>
+          </a:xfrm>
+          <a:prstGeom prst="rect">
+            <a:avLst/>
+          </a:prstGeom>
+          <a:noFill/>
+          <a:ln w="28575">
+            <a:solidFill>
+              <a:schemeClr val="accent6">
+                <a:lumMod val="75000"/>
+              </a:schemeClr>
+            </a:solidFill>
+          </a:ln>
+        </p:spPr>
+        <p:style>
+          <a:lnRef idx="2">
+            <a:schemeClr val="accent1">
+              <a:shade val="50000"/>
+            </a:schemeClr>
+          </a:lnRef>
+          <a:fillRef idx="1">
+            <a:schemeClr val="accent1"/>
+          </a:fillRef>
+          <a:effectRef idx="0">
+            <a:schemeClr val="accent1"/>
+          </a:effectRef>
+          <a:fontRef idx="minor">
+            <a:schemeClr val="lt1"/>
+          </a:fontRef>
+        </p:style>
+        <p:txBody>
+          <a:bodyPr rtlCol="0" anchor="ctr"/>
+          <a:lstStyle/>
+          <a:p>
+            <a:pPr algn="ctr"/>
+            <a:r>
+              <a:rPr lang="en-US" b="1" smtClean="0">
+                <a:solidFill>
+                  <a:schemeClr val="accent6">
+                    <a:lumMod val="75000"/>
+                  </a:schemeClr>
+                </a:solidFill>
+              </a:rPr>
+              <a:t>prev</a:t>
+            </a:r>
+            <a:endParaRPr lang="en-US" b="1">
+              <a:solidFill>
+                <a:schemeClr val="accent6">
+                  <a:lumMod val="75000"/>
+                </a:schemeClr>
+              </a:solidFill>
+            </a:endParaRPr>
+          </a:p>
+        </p:txBody>
+      </p:sp>
+      <p:sp>
+        <p:nvSpPr>
+          <p:cNvPr id="25" name="Rectangle 24"/>
+          <p:cNvSpPr/>
+          <p:nvPr/>
+        </p:nvSpPr>
+        <p:spPr>
+          <a:xfrm>
+            <a:off x="5010650" y="3078204"/>
+            <a:ext cx="1057524" cy="415109"/>
+          </a:xfrm>
+          <a:prstGeom prst="rect">
+            <a:avLst/>
+          </a:prstGeom>
+          <a:noFill/>
+          <a:ln w="28575">
+            <a:solidFill>
+              <a:schemeClr val="accent6">
+                <a:lumMod val="75000"/>
+              </a:schemeClr>
+            </a:solidFill>
+          </a:ln>
+        </p:spPr>
+        <p:style>
+          <a:lnRef idx="2">
+            <a:schemeClr val="accent1">
+              <a:shade val="50000"/>
+            </a:schemeClr>
+          </a:lnRef>
+          <a:fillRef idx="1">
+            <a:schemeClr val="accent1"/>
+          </a:fillRef>
+          <a:effectRef idx="0">
+            <a:schemeClr val="accent1"/>
+          </a:effectRef>
+          <a:fontRef idx="minor">
+            <a:schemeClr val="lt1"/>
+          </a:fontRef>
+        </p:style>
+        <p:txBody>
+          <a:bodyPr rtlCol="0" anchor="ctr"/>
+          <a:lstStyle/>
+          <a:p>
+            <a:pPr algn="ctr"/>
+            <a:r>
+              <a:rPr lang="en-US" b="1" smtClean="0">
+                <a:solidFill>
+                  <a:schemeClr val="accent6">
+                    <a:lumMod val="75000"/>
+                  </a:schemeClr>
+                </a:solidFill>
+              </a:rPr>
+              <a:t>follow</a:t>
+            </a:r>
+            <a:endParaRPr lang="en-US" b="1">
+              <a:solidFill>
+                <a:schemeClr val="accent6">
+                  <a:lumMod val="75000"/>
+                </a:schemeClr>
+              </a:solidFill>
+            </a:endParaRPr>
+          </a:p>
+        </p:txBody>
+      </p:sp>
+      <p:sp>
+        <p:nvSpPr>
+          <p:cNvPr id="26" name="TextBox 25"/>
+          <p:cNvSpPr txBox="1"/>
+          <p:nvPr/>
+        </p:nvSpPr>
+        <p:spPr>
+          <a:xfrm>
+            <a:off x="2489763" y="3369250"/>
+            <a:ext cx="417102" cy="369332"/>
+          </a:xfrm>
+          <a:prstGeom prst="rect">
+            <a:avLst/>
+          </a:prstGeom>
+          <a:noFill/>
+        </p:spPr>
+        <p:txBody>
+          <a:bodyPr wrap="none" rtlCol="0">
+            <a:spAutoFit/>
+          </a:bodyPr>
+          <a:lstStyle/>
+          <a:p>
+            <a:r>
+              <a:rPr lang="en-US" b="1" smtClean="0">
+                <a:solidFill>
+                  <a:schemeClr val="accent6">
+                    <a:lumMod val="75000"/>
+                  </a:schemeClr>
+                </a:solidFill>
+              </a:rPr>
+              <a:t>e2</a:t>
+            </a:r>
+            <a:endParaRPr lang="en-US" b="1">
+              <a:solidFill>
+                <a:schemeClr val="accent6">
+                  <a:lumMod val="75000"/>
+                </a:schemeClr>
+              </a:solidFill>
+            </a:endParaRPr>
+          </a:p>
+        </p:txBody>
+      </p:sp>
+      <p:sp>
+        <p:nvSpPr>
+          <p:cNvPr id="27" name="TextBox 26"/>
+          <p:cNvSpPr txBox="1"/>
+          <p:nvPr/>
+        </p:nvSpPr>
+        <p:spPr>
+          <a:xfrm>
+            <a:off x="6068174" y="3353452"/>
+            <a:ext cx="543739" cy="369332"/>
+          </a:xfrm>
+          <a:prstGeom prst="rect">
+            <a:avLst/>
+          </a:prstGeom>
+          <a:noFill/>
+        </p:spPr>
+        <p:txBody>
+          <a:bodyPr wrap="none" rtlCol="0">
+            <a:spAutoFit/>
+          </a:bodyPr>
+          <a:lstStyle/>
+          <a:p>
+            <a:r>
+              <a:rPr lang="en-US" b="1" smtClean="0">
+                <a:solidFill>
+                  <a:schemeClr val="accent6">
+                    <a:lumMod val="75000"/>
+                  </a:schemeClr>
+                </a:solidFill>
+              </a:rPr>
+              <a:t>null</a:t>
+            </a:r>
+            <a:endParaRPr lang="en-US" b="1">
+              <a:solidFill>
+                <a:schemeClr val="accent6">
+                  <a:lumMod val="75000"/>
+                </a:schemeClr>
+              </a:solidFill>
+            </a:endParaRPr>
+          </a:p>
+        </p:txBody>
+      </p:sp>
+      <p:sp>
+        <p:nvSpPr>
+          <p:cNvPr id="28" name="Rectangle 27"/>
+          <p:cNvSpPr/>
+          <p:nvPr/>
+        </p:nvSpPr>
+        <p:spPr>
+          <a:xfrm>
+            <a:off x="3278692" y="3061260"/>
+            <a:ext cx="1057524" cy="415109"/>
+          </a:xfrm>
+          <a:prstGeom prst="rect">
+            <a:avLst/>
+          </a:prstGeom>
+          <a:noFill/>
+          <a:ln w="28575">
+            <a:solidFill>
+              <a:schemeClr val="accent6">
+                <a:lumMod val="75000"/>
+              </a:schemeClr>
+            </a:solidFill>
+          </a:ln>
+        </p:spPr>
+        <p:style>
+          <a:lnRef idx="2">
+            <a:schemeClr val="accent1">
+              <a:shade val="50000"/>
+            </a:schemeClr>
+          </a:lnRef>
+          <a:fillRef idx="1">
+            <a:schemeClr val="accent1"/>
+          </a:fillRef>
+          <a:effectRef idx="0">
+            <a:schemeClr val="accent1"/>
+          </a:effectRef>
+          <a:fontRef idx="minor">
+            <a:schemeClr val="lt1"/>
+          </a:fontRef>
+        </p:style>
+        <p:txBody>
+          <a:bodyPr rtlCol="0" anchor="ctr"/>
+          <a:lstStyle/>
+          <a:p>
+            <a:pPr algn="ctr"/>
+            <a:r>
+              <a:rPr lang="en-US" b="1" smtClean="0">
+                <a:solidFill>
+                  <a:schemeClr val="accent6">
+                    <a:lumMod val="75000"/>
+                  </a:schemeClr>
+                </a:solidFill>
+              </a:rPr>
+              <a:t>val</a:t>
+            </a:r>
+            <a:endParaRPr lang="en-US" b="1">
+              <a:solidFill>
+                <a:schemeClr val="accent6">
+                  <a:lumMod val="75000"/>
+                </a:schemeClr>
+              </a:solidFill>
+            </a:endParaRPr>
+          </a:p>
+        </p:txBody>
+      </p:sp>
+      <p:sp>
+        <p:nvSpPr>
+          <p:cNvPr id="29" name="TextBox 28"/>
+          <p:cNvSpPr txBox="1"/>
+          <p:nvPr/>
+        </p:nvSpPr>
+        <p:spPr>
+          <a:xfrm>
+            <a:off x="4336216" y="3336508"/>
+            <a:ext cx="301686" cy="369332"/>
+          </a:xfrm>
+          <a:prstGeom prst="rect">
+            <a:avLst/>
+          </a:prstGeom>
+          <a:noFill/>
+        </p:spPr>
+        <p:txBody>
+          <a:bodyPr wrap="none" rtlCol="0">
+            <a:spAutoFit/>
+          </a:bodyPr>
+          <a:lstStyle/>
+          <a:p>
+            <a:r>
+              <a:rPr lang="en-US" b="1" smtClean="0">
+                <a:solidFill>
+                  <a:schemeClr val="accent6">
+                    <a:lumMod val="75000"/>
+                  </a:schemeClr>
+                </a:solidFill>
+              </a:rPr>
+              <a:t>1</a:t>
+            </a:r>
+            <a:endParaRPr lang="en-US" b="1">
+              <a:solidFill>
+                <a:schemeClr val="accent6">
+                  <a:lumMod val="75000"/>
+                </a:schemeClr>
+              </a:solidFill>
+            </a:endParaRPr>
+          </a:p>
+        </p:txBody>
+      </p:sp>
+      <p:cxnSp>
+        <p:nvCxnSpPr>
+          <p:cNvPr id="31" name="Straight Connector 30"/>
+          <p:cNvCxnSpPr>
+            <a:stCxn id="19" idx="3"/>
+          </p:cNvCxnSpPr>
+          <p:nvPr/>
+        </p:nvCxnSpPr>
+        <p:spPr>
+          <a:xfrm flipH="1">
+            <a:off x="4368980" y="1513947"/>
+            <a:ext cx="417102" cy="230615"/>
+          </a:xfrm>
+          <a:prstGeom prst="line">
+            <a:avLst/>
+          </a:prstGeom>
+          <a:ln w="28575">
+            <a:solidFill>
+              <a:schemeClr val="accent6">
+                <a:lumMod val="75000"/>
+              </a:schemeClr>
+            </a:solidFill>
+          </a:ln>
+        </p:spPr>
+        <p:style>
+          <a:lnRef idx="1">
+            <a:schemeClr val="accent1"/>
+          </a:lnRef>
+          <a:fillRef idx="0">
+            <a:schemeClr val="accent1"/>
+          </a:fillRef>
+          <a:effectRef idx="0">
+            <a:schemeClr val="accent1"/>
+          </a:effectRef>
+          <a:fontRef idx="minor">
+            <a:schemeClr val="tx1"/>
+          </a:fontRef>
+        </p:style>
+      </p:cxnSp>
+      <p:sp>
+        <p:nvSpPr>
+          <p:cNvPr id="32" name="TextBox 31"/>
+          <p:cNvSpPr txBox="1"/>
+          <p:nvPr/>
+        </p:nvSpPr>
+        <p:spPr>
+          <a:xfrm>
+            <a:off x="4745797" y="1415302"/>
+            <a:ext cx="417102" cy="369332"/>
+          </a:xfrm>
+          <a:prstGeom prst="rect">
+            <a:avLst/>
+          </a:prstGeom>
+          <a:noFill/>
+        </p:spPr>
+        <p:txBody>
+          <a:bodyPr wrap="none" rtlCol="0">
+            <a:spAutoFit/>
+          </a:bodyPr>
+          <a:lstStyle/>
+          <a:p>
+            <a:r>
+              <a:rPr lang="en-US" b="1" smtClean="0">
+                <a:solidFill>
+                  <a:schemeClr val="accent6">
+                    <a:lumMod val="75000"/>
+                  </a:schemeClr>
+                </a:solidFill>
+              </a:rPr>
+              <a:t>e3</a:t>
+            </a:r>
+            <a:endParaRPr lang="en-US" b="1">
+              <a:solidFill>
+                <a:schemeClr val="accent6">
+                  <a:lumMod val="75000"/>
+                </a:schemeClr>
+              </a:solidFill>
+            </a:endParaRPr>
+          </a:p>
+        </p:txBody>
+      </p:sp>
+      <p:sp>
+        <p:nvSpPr>
+          <p:cNvPr id="33" name="TextBox 32"/>
+          <p:cNvSpPr txBox="1"/>
+          <p:nvPr/>
+        </p:nvSpPr>
+        <p:spPr>
+          <a:xfrm>
+            <a:off x="111318" y="3997130"/>
             <a:ext cx="417102" cy="369332"/>
           </a:xfrm>
           <a:prstGeom prst="rect">
@@ -11450,14 +15354,18 @@
             <a:r>
               <a:rPr lang="en-US" b="1" smtClean="0">
                 <a:solidFill>
-                  <a:srgbClr val="7030A0"/>
+                  <a:schemeClr val="accent2">
+                    <a:lumMod val="75000"/>
+                  </a:schemeClr>
                 </a:solidFill>
               </a:rPr>
-              <a:t>e5</a:t>
+              <a:t>e4</a:t>
             </a:r>
             <a:endParaRPr lang="en-US" b="1">
               <a:solidFill>
-                <a:srgbClr val="7030A0"/>
+                <a:schemeClr val="accent2">
+                  <a:lumMod val="75000"/>
+                </a:schemeClr>
               </a:solidFill>
             </a:endParaRPr>
           </a:p>
@@ -11465,13 +15373,13 @@
       </p:sp>
       <p:sp>
         <p:nvSpPr>
-          <p:cNvPr id="49" name="Rectangle 48"/>
+          <p:cNvPr id="34" name="Rectangle 33"/>
           <p:cNvSpPr/>
           <p:nvPr/>
         </p:nvSpPr>
         <p:spPr>
           <a:xfrm>
-            <a:off x="955332" y="4944184"/>
+            <a:off x="955332" y="3932557"/>
             <a:ext cx="7576418" cy="770258"/>
           </a:xfrm>
           <a:prstGeom prst="rect">
@@ -11480,7 +15388,9 @@
           <a:noFill/>
           <a:ln w="28575">
             <a:solidFill>
-              <a:srgbClr val="7030A0"/>
+              <a:schemeClr val="accent2">
+                <a:lumMod val="75000"/>
+              </a:schemeClr>
             </a:solidFill>
           </a:ln>
         </p:spPr>
@@ -11517,13 +15427,13 @@
       </p:sp>
       <p:sp>
         <p:nvSpPr>
-          <p:cNvPr id="50" name="Rectangle 49"/>
+          <p:cNvPr id="35" name="Rectangle 34"/>
           <p:cNvSpPr/>
           <p:nvPr/>
         </p:nvSpPr>
         <p:spPr>
           <a:xfrm>
-            <a:off x="1494846" y="5068717"/>
+            <a:off x="1494846" y="4057090"/>
             <a:ext cx="1057524" cy="415109"/>
           </a:xfrm>
           <a:prstGeom prst="rect">
@@ -11532,7 +15442,9 @@
           <a:noFill/>
           <a:ln w="28575">
             <a:solidFill>
-              <a:srgbClr val="7030A0"/>
+              <a:schemeClr val="accent2">
+                <a:lumMod val="75000"/>
+              </a:schemeClr>
             </a:solidFill>
           </a:ln>
         </p:spPr>
@@ -11560,14 +15472,18 @@
             <a:r>
               <a:rPr lang="en-US" b="1" smtClean="0">
                 <a:solidFill>
-                  <a:srgbClr val="7030A0"/>
+                  <a:schemeClr val="accent2">
+                    <a:lumMod val="75000"/>
+                  </a:schemeClr>
                 </a:solidFill>
               </a:rPr>
               <a:t>prev</a:t>
             </a:r>
             <a:endParaRPr lang="en-US" b="1">
               <a:solidFill>
-                <a:srgbClr val="7030A0"/>
+                <a:schemeClr val="accent2">
+                  <a:lumMod val="75000"/>
+                </a:schemeClr>
               </a:solidFill>
             </a:endParaRPr>
           </a:p>
@@ -11575,13 +15491,13 @@
       </p:sp>
       <p:sp>
         <p:nvSpPr>
-          <p:cNvPr id="51" name="Rectangle 50"/>
+          <p:cNvPr id="36" name="Rectangle 35"/>
           <p:cNvSpPr/>
           <p:nvPr/>
         </p:nvSpPr>
         <p:spPr>
           <a:xfrm>
-            <a:off x="5010650" y="5085661"/>
+            <a:off x="5010650" y="4074034"/>
             <a:ext cx="1057524" cy="415109"/>
           </a:xfrm>
           <a:prstGeom prst="rect">
@@ -11590,7 +15506,9 @@
           <a:noFill/>
           <a:ln w="28575">
             <a:solidFill>
-              <a:srgbClr val="7030A0"/>
+              <a:schemeClr val="accent2">
+                <a:lumMod val="75000"/>
+              </a:schemeClr>
             </a:solidFill>
           </a:ln>
         </p:spPr>
@@ -11618,10 +15536,707 @@
             <a:r>
               <a:rPr lang="en-US" b="1" smtClean="0">
                 <a:solidFill>
+                  <a:schemeClr val="accent2">
+                    <a:lumMod val="75000"/>
+                  </a:schemeClr>
+                </a:solidFill>
+              </a:rPr>
+              <a:t>follow</a:t>
+            </a:r>
+            <a:endParaRPr lang="en-US" b="1">
+              <a:solidFill>
+                <a:schemeClr val="accent2">
+                  <a:lumMod val="75000"/>
+                </a:schemeClr>
+              </a:solidFill>
+            </a:endParaRPr>
+          </a:p>
+        </p:txBody>
+      </p:sp>
+      <p:sp>
+        <p:nvSpPr>
+          <p:cNvPr id="37" name="TextBox 36"/>
+          <p:cNvSpPr txBox="1"/>
+          <p:nvPr/>
+        </p:nvSpPr>
+        <p:spPr>
+          <a:xfrm>
+            <a:off x="2489763" y="4365080"/>
+            <a:ext cx="417102" cy="369332"/>
+          </a:xfrm>
+          <a:prstGeom prst="rect">
+            <a:avLst/>
+          </a:prstGeom>
+          <a:noFill/>
+          <a:ln>
+            <a:noFill/>
+          </a:ln>
+        </p:spPr>
+        <p:txBody>
+          <a:bodyPr wrap="none" rtlCol="0">
+            <a:spAutoFit/>
+          </a:bodyPr>
+          <a:lstStyle/>
+          <a:p>
+            <a:r>
+              <a:rPr lang="en-US" b="1" smtClean="0">
+                <a:solidFill>
+                  <a:schemeClr val="accent2">
+                    <a:lumMod val="75000"/>
+                  </a:schemeClr>
+                </a:solidFill>
+              </a:rPr>
+              <a:t>e3</a:t>
+            </a:r>
+            <a:endParaRPr lang="en-US" b="1">
+              <a:solidFill>
+                <a:schemeClr val="accent2">
+                  <a:lumMod val="75000"/>
+                </a:schemeClr>
+              </a:solidFill>
+            </a:endParaRPr>
+          </a:p>
+        </p:txBody>
+      </p:sp>
+      <p:sp>
+        <p:nvSpPr>
+          <p:cNvPr id="38" name="TextBox 37"/>
+          <p:cNvSpPr txBox="1"/>
+          <p:nvPr/>
+        </p:nvSpPr>
+        <p:spPr>
+          <a:xfrm>
+            <a:off x="6068174" y="4349282"/>
+            <a:ext cx="543739" cy="369332"/>
+          </a:xfrm>
+          <a:prstGeom prst="rect">
+            <a:avLst/>
+          </a:prstGeom>
+          <a:noFill/>
+          <a:ln>
+            <a:noFill/>
+          </a:ln>
+        </p:spPr>
+        <p:txBody>
+          <a:bodyPr wrap="none" rtlCol="0">
+            <a:spAutoFit/>
+          </a:bodyPr>
+          <a:lstStyle/>
+          <a:p>
+            <a:r>
+              <a:rPr lang="en-US" b="1" smtClean="0">
+                <a:solidFill>
+                  <a:schemeClr val="accent2">
+                    <a:lumMod val="75000"/>
+                  </a:schemeClr>
+                </a:solidFill>
+              </a:rPr>
+              <a:t>null</a:t>
+            </a:r>
+            <a:endParaRPr lang="en-US" b="1">
+              <a:solidFill>
+                <a:schemeClr val="accent2">
+                  <a:lumMod val="75000"/>
+                </a:schemeClr>
+              </a:solidFill>
+            </a:endParaRPr>
+          </a:p>
+        </p:txBody>
+      </p:sp>
+      <p:sp>
+        <p:nvSpPr>
+          <p:cNvPr id="39" name="Rectangle 38"/>
+          <p:cNvSpPr/>
+          <p:nvPr/>
+        </p:nvSpPr>
+        <p:spPr>
+          <a:xfrm>
+            <a:off x="3278692" y="4057090"/>
+            <a:ext cx="1057524" cy="415109"/>
+          </a:xfrm>
+          <a:prstGeom prst="rect">
+            <a:avLst/>
+          </a:prstGeom>
+          <a:noFill/>
+          <a:ln w="28575">
+            <a:solidFill>
+              <a:schemeClr val="accent2">
+                <a:lumMod val="75000"/>
+              </a:schemeClr>
+            </a:solidFill>
+          </a:ln>
+        </p:spPr>
+        <p:style>
+          <a:lnRef idx="2">
+            <a:schemeClr val="accent1">
+              <a:shade val="50000"/>
+            </a:schemeClr>
+          </a:lnRef>
+          <a:fillRef idx="1">
+            <a:schemeClr val="accent1"/>
+          </a:fillRef>
+          <a:effectRef idx="0">
+            <a:schemeClr val="accent1"/>
+          </a:effectRef>
+          <a:fontRef idx="minor">
+            <a:schemeClr val="lt1"/>
+          </a:fontRef>
+        </p:style>
+        <p:txBody>
+          <a:bodyPr rtlCol="0" anchor="ctr"/>
+          <a:lstStyle/>
+          <a:p>
+            <a:pPr algn="ctr"/>
+            <a:r>
+              <a:rPr lang="en-US" b="1" smtClean="0">
+                <a:solidFill>
+                  <a:schemeClr val="accent2">
+                    <a:lumMod val="75000"/>
+                  </a:schemeClr>
+                </a:solidFill>
+              </a:rPr>
+              <a:t>val</a:t>
+            </a:r>
+            <a:endParaRPr lang="en-US" b="1">
+              <a:solidFill>
+                <a:schemeClr val="accent2">
+                  <a:lumMod val="75000"/>
+                </a:schemeClr>
+              </a:solidFill>
+            </a:endParaRPr>
+          </a:p>
+        </p:txBody>
+      </p:sp>
+      <p:sp>
+        <p:nvSpPr>
+          <p:cNvPr id="40" name="TextBox 39"/>
+          <p:cNvSpPr txBox="1"/>
+          <p:nvPr/>
+        </p:nvSpPr>
+        <p:spPr>
+          <a:xfrm>
+            <a:off x="4336216" y="4332338"/>
+            <a:ext cx="301686" cy="369332"/>
+          </a:xfrm>
+          <a:prstGeom prst="rect">
+            <a:avLst/>
+          </a:prstGeom>
+          <a:noFill/>
+          <a:ln>
+            <a:noFill/>
+          </a:ln>
+        </p:spPr>
+        <p:txBody>
+          <a:bodyPr wrap="none" rtlCol="0">
+            <a:spAutoFit/>
+          </a:bodyPr>
+          <a:lstStyle/>
+          <a:p>
+            <a:r>
+              <a:rPr lang="en-US" b="1" smtClean="0">
+                <a:solidFill>
+                  <a:schemeClr val="accent2">
+                    <a:lumMod val="75000"/>
+                  </a:schemeClr>
+                </a:solidFill>
+              </a:rPr>
+              <a:t>2</a:t>
+            </a:r>
+            <a:endParaRPr lang="en-US" b="1">
+              <a:solidFill>
+                <a:schemeClr val="accent2">
+                  <a:lumMod val="75000"/>
+                </a:schemeClr>
+              </a:solidFill>
+            </a:endParaRPr>
+          </a:p>
+        </p:txBody>
+      </p:sp>
+      <p:sp>
+        <p:nvSpPr>
+          <p:cNvPr id="41" name="TextBox 40"/>
+          <p:cNvSpPr txBox="1"/>
+          <p:nvPr/>
+        </p:nvSpPr>
+        <p:spPr>
+          <a:xfrm>
+            <a:off x="8685323" y="900713"/>
+            <a:ext cx="671979" cy="369332"/>
+          </a:xfrm>
+          <a:prstGeom prst="rect">
+            <a:avLst/>
+          </a:prstGeom>
+          <a:noFill/>
+        </p:spPr>
+        <p:txBody>
+          <a:bodyPr wrap="none" rtlCol="0">
+            <a:spAutoFit/>
+          </a:bodyPr>
+          <a:lstStyle/>
+          <a:p>
+            <a:r>
+              <a:rPr lang="en-US" b="1" smtClean="0">
+                <a:solidFill>
+                  <a:schemeClr val="accent2">
+                    <a:lumMod val="75000"/>
+                  </a:schemeClr>
+                </a:solidFill>
+              </a:rPr>
+              <a:t>N = 2</a:t>
+            </a:r>
+            <a:endParaRPr lang="en-US" b="1">
+              <a:solidFill>
+                <a:schemeClr val="accent2">
+                  <a:lumMod val="75000"/>
+                </a:schemeClr>
+              </a:solidFill>
+            </a:endParaRPr>
+          </a:p>
+        </p:txBody>
+      </p:sp>
+      <p:cxnSp>
+        <p:nvCxnSpPr>
+          <p:cNvPr id="42" name="Straight Connector 41"/>
+          <p:cNvCxnSpPr/>
+          <p:nvPr/>
+        </p:nvCxnSpPr>
+        <p:spPr>
+          <a:xfrm flipH="1">
+            <a:off x="4740953" y="1505758"/>
+            <a:ext cx="417102" cy="230615"/>
+          </a:xfrm>
+          <a:prstGeom prst="line">
+            <a:avLst/>
+          </a:prstGeom>
+          <a:ln w="28575">
+            <a:solidFill>
+              <a:schemeClr val="accent2">
+                <a:lumMod val="75000"/>
+              </a:schemeClr>
+            </a:solidFill>
+          </a:ln>
+        </p:spPr>
+        <p:style>
+          <a:lnRef idx="1">
+            <a:schemeClr val="accent1"/>
+          </a:lnRef>
+          <a:fillRef idx="0">
+            <a:schemeClr val="accent1"/>
+          </a:fillRef>
+          <a:effectRef idx="0">
+            <a:schemeClr val="accent1"/>
+          </a:effectRef>
+          <a:fontRef idx="minor">
+            <a:schemeClr val="tx1"/>
+          </a:fontRef>
+        </p:style>
+      </p:cxnSp>
+      <p:sp>
+        <p:nvSpPr>
+          <p:cNvPr id="43" name="TextBox 42"/>
+          <p:cNvSpPr txBox="1"/>
+          <p:nvPr/>
+        </p:nvSpPr>
+        <p:spPr>
+          <a:xfrm>
+            <a:off x="5093816" y="1415302"/>
+            <a:ext cx="417102" cy="369332"/>
+          </a:xfrm>
+          <a:prstGeom prst="rect">
+            <a:avLst/>
+          </a:prstGeom>
+          <a:noFill/>
+          <a:ln>
+            <a:noFill/>
+          </a:ln>
+        </p:spPr>
+        <p:txBody>
+          <a:bodyPr wrap="none" rtlCol="0">
+            <a:spAutoFit/>
+          </a:bodyPr>
+          <a:lstStyle/>
+          <a:p>
+            <a:r>
+              <a:rPr lang="en-US" b="1" smtClean="0">
+                <a:solidFill>
+                  <a:schemeClr val="accent2">
+                    <a:lumMod val="75000"/>
+                  </a:schemeClr>
+                </a:solidFill>
+              </a:rPr>
+              <a:t>e4</a:t>
+            </a:r>
+            <a:endParaRPr lang="en-US" b="1">
+              <a:solidFill>
+                <a:schemeClr val="accent2">
+                  <a:lumMod val="75000"/>
+                </a:schemeClr>
+              </a:solidFill>
+            </a:endParaRPr>
+          </a:p>
+        </p:txBody>
+      </p:sp>
+      <p:cxnSp>
+        <p:nvCxnSpPr>
+          <p:cNvPr id="44" name="Straight Connector 43"/>
+          <p:cNvCxnSpPr/>
+          <p:nvPr/>
+        </p:nvCxnSpPr>
+        <p:spPr>
+          <a:xfrm flipH="1">
+            <a:off x="4368980" y="2387463"/>
+            <a:ext cx="417102" cy="230615"/>
+          </a:xfrm>
+          <a:prstGeom prst="line">
+            <a:avLst/>
+          </a:prstGeom>
+          <a:ln w="28575">
+            <a:solidFill>
+              <a:schemeClr val="accent6">
+                <a:lumMod val="75000"/>
+              </a:schemeClr>
+            </a:solidFill>
+          </a:ln>
+        </p:spPr>
+        <p:style>
+          <a:lnRef idx="1">
+            <a:schemeClr val="accent1"/>
+          </a:lnRef>
+          <a:fillRef idx="0">
+            <a:schemeClr val="accent1"/>
+          </a:fillRef>
+          <a:effectRef idx="0">
+            <a:schemeClr val="accent1"/>
+          </a:effectRef>
+          <a:fontRef idx="minor">
+            <a:schemeClr val="tx1"/>
+          </a:fontRef>
+        </p:style>
+      </p:cxnSp>
+      <p:sp>
+        <p:nvSpPr>
+          <p:cNvPr id="45" name="TextBox 44"/>
+          <p:cNvSpPr txBox="1"/>
+          <p:nvPr/>
+        </p:nvSpPr>
+        <p:spPr>
+          <a:xfrm>
+            <a:off x="4740953" y="2318105"/>
+            <a:ext cx="417102" cy="369332"/>
+          </a:xfrm>
+          <a:prstGeom prst="rect">
+            <a:avLst/>
+          </a:prstGeom>
+          <a:noFill/>
+        </p:spPr>
+        <p:txBody>
+          <a:bodyPr wrap="none" rtlCol="0">
+            <a:spAutoFit/>
+          </a:bodyPr>
+          <a:lstStyle/>
+          <a:p>
+            <a:r>
+              <a:rPr lang="en-US" b="1" smtClean="0">
+                <a:solidFill>
+                  <a:schemeClr val="accent6">
+                    <a:lumMod val="75000"/>
+                  </a:schemeClr>
+                </a:solidFill>
+              </a:rPr>
+              <a:t>e3</a:t>
+            </a:r>
+            <a:endParaRPr lang="en-US" b="1">
+              <a:solidFill>
+                <a:schemeClr val="accent6">
+                  <a:lumMod val="75000"/>
+                </a:schemeClr>
+              </a:solidFill>
+            </a:endParaRPr>
+          </a:p>
+        </p:txBody>
+      </p:sp>
+      <p:sp>
+        <p:nvSpPr>
+          <p:cNvPr id="46" name="TextBox 45"/>
+          <p:cNvSpPr txBox="1"/>
+          <p:nvPr/>
+        </p:nvSpPr>
+        <p:spPr>
+          <a:xfrm>
+            <a:off x="6534057" y="3321855"/>
+            <a:ext cx="417102" cy="369332"/>
+          </a:xfrm>
+          <a:prstGeom prst="rect">
+            <a:avLst/>
+          </a:prstGeom>
+          <a:noFill/>
+          <a:ln>
+            <a:noFill/>
+          </a:ln>
+        </p:spPr>
+        <p:txBody>
+          <a:bodyPr wrap="none" rtlCol="0">
+            <a:spAutoFit/>
+          </a:bodyPr>
+          <a:lstStyle/>
+          <a:p>
+            <a:r>
+              <a:rPr lang="en-US" b="1" smtClean="0">
+                <a:solidFill>
+                  <a:schemeClr val="accent2">
+                    <a:lumMod val="75000"/>
+                  </a:schemeClr>
+                </a:solidFill>
+              </a:rPr>
+              <a:t>e4</a:t>
+            </a:r>
+            <a:endParaRPr lang="en-US" b="1">
+              <a:solidFill>
+                <a:schemeClr val="accent2">
+                  <a:lumMod val="75000"/>
+                </a:schemeClr>
+              </a:solidFill>
+            </a:endParaRPr>
+          </a:p>
+        </p:txBody>
+      </p:sp>
+      <p:cxnSp>
+        <p:nvCxnSpPr>
+          <p:cNvPr id="47" name="Straight Connector 46"/>
+          <p:cNvCxnSpPr/>
+          <p:nvPr/>
+        </p:nvCxnSpPr>
+        <p:spPr>
+          <a:xfrm flipH="1">
+            <a:off x="6131492" y="3422810"/>
+            <a:ext cx="417102" cy="230615"/>
+          </a:xfrm>
+          <a:prstGeom prst="line">
+            <a:avLst/>
+          </a:prstGeom>
+          <a:ln w="28575">
+            <a:solidFill>
+              <a:schemeClr val="accent2">
+                <a:lumMod val="75000"/>
+              </a:schemeClr>
+            </a:solidFill>
+          </a:ln>
+        </p:spPr>
+        <p:style>
+          <a:lnRef idx="1">
+            <a:schemeClr val="accent1"/>
+          </a:lnRef>
+          <a:fillRef idx="0">
+            <a:schemeClr val="accent1"/>
+          </a:fillRef>
+          <a:effectRef idx="0">
+            <a:schemeClr val="accent1"/>
+          </a:effectRef>
+          <a:fontRef idx="minor">
+            <a:schemeClr val="tx1"/>
+          </a:fontRef>
+        </p:style>
+      </p:cxnSp>
+      <p:sp>
+        <p:nvSpPr>
+          <p:cNvPr id="48" name="TextBox 47"/>
+          <p:cNvSpPr txBox="1"/>
+          <p:nvPr/>
+        </p:nvSpPr>
+        <p:spPr>
+          <a:xfrm>
+            <a:off x="111318" y="5008757"/>
+            <a:ext cx="417102" cy="369332"/>
+          </a:xfrm>
+          <a:prstGeom prst="rect">
+            <a:avLst/>
+          </a:prstGeom>
+          <a:noFill/>
+          <a:ln>
+            <a:noFill/>
+          </a:ln>
+        </p:spPr>
+        <p:txBody>
+          <a:bodyPr wrap="none" rtlCol="0">
+            <a:spAutoFit/>
+          </a:bodyPr>
+          <a:lstStyle/>
+          <a:p>
+            <a:r>
+              <a:rPr lang="en-US" b="1" smtClean="0">
+                <a:solidFill>
                   <a:srgbClr val="7030A0"/>
                 </a:solidFill>
               </a:rPr>
-              <a:t>q</a:t>
+              <a:t>e5</a:t>
+            </a:r>
+            <a:endParaRPr lang="en-US" b="1">
+              <a:solidFill>
+                <a:srgbClr val="7030A0"/>
+              </a:solidFill>
+            </a:endParaRPr>
+          </a:p>
+        </p:txBody>
+      </p:sp>
+      <p:sp>
+        <p:nvSpPr>
+          <p:cNvPr id="49" name="Rectangle 48"/>
+          <p:cNvSpPr/>
+          <p:nvPr/>
+        </p:nvSpPr>
+        <p:spPr>
+          <a:xfrm>
+            <a:off x="955332" y="4944184"/>
+            <a:ext cx="7576418" cy="770258"/>
+          </a:xfrm>
+          <a:prstGeom prst="rect">
+            <a:avLst/>
+          </a:prstGeom>
+          <a:noFill/>
+          <a:ln w="28575">
+            <a:solidFill>
+              <a:srgbClr val="7030A0"/>
+            </a:solidFill>
+          </a:ln>
+        </p:spPr>
+        <p:style>
+          <a:lnRef idx="2">
+            <a:schemeClr val="accent1">
+              <a:shade val="50000"/>
+            </a:schemeClr>
+          </a:lnRef>
+          <a:fillRef idx="1">
+            <a:schemeClr val="accent1"/>
+          </a:fillRef>
+          <a:effectRef idx="0">
+            <a:schemeClr val="accent1"/>
+          </a:effectRef>
+          <a:fontRef idx="minor">
+            <a:schemeClr val="lt1"/>
+          </a:fontRef>
+        </p:style>
+        <p:txBody>
+          <a:bodyPr rtlCol="0" anchor="ctr"/>
+          <a:lstStyle/>
+          <a:p>
+            <a:pPr algn="ctr"/>
+            <a:endParaRPr lang="en-US">
+              <a:solidFill>
+                <a:schemeClr val="accent2">
+                  <a:lumMod val="75000"/>
+                </a:schemeClr>
+              </a:solidFill>
+            </a:endParaRPr>
+          </a:p>
+        </p:txBody>
+      </p:sp>
+      <p:sp>
+        <p:nvSpPr>
+          <p:cNvPr id="50" name="Rectangle 49"/>
+          <p:cNvSpPr/>
+          <p:nvPr/>
+        </p:nvSpPr>
+        <p:spPr>
+          <a:xfrm>
+            <a:off x="1494846" y="5068717"/>
+            <a:ext cx="1057524" cy="415109"/>
+          </a:xfrm>
+          <a:prstGeom prst="rect">
+            <a:avLst/>
+          </a:prstGeom>
+          <a:noFill/>
+          <a:ln w="28575">
+            <a:solidFill>
+              <a:srgbClr val="7030A0"/>
+            </a:solidFill>
+          </a:ln>
+        </p:spPr>
+        <p:style>
+          <a:lnRef idx="2">
+            <a:schemeClr val="accent1">
+              <a:shade val="50000"/>
+            </a:schemeClr>
+          </a:lnRef>
+          <a:fillRef idx="1">
+            <a:schemeClr val="accent1"/>
+          </a:fillRef>
+          <a:effectRef idx="0">
+            <a:schemeClr val="accent1"/>
+          </a:effectRef>
+          <a:fontRef idx="minor">
+            <a:schemeClr val="lt1"/>
+          </a:fontRef>
+        </p:style>
+        <p:txBody>
+          <a:bodyPr rtlCol="0" anchor="ctr"/>
+          <a:lstStyle/>
+          <a:p>
+            <a:pPr algn="ctr"/>
+            <a:r>
+              <a:rPr lang="en-US" b="1" smtClean="0">
+                <a:solidFill>
+                  <a:srgbClr val="7030A0"/>
+                </a:solidFill>
+              </a:rPr>
+              <a:t>prev</a:t>
+            </a:r>
+            <a:endParaRPr lang="en-US" b="1">
+              <a:solidFill>
+                <a:srgbClr val="7030A0"/>
+              </a:solidFill>
+            </a:endParaRPr>
+          </a:p>
+        </p:txBody>
+      </p:sp>
+      <p:sp>
+        <p:nvSpPr>
+          <p:cNvPr id="51" name="Rectangle 50"/>
+          <p:cNvSpPr/>
+          <p:nvPr/>
+        </p:nvSpPr>
+        <p:spPr>
+          <a:xfrm>
+            <a:off x="5010650" y="5085661"/>
+            <a:ext cx="1057524" cy="415109"/>
+          </a:xfrm>
+          <a:prstGeom prst="rect">
+            <a:avLst/>
+          </a:prstGeom>
+          <a:noFill/>
+          <a:ln w="28575">
+            <a:solidFill>
+              <a:srgbClr val="7030A0"/>
+            </a:solidFill>
+          </a:ln>
+        </p:spPr>
+        <p:style>
+          <a:lnRef idx="2">
+            <a:schemeClr val="accent1">
+              <a:shade val="50000"/>
+            </a:schemeClr>
+          </a:lnRef>
+          <a:fillRef idx="1">
+            <a:schemeClr val="accent1"/>
+          </a:fillRef>
+          <a:effectRef idx="0">
+            <a:schemeClr val="accent1"/>
+          </a:effectRef>
+          <a:fontRef idx="minor">
+            <a:schemeClr val="lt1"/>
+          </a:fontRef>
+        </p:style>
+        <p:txBody>
+          <a:bodyPr rtlCol="0" anchor="ctr"/>
+          <a:lstStyle/>
+          <a:p>
+            <a:pPr algn="ctr"/>
+            <a:r>
+              <a:rPr lang="en-US" b="1" smtClean="0">
+                <a:solidFill>
+                  <a:srgbClr val="7030A0"/>
+                </a:solidFill>
+              </a:rPr>
+              <a:t>follow</a:t>
             </a:r>
             <a:endParaRPr lang="en-US" b="1">
               <a:solidFill>
@@ -12110,14 +16725,14 @@
       </p:sp>
       <p:sp>
         <p:nvSpPr>
-          <p:cNvPr id="63" name="TextBox 62"/>
+          <p:cNvPr id="66" name="TextBox 65"/>
           <p:cNvSpPr txBox="1"/>
           <p:nvPr/>
         </p:nvSpPr>
         <p:spPr>
           <a:xfrm>
-            <a:off x="8694614" y="2195812"/>
-            <a:ext cx="2665923" cy="1754326"/>
+            <a:off x="2545160" y="458476"/>
+            <a:ext cx="417102" cy="369332"/>
           </a:xfrm>
           <a:prstGeom prst="rect">
             <a:avLst/>
@@ -12131,6 +16746,2875 @@
           <a:lstStyle/>
           <a:p>
             <a:r>
+              <a:rPr lang="en-US" smtClean="0">
+                <a:solidFill>
+                  <a:schemeClr val="accent1">
+                    <a:lumMod val="50000"/>
+                  </a:schemeClr>
+                </a:solidFill>
+              </a:rPr>
+              <a:t>e1</a:t>
+            </a:r>
+            <a:endParaRPr lang="en-US">
+              <a:solidFill>
+                <a:schemeClr val="accent1">
+                  <a:lumMod val="50000"/>
+                </a:schemeClr>
+              </a:solidFill>
+            </a:endParaRPr>
+          </a:p>
+        </p:txBody>
+      </p:sp>
+      <p:sp>
+        <p:nvSpPr>
+          <p:cNvPr id="63" name="TextBox 62"/>
+          <p:cNvSpPr txBox="1"/>
+          <p:nvPr/>
+        </p:nvSpPr>
+        <p:spPr>
+          <a:xfrm>
+            <a:off x="3611993" y="1652"/>
+            <a:ext cx="3854838" cy="923330"/>
+          </a:xfrm>
+          <a:prstGeom prst="rect">
+            <a:avLst/>
+          </a:prstGeom>
+          <a:noFill/>
+        </p:spPr>
+        <p:txBody>
+          <a:bodyPr wrap="none" rtlCol="0">
+            <a:spAutoFit/>
+          </a:bodyPr>
+          <a:lstStyle/>
+          <a:p>
+            <a:r>
+              <a:rPr lang="en-US" smtClean="0"/>
+              <a:t>{ </a:t>
+            </a:r>
+            <a:r>
+              <a:rPr lang="en-US" smtClean="0"/>
+              <a:t>Double-linked List,</a:t>
+            </a:r>
+          </a:p>
+          <a:p>
+            <a:r>
+              <a:rPr lang="en-US"/>
+              <a:t> </a:t>
+            </a:r>
+            <a:r>
+              <a:rPr lang="en-US" smtClean="0"/>
+              <a:t>  with ‘q’ instead of ‘next’</a:t>
+            </a:r>
+          </a:p>
+          <a:p>
+            <a:r>
+              <a:rPr lang="en-US"/>
+              <a:t> </a:t>
+            </a:r>
+            <a:r>
+              <a:rPr lang="en-US" smtClean="0"/>
+              <a:t>   and excess environments e1 and e2 </a:t>
+            </a:r>
+            <a:r>
+              <a:rPr lang="en-US" smtClean="0"/>
+              <a:t>}</a:t>
+            </a:r>
+            <a:endParaRPr lang="en-US"/>
+          </a:p>
+        </p:txBody>
+      </p:sp>
+    </p:spTree>
+    <p:extLst>
+      <p:ext uri="{BB962C8B-B14F-4D97-AF65-F5344CB8AC3E}">
+        <p14:creationId xmlns:p14="http://schemas.microsoft.com/office/powerpoint/2010/main" val="115020526"/>
+      </p:ext>
+    </p:extLst>
+  </p:cSld>
+  <p:clrMapOvr>
+    <a:masterClrMapping/>
+  </p:clrMapOvr>
+  <p:timing>
+    <p:tnLst>
+      <p:par>
+        <p:cTn id="1" dur="indefinite" restart="never" nodeType="tmRoot"/>
+      </p:par>
+    </p:tnLst>
+  </p:timing>
+</p:sld>
+</file>
+
+<file path=ppt/slides/slide8.xml><?xml version="1.0" encoding="utf-8"?>
+<p:sld xmlns:a="http://schemas.openxmlformats.org/drawingml/2006/main" xmlns:r="http://schemas.openxmlformats.org/officeDocument/2006/relationships" xmlns:p="http://schemas.openxmlformats.org/presentationml/2006/main">
+  <p:cSld>
+    <p:spTree>
+      <p:nvGrpSpPr>
+        <p:cNvPr id="1" name=""/>
+        <p:cNvGrpSpPr/>
+        <p:nvPr/>
+      </p:nvGrpSpPr>
+      <p:grpSpPr>
+        <a:xfrm>
+          <a:off x="0" y="0"/>
+          <a:ext cx="0" cy="0"/>
+          <a:chOff x="0" y="0"/>
+          <a:chExt cx="0" cy="0"/>
+        </a:xfrm>
+      </p:grpSpPr>
+      <p:sp>
+        <p:nvSpPr>
+          <p:cNvPr id="4" name="TextBox 3"/>
+          <p:cNvSpPr txBox="1"/>
+          <p:nvPr/>
+        </p:nvSpPr>
+        <p:spPr>
+          <a:xfrm>
+            <a:off x="111318" y="144085"/>
+            <a:ext cx="844014" cy="214239"/>
+          </a:xfrm>
+          <a:prstGeom prst="rect">
+            <a:avLst/>
+          </a:prstGeom>
+          <a:noFill/>
+        </p:spPr>
+        <p:txBody>
+          <a:bodyPr wrap="none" rtlCol="0">
+            <a:spAutoFit/>
+          </a:bodyPr>
+          <a:lstStyle/>
+          <a:p>
+            <a:r>
+              <a:rPr lang="en-US" smtClean="0"/>
+              <a:t>.</a:t>
+            </a:r>
+            <a:r>
+              <a:rPr lang="en-US" smtClean="0">
+                <a:solidFill>
+                  <a:schemeClr val="accent1">
+                    <a:lumMod val="50000"/>
+                  </a:schemeClr>
+                </a:solidFill>
+              </a:rPr>
+              <a:t>Global</a:t>
+            </a:r>
+            <a:endParaRPr lang="en-US">
+              <a:solidFill>
+                <a:schemeClr val="accent1">
+                  <a:lumMod val="50000"/>
+                </a:schemeClr>
+              </a:solidFill>
+            </a:endParaRPr>
+          </a:p>
+        </p:txBody>
+      </p:sp>
+      <p:sp>
+        <p:nvSpPr>
+          <p:cNvPr id="5" name="Rectangle 4"/>
+          <p:cNvSpPr/>
+          <p:nvPr/>
+        </p:nvSpPr>
+        <p:spPr>
+          <a:xfrm>
+            <a:off x="955332" y="79513"/>
+            <a:ext cx="7576418" cy="770258"/>
+          </a:xfrm>
+          <a:prstGeom prst="rect">
+            <a:avLst/>
+          </a:prstGeom>
+          <a:noFill/>
+          <a:ln>
+            <a:solidFill>
+              <a:schemeClr val="accent1">
+                <a:lumMod val="50000"/>
+              </a:schemeClr>
+            </a:solidFill>
+          </a:ln>
+        </p:spPr>
+        <p:style>
+          <a:lnRef idx="2">
+            <a:schemeClr val="accent1">
+              <a:shade val="50000"/>
+            </a:schemeClr>
+          </a:lnRef>
+          <a:fillRef idx="1">
+            <a:schemeClr val="accent1"/>
+          </a:fillRef>
+          <a:effectRef idx="0">
+            <a:schemeClr val="accent1"/>
+          </a:effectRef>
+          <a:fontRef idx="minor">
+            <a:schemeClr val="lt1"/>
+          </a:fontRef>
+        </p:style>
+        <p:txBody>
+          <a:bodyPr rtlCol="0" anchor="ctr"/>
+          <a:lstStyle/>
+          <a:p>
+            <a:pPr algn="ctr"/>
+            <a:endParaRPr lang="en-US"/>
+          </a:p>
+        </p:txBody>
+      </p:sp>
+      <p:sp>
+        <p:nvSpPr>
+          <p:cNvPr id="6" name="Rectangle 5"/>
+          <p:cNvSpPr/>
+          <p:nvPr/>
+        </p:nvSpPr>
+        <p:spPr>
+          <a:xfrm>
+            <a:off x="1494846" y="204046"/>
+            <a:ext cx="1057524" cy="415109"/>
+          </a:xfrm>
+          <a:prstGeom prst="rect">
+            <a:avLst/>
+          </a:prstGeom>
+          <a:noFill/>
+          <a:ln>
+            <a:solidFill>
+              <a:schemeClr val="accent1">
+                <a:lumMod val="50000"/>
+              </a:schemeClr>
+            </a:solidFill>
+          </a:ln>
+        </p:spPr>
+        <p:style>
+          <a:lnRef idx="2">
+            <a:schemeClr val="accent1">
+              <a:shade val="50000"/>
+            </a:schemeClr>
+          </a:lnRef>
+          <a:fillRef idx="1">
+            <a:schemeClr val="accent1"/>
+          </a:fillRef>
+          <a:effectRef idx="0">
+            <a:schemeClr val="accent1"/>
+          </a:effectRef>
+          <a:fontRef idx="minor">
+            <a:schemeClr val="lt1"/>
+          </a:fontRef>
+        </p:style>
+        <p:txBody>
+          <a:bodyPr rtlCol="0" anchor="ctr"/>
+          <a:lstStyle/>
+          <a:p>
+            <a:pPr algn="ctr"/>
+            <a:r>
+              <a:rPr lang="en-US" smtClean="0">
+                <a:solidFill>
+                  <a:schemeClr val="accent1">
+                    <a:lumMod val="50000"/>
+                  </a:schemeClr>
+                </a:solidFill>
+              </a:rPr>
+              <a:t>qq</a:t>
+            </a:r>
+            <a:endParaRPr lang="en-US">
+              <a:solidFill>
+                <a:schemeClr val="accent1">
+                  <a:lumMod val="50000"/>
+                </a:schemeClr>
+              </a:solidFill>
+            </a:endParaRPr>
+          </a:p>
+        </p:txBody>
+      </p:sp>
+      <p:sp>
+        <p:nvSpPr>
+          <p:cNvPr id="7" name="TextBox 6"/>
+          <p:cNvSpPr txBox="1"/>
+          <p:nvPr/>
+        </p:nvSpPr>
+        <p:spPr>
+          <a:xfrm>
+            <a:off x="111318" y="1038876"/>
+            <a:ext cx="417102" cy="214239"/>
+          </a:xfrm>
+          <a:prstGeom prst="rect">
+            <a:avLst/>
+          </a:prstGeom>
+          <a:noFill/>
+        </p:spPr>
+        <p:txBody>
+          <a:bodyPr wrap="none" rtlCol="0">
+            <a:spAutoFit/>
+          </a:bodyPr>
+          <a:lstStyle/>
+          <a:p>
+            <a:r>
+              <a:rPr lang="en-US" smtClean="0">
+                <a:solidFill>
+                  <a:schemeClr val="accent1">
+                    <a:lumMod val="50000"/>
+                  </a:schemeClr>
+                </a:solidFill>
+              </a:rPr>
+              <a:t>e1</a:t>
+            </a:r>
+            <a:endParaRPr lang="en-US">
+              <a:solidFill>
+                <a:schemeClr val="accent1">
+                  <a:lumMod val="50000"/>
+                </a:schemeClr>
+              </a:solidFill>
+            </a:endParaRPr>
+          </a:p>
+        </p:txBody>
+      </p:sp>
+      <p:sp>
+        <p:nvSpPr>
+          <p:cNvPr id="8" name="Rectangle 7"/>
+          <p:cNvSpPr/>
+          <p:nvPr/>
+        </p:nvSpPr>
+        <p:spPr>
+          <a:xfrm>
+            <a:off x="955332" y="974304"/>
+            <a:ext cx="7576418" cy="770258"/>
+          </a:xfrm>
+          <a:prstGeom prst="rect">
+            <a:avLst/>
+          </a:prstGeom>
+          <a:noFill/>
+          <a:ln>
+            <a:solidFill>
+              <a:schemeClr val="accent1">
+                <a:lumMod val="50000"/>
+              </a:schemeClr>
+            </a:solidFill>
+          </a:ln>
+        </p:spPr>
+        <p:style>
+          <a:lnRef idx="2">
+            <a:schemeClr val="accent1">
+              <a:shade val="50000"/>
+            </a:schemeClr>
+          </a:lnRef>
+          <a:fillRef idx="1">
+            <a:schemeClr val="accent1"/>
+          </a:fillRef>
+          <a:effectRef idx="0">
+            <a:schemeClr val="accent1"/>
+          </a:effectRef>
+          <a:fontRef idx="minor">
+            <a:schemeClr val="lt1"/>
+          </a:fontRef>
+        </p:style>
+        <p:txBody>
+          <a:bodyPr rtlCol="0" anchor="ctr"/>
+          <a:lstStyle/>
+          <a:p>
+            <a:pPr algn="ctr"/>
+            <a:endParaRPr lang="en-US"/>
+          </a:p>
+        </p:txBody>
+      </p:sp>
+      <p:sp>
+        <p:nvSpPr>
+          <p:cNvPr id="9" name="Rectangle 8"/>
+          <p:cNvSpPr/>
+          <p:nvPr/>
+        </p:nvSpPr>
+        <p:spPr>
+          <a:xfrm>
+            <a:off x="1494846" y="1098837"/>
+            <a:ext cx="1057524" cy="415109"/>
+          </a:xfrm>
+          <a:prstGeom prst="rect">
+            <a:avLst/>
+          </a:prstGeom>
+          <a:noFill/>
+          <a:ln>
+            <a:solidFill>
+              <a:schemeClr val="accent1">
+                <a:lumMod val="50000"/>
+              </a:schemeClr>
+            </a:solidFill>
+          </a:ln>
+        </p:spPr>
+        <p:style>
+          <a:lnRef idx="2">
+            <a:schemeClr val="accent1">
+              <a:shade val="50000"/>
+            </a:schemeClr>
+          </a:lnRef>
+          <a:fillRef idx="1">
+            <a:schemeClr val="accent1"/>
+          </a:fillRef>
+          <a:effectRef idx="0">
+            <a:schemeClr val="accent1"/>
+          </a:effectRef>
+          <a:fontRef idx="minor">
+            <a:schemeClr val="lt1"/>
+          </a:fontRef>
+        </p:style>
+        <p:txBody>
+          <a:bodyPr rtlCol="0" anchor="ctr"/>
+          <a:lstStyle/>
+          <a:p>
+            <a:pPr algn="ctr"/>
+            <a:r>
+              <a:rPr lang="en-US" smtClean="0">
+                <a:solidFill>
+                  <a:schemeClr val="accent1">
+                    <a:lumMod val="50000"/>
+                  </a:schemeClr>
+                </a:solidFill>
+              </a:rPr>
+              <a:t>front</a:t>
+            </a:r>
+            <a:endParaRPr lang="en-US">
+              <a:solidFill>
+                <a:schemeClr val="accent1">
+                  <a:lumMod val="50000"/>
+                </a:schemeClr>
+              </a:solidFill>
+            </a:endParaRPr>
+          </a:p>
+        </p:txBody>
+      </p:sp>
+      <p:sp>
+        <p:nvSpPr>
+          <p:cNvPr id="10" name="Rectangle 9"/>
+          <p:cNvSpPr/>
+          <p:nvPr/>
+        </p:nvSpPr>
+        <p:spPr>
+          <a:xfrm>
+            <a:off x="3261361" y="1115781"/>
+            <a:ext cx="1057524" cy="415109"/>
+          </a:xfrm>
+          <a:prstGeom prst="rect">
+            <a:avLst/>
+          </a:prstGeom>
+          <a:noFill/>
+          <a:ln>
+            <a:solidFill>
+              <a:schemeClr val="accent1">
+                <a:lumMod val="50000"/>
+              </a:schemeClr>
+            </a:solidFill>
+          </a:ln>
+        </p:spPr>
+        <p:style>
+          <a:lnRef idx="2">
+            <a:schemeClr val="accent1">
+              <a:shade val="50000"/>
+            </a:schemeClr>
+          </a:lnRef>
+          <a:fillRef idx="1">
+            <a:schemeClr val="accent1"/>
+          </a:fillRef>
+          <a:effectRef idx="0">
+            <a:schemeClr val="accent1"/>
+          </a:effectRef>
+          <a:fontRef idx="minor">
+            <a:schemeClr val="lt1"/>
+          </a:fontRef>
+        </p:style>
+        <p:txBody>
+          <a:bodyPr rtlCol="0" anchor="ctr"/>
+          <a:lstStyle/>
+          <a:p>
+            <a:pPr algn="ctr"/>
+            <a:r>
+              <a:rPr lang="en-US" smtClean="0">
+                <a:solidFill>
+                  <a:schemeClr val="accent1">
+                    <a:lumMod val="50000"/>
+                  </a:schemeClr>
+                </a:solidFill>
+              </a:rPr>
+              <a:t>last</a:t>
+            </a:r>
+            <a:endParaRPr lang="en-US">
+              <a:solidFill>
+                <a:schemeClr val="accent1">
+                  <a:lumMod val="50000"/>
+                </a:schemeClr>
+              </a:solidFill>
+            </a:endParaRPr>
+          </a:p>
+        </p:txBody>
+      </p:sp>
+      <p:sp>
+        <p:nvSpPr>
+          <p:cNvPr id="11" name="TextBox 10"/>
+          <p:cNvSpPr txBox="1"/>
+          <p:nvPr/>
+        </p:nvSpPr>
+        <p:spPr>
+          <a:xfrm>
+            <a:off x="2489763" y="1406827"/>
+            <a:ext cx="417102" cy="214239"/>
+          </a:xfrm>
+          <a:prstGeom prst="rect">
+            <a:avLst/>
+          </a:prstGeom>
+          <a:noFill/>
+        </p:spPr>
+        <p:txBody>
+          <a:bodyPr wrap="none" rtlCol="0">
+            <a:spAutoFit/>
+          </a:bodyPr>
+          <a:lstStyle/>
+          <a:p>
+            <a:r>
+              <a:rPr lang="en-US" smtClean="0">
+                <a:solidFill>
+                  <a:schemeClr val="accent1">
+                    <a:lumMod val="50000"/>
+                  </a:schemeClr>
+                </a:solidFill>
+              </a:rPr>
+              <a:t>e2</a:t>
+            </a:r>
+            <a:endParaRPr lang="en-US">
+              <a:solidFill>
+                <a:schemeClr val="accent1">
+                  <a:lumMod val="50000"/>
+                </a:schemeClr>
+              </a:solidFill>
+            </a:endParaRPr>
+          </a:p>
+        </p:txBody>
+      </p:sp>
+      <p:sp>
+        <p:nvSpPr>
+          <p:cNvPr id="12" name="TextBox 11"/>
+          <p:cNvSpPr txBox="1"/>
+          <p:nvPr/>
+        </p:nvSpPr>
+        <p:spPr>
+          <a:xfrm>
+            <a:off x="111318" y="1965953"/>
+            <a:ext cx="417102" cy="214239"/>
+          </a:xfrm>
+          <a:prstGeom prst="rect">
+            <a:avLst/>
+          </a:prstGeom>
+          <a:noFill/>
+        </p:spPr>
+        <p:txBody>
+          <a:bodyPr wrap="none" rtlCol="0">
+            <a:spAutoFit/>
+          </a:bodyPr>
+          <a:lstStyle/>
+          <a:p>
+            <a:r>
+              <a:rPr lang="en-US" smtClean="0">
+                <a:solidFill>
+                  <a:schemeClr val="accent1">
+                    <a:lumMod val="50000"/>
+                  </a:schemeClr>
+                </a:solidFill>
+              </a:rPr>
+              <a:t>e2</a:t>
+            </a:r>
+            <a:endParaRPr lang="en-US">
+              <a:solidFill>
+                <a:schemeClr val="accent1">
+                  <a:lumMod val="50000"/>
+                </a:schemeClr>
+              </a:solidFill>
+            </a:endParaRPr>
+          </a:p>
+        </p:txBody>
+      </p:sp>
+      <p:sp>
+        <p:nvSpPr>
+          <p:cNvPr id="13" name="Rectangle 12"/>
+          <p:cNvSpPr/>
+          <p:nvPr/>
+        </p:nvSpPr>
+        <p:spPr>
+          <a:xfrm>
+            <a:off x="955332" y="1901380"/>
+            <a:ext cx="7576418" cy="770258"/>
+          </a:xfrm>
+          <a:prstGeom prst="rect">
+            <a:avLst/>
+          </a:prstGeom>
+          <a:noFill/>
+          <a:ln>
+            <a:solidFill>
+              <a:schemeClr val="accent1">
+                <a:lumMod val="50000"/>
+              </a:schemeClr>
+            </a:solidFill>
+          </a:ln>
+        </p:spPr>
+        <p:style>
+          <a:lnRef idx="2">
+            <a:schemeClr val="accent1">
+              <a:shade val="50000"/>
+            </a:schemeClr>
+          </a:lnRef>
+          <a:fillRef idx="1">
+            <a:schemeClr val="accent1"/>
+          </a:fillRef>
+          <a:effectRef idx="0">
+            <a:schemeClr val="accent1"/>
+          </a:effectRef>
+          <a:fontRef idx="minor">
+            <a:schemeClr val="lt1"/>
+          </a:fontRef>
+        </p:style>
+        <p:txBody>
+          <a:bodyPr rtlCol="0" anchor="ctr"/>
+          <a:lstStyle/>
+          <a:p>
+            <a:pPr algn="ctr"/>
+            <a:endParaRPr lang="en-US"/>
+          </a:p>
+        </p:txBody>
+      </p:sp>
+      <p:sp>
+        <p:nvSpPr>
+          <p:cNvPr id="14" name="Rectangle 13"/>
+          <p:cNvSpPr/>
+          <p:nvPr/>
+        </p:nvSpPr>
+        <p:spPr>
+          <a:xfrm>
+            <a:off x="1494846" y="2025913"/>
+            <a:ext cx="1057524" cy="415109"/>
+          </a:xfrm>
+          <a:prstGeom prst="rect">
+            <a:avLst/>
+          </a:prstGeom>
+          <a:noFill/>
+          <a:ln>
+            <a:solidFill>
+              <a:schemeClr val="accent1">
+                <a:lumMod val="50000"/>
+              </a:schemeClr>
+            </a:solidFill>
+          </a:ln>
+        </p:spPr>
+        <p:style>
+          <a:lnRef idx="2">
+            <a:schemeClr val="accent1">
+              <a:shade val="50000"/>
+            </a:schemeClr>
+          </a:lnRef>
+          <a:fillRef idx="1">
+            <a:schemeClr val="accent1"/>
+          </a:fillRef>
+          <a:effectRef idx="0">
+            <a:schemeClr val="accent1"/>
+          </a:effectRef>
+          <a:fontRef idx="minor">
+            <a:schemeClr val="lt1"/>
+          </a:fontRef>
+        </p:style>
+        <p:txBody>
+          <a:bodyPr rtlCol="0" anchor="ctr"/>
+          <a:lstStyle/>
+          <a:p>
+            <a:pPr algn="ctr"/>
+            <a:r>
+              <a:rPr lang="en-US" smtClean="0">
+                <a:solidFill>
+                  <a:schemeClr val="accent1">
+                    <a:lumMod val="50000"/>
+                  </a:schemeClr>
+                </a:solidFill>
+              </a:rPr>
+              <a:t>prev</a:t>
+            </a:r>
+            <a:endParaRPr lang="en-US">
+              <a:solidFill>
+                <a:schemeClr val="accent1">
+                  <a:lumMod val="50000"/>
+                </a:schemeClr>
+              </a:solidFill>
+            </a:endParaRPr>
+          </a:p>
+        </p:txBody>
+      </p:sp>
+      <p:sp>
+        <p:nvSpPr>
+          <p:cNvPr id="15" name="Rectangle 14"/>
+          <p:cNvSpPr/>
+          <p:nvPr/>
+        </p:nvSpPr>
+        <p:spPr>
+          <a:xfrm>
+            <a:off x="3261361" y="2042857"/>
+            <a:ext cx="1057524" cy="415109"/>
+          </a:xfrm>
+          <a:prstGeom prst="rect">
+            <a:avLst/>
+          </a:prstGeom>
+          <a:noFill/>
+          <a:ln>
+            <a:solidFill>
+              <a:schemeClr val="accent1">
+                <a:lumMod val="50000"/>
+              </a:schemeClr>
+            </a:solidFill>
+          </a:ln>
+        </p:spPr>
+        <p:style>
+          <a:lnRef idx="2">
+            <a:schemeClr val="accent1">
+              <a:shade val="50000"/>
+            </a:schemeClr>
+          </a:lnRef>
+          <a:fillRef idx="1">
+            <a:schemeClr val="accent1"/>
+          </a:fillRef>
+          <a:effectRef idx="0">
+            <a:schemeClr val="accent1"/>
+          </a:effectRef>
+          <a:fontRef idx="minor">
+            <a:schemeClr val="lt1"/>
+          </a:fontRef>
+        </p:style>
+        <p:txBody>
+          <a:bodyPr rtlCol="0" anchor="ctr"/>
+          <a:lstStyle/>
+          <a:p>
+            <a:pPr algn="ctr"/>
+            <a:r>
+              <a:rPr lang="en-US" smtClean="0">
+                <a:solidFill>
+                  <a:schemeClr val="accent1">
+                    <a:lumMod val="50000"/>
+                  </a:schemeClr>
+                </a:solidFill>
+              </a:rPr>
+              <a:t>follow</a:t>
+            </a:r>
+            <a:endParaRPr lang="en-US">
+              <a:solidFill>
+                <a:schemeClr val="accent1">
+                  <a:lumMod val="50000"/>
+                </a:schemeClr>
+              </a:solidFill>
+            </a:endParaRPr>
+          </a:p>
+        </p:txBody>
+      </p:sp>
+      <p:sp>
+        <p:nvSpPr>
+          <p:cNvPr id="16" name="TextBox 15"/>
+          <p:cNvSpPr txBox="1"/>
+          <p:nvPr/>
+        </p:nvSpPr>
+        <p:spPr>
+          <a:xfrm>
+            <a:off x="2489763" y="2333903"/>
+            <a:ext cx="534121" cy="369332"/>
+          </a:xfrm>
+          <a:prstGeom prst="rect">
+            <a:avLst/>
+          </a:prstGeom>
+          <a:noFill/>
+        </p:spPr>
+        <p:txBody>
+          <a:bodyPr wrap="none" rtlCol="0">
+            <a:spAutoFit/>
+          </a:bodyPr>
+          <a:lstStyle/>
+          <a:p>
+            <a:r>
+              <a:rPr lang="en-US" smtClean="0">
+                <a:solidFill>
+                  <a:schemeClr val="accent1">
+                    <a:lumMod val="50000"/>
+                  </a:schemeClr>
+                </a:solidFill>
+              </a:rPr>
+              <a:t>null</a:t>
+            </a:r>
+            <a:endParaRPr lang="en-US">
+              <a:solidFill>
+                <a:schemeClr val="accent1">
+                  <a:lumMod val="50000"/>
+                </a:schemeClr>
+              </a:solidFill>
+            </a:endParaRPr>
+          </a:p>
+        </p:txBody>
+      </p:sp>
+      <p:sp>
+        <p:nvSpPr>
+          <p:cNvPr id="18" name="TextBox 17"/>
+          <p:cNvSpPr txBox="1"/>
+          <p:nvPr/>
+        </p:nvSpPr>
+        <p:spPr>
+          <a:xfrm>
+            <a:off x="4318885" y="2318105"/>
+            <a:ext cx="534121" cy="369332"/>
+          </a:xfrm>
+          <a:prstGeom prst="rect">
+            <a:avLst/>
+          </a:prstGeom>
+          <a:noFill/>
+        </p:spPr>
+        <p:txBody>
+          <a:bodyPr wrap="none" rtlCol="0">
+            <a:spAutoFit/>
+          </a:bodyPr>
+          <a:lstStyle/>
+          <a:p>
+            <a:r>
+              <a:rPr lang="en-US" smtClean="0">
+                <a:solidFill>
+                  <a:schemeClr val="accent1">
+                    <a:lumMod val="50000"/>
+                  </a:schemeClr>
+                </a:solidFill>
+              </a:rPr>
+              <a:t>null</a:t>
+            </a:r>
+            <a:endParaRPr lang="en-US">
+              <a:solidFill>
+                <a:schemeClr val="accent1">
+                  <a:lumMod val="50000"/>
+                </a:schemeClr>
+              </a:solidFill>
+            </a:endParaRPr>
+          </a:p>
+        </p:txBody>
+      </p:sp>
+      <p:sp>
+        <p:nvSpPr>
+          <p:cNvPr id="19" name="TextBox 18"/>
+          <p:cNvSpPr txBox="1"/>
+          <p:nvPr/>
+        </p:nvSpPr>
+        <p:spPr>
+          <a:xfrm>
+            <a:off x="4368980" y="1406827"/>
+            <a:ext cx="417102" cy="214239"/>
+          </a:xfrm>
+          <a:prstGeom prst="rect">
+            <a:avLst/>
+          </a:prstGeom>
+          <a:noFill/>
+        </p:spPr>
+        <p:txBody>
+          <a:bodyPr wrap="none" rtlCol="0">
+            <a:spAutoFit/>
+          </a:bodyPr>
+          <a:lstStyle/>
+          <a:p>
+            <a:r>
+              <a:rPr lang="en-US" smtClean="0">
+                <a:solidFill>
+                  <a:schemeClr val="accent1">
+                    <a:lumMod val="50000"/>
+                  </a:schemeClr>
+                </a:solidFill>
+              </a:rPr>
+              <a:t>e2</a:t>
+            </a:r>
+            <a:endParaRPr lang="en-US">
+              <a:solidFill>
+                <a:schemeClr val="accent1">
+                  <a:lumMod val="50000"/>
+                </a:schemeClr>
+              </a:solidFill>
+            </a:endParaRPr>
+          </a:p>
+        </p:txBody>
+      </p:sp>
+      <p:sp>
+        <p:nvSpPr>
+          <p:cNvPr id="20" name="TextBox 19"/>
+          <p:cNvSpPr txBox="1"/>
+          <p:nvPr/>
+        </p:nvSpPr>
+        <p:spPr>
+          <a:xfrm>
+            <a:off x="8685324" y="61820"/>
+            <a:ext cx="2683683" cy="369332"/>
+          </a:xfrm>
+          <a:prstGeom prst="rect">
+            <a:avLst/>
+          </a:prstGeom>
+          <a:noFill/>
+        </p:spPr>
+        <p:txBody>
+          <a:bodyPr wrap="none" rtlCol="0">
+            <a:spAutoFit/>
+          </a:bodyPr>
+          <a:lstStyle/>
+          <a:p>
+            <a:r>
+              <a:rPr lang="en-US" smtClean="0">
+                <a:solidFill>
+                  <a:schemeClr val="accent1">
+                    <a:lumMod val="50000"/>
+                  </a:schemeClr>
+                </a:solidFill>
+              </a:rPr>
+              <a:t>New Queue – no elements</a:t>
+            </a:r>
+            <a:endParaRPr lang="en-US">
+              <a:solidFill>
+                <a:schemeClr val="accent1">
+                  <a:lumMod val="50000"/>
+                </a:schemeClr>
+              </a:solidFill>
+            </a:endParaRPr>
+          </a:p>
+        </p:txBody>
+      </p:sp>
+      <p:sp>
+        <p:nvSpPr>
+          <p:cNvPr id="21" name="TextBox 20"/>
+          <p:cNvSpPr txBox="1"/>
+          <p:nvPr/>
+        </p:nvSpPr>
+        <p:spPr>
+          <a:xfrm>
+            <a:off x="8685323" y="531381"/>
+            <a:ext cx="671979" cy="369332"/>
+          </a:xfrm>
+          <a:prstGeom prst="rect">
+            <a:avLst/>
+          </a:prstGeom>
+          <a:noFill/>
+        </p:spPr>
+        <p:txBody>
+          <a:bodyPr wrap="none" rtlCol="0">
+            <a:spAutoFit/>
+          </a:bodyPr>
+          <a:lstStyle/>
+          <a:p>
+            <a:r>
+              <a:rPr lang="en-US" b="1" smtClean="0">
+                <a:solidFill>
+                  <a:schemeClr val="accent6">
+                    <a:lumMod val="75000"/>
+                  </a:schemeClr>
+                </a:solidFill>
+              </a:rPr>
+              <a:t>N = 1</a:t>
+            </a:r>
+            <a:endParaRPr lang="en-US" b="1">
+              <a:solidFill>
+                <a:schemeClr val="accent6">
+                  <a:lumMod val="75000"/>
+                </a:schemeClr>
+              </a:solidFill>
+            </a:endParaRPr>
+          </a:p>
+        </p:txBody>
+      </p:sp>
+      <p:sp>
+        <p:nvSpPr>
+          <p:cNvPr id="22" name="TextBox 21"/>
+          <p:cNvSpPr txBox="1"/>
+          <p:nvPr/>
+        </p:nvSpPr>
+        <p:spPr>
+          <a:xfrm>
+            <a:off x="111318" y="3001300"/>
+            <a:ext cx="417102" cy="369332"/>
+          </a:xfrm>
+          <a:prstGeom prst="rect">
+            <a:avLst/>
+          </a:prstGeom>
+          <a:noFill/>
+        </p:spPr>
+        <p:txBody>
+          <a:bodyPr wrap="none" rtlCol="0">
+            <a:spAutoFit/>
+          </a:bodyPr>
+          <a:lstStyle/>
+          <a:p>
+            <a:r>
+              <a:rPr lang="en-US" b="1" smtClean="0">
+                <a:solidFill>
+                  <a:schemeClr val="accent6">
+                    <a:lumMod val="75000"/>
+                  </a:schemeClr>
+                </a:solidFill>
+              </a:rPr>
+              <a:t>e3</a:t>
+            </a:r>
+            <a:endParaRPr lang="en-US" b="1">
+              <a:solidFill>
+                <a:schemeClr val="accent6">
+                  <a:lumMod val="75000"/>
+                </a:schemeClr>
+              </a:solidFill>
+            </a:endParaRPr>
+          </a:p>
+        </p:txBody>
+      </p:sp>
+      <p:sp>
+        <p:nvSpPr>
+          <p:cNvPr id="23" name="Rectangle 22"/>
+          <p:cNvSpPr/>
+          <p:nvPr/>
+        </p:nvSpPr>
+        <p:spPr>
+          <a:xfrm>
+            <a:off x="955332" y="2936727"/>
+            <a:ext cx="7576418" cy="770258"/>
+          </a:xfrm>
+          <a:prstGeom prst="rect">
+            <a:avLst/>
+          </a:prstGeom>
+          <a:noFill/>
+          <a:ln w="28575">
+            <a:solidFill>
+              <a:schemeClr val="accent6">
+                <a:lumMod val="75000"/>
+              </a:schemeClr>
+            </a:solidFill>
+          </a:ln>
+        </p:spPr>
+        <p:style>
+          <a:lnRef idx="2">
+            <a:schemeClr val="accent1">
+              <a:shade val="50000"/>
+            </a:schemeClr>
+          </a:lnRef>
+          <a:fillRef idx="1">
+            <a:schemeClr val="accent1"/>
+          </a:fillRef>
+          <a:effectRef idx="0">
+            <a:schemeClr val="accent1"/>
+          </a:effectRef>
+          <a:fontRef idx="minor">
+            <a:schemeClr val="lt1"/>
+          </a:fontRef>
+        </p:style>
+        <p:txBody>
+          <a:bodyPr rtlCol="0" anchor="ctr"/>
+          <a:lstStyle/>
+          <a:p>
+            <a:pPr algn="ctr"/>
+            <a:endParaRPr lang="en-US"/>
+          </a:p>
+        </p:txBody>
+      </p:sp>
+      <p:sp>
+        <p:nvSpPr>
+          <p:cNvPr id="24" name="Rectangle 23"/>
+          <p:cNvSpPr/>
+          <p:nvPr/>
+        </p:nvSpPr>
+        <p:spPr>
+          <a:xfrm>
+            <a:off x="1494846" y="3061260"/>
+            <a:ext cx="1057524" cy="415109"/>
+          </a:xfrm>
+          <a:prstGeom prst="rect">
+            <a:avLst/>
+          </a:prstGeom>
+          <a:noFill/>
+          <a:ln w="28575">
+            <a:solidFill>
+              <a:schemeClr val="accent6">
+                <a:lumMod val="75000"/>
+              </a:schemeClr>
+            </a:solidFill>
+          </a:ln>
+        </p:spPr>
+        <p:style>
+          <a:lnRef idx="2">
+            <a:schemeClr val="accent1">
+              <a:shade val="50000"/>
+            </a:schemeClr>
+          </a:lnRef>
+          <a:fillRef idx="1">
+            <a:schemeClr val="accent1"/>
+          </a:fillRef>
+          <a:effectRef idx="0">
+            <a:schemeClr val="accent1"/>
+          </a:effectRef>
+          <a:fontRef idx="minor">
+            <a:schemeClr val="lt1"/>
+          </a:fontRef>
+        </p:style>
+        <p:txBody>
+          <a:bodyPr rtlCol="0" anchor="ctr"/>
+          <a:lstStyle/>
+          <a:p>
+            <a:pPr algn="ctr"/>
+            <a:r>
+              <a:rPr lang="en-US" b="1" smtClean="0">
+                <a:solidFill>
+                  <a:schemeClr val="accent6">
+                    <a:lumMod val="75000"/>
+                  </a:schemeClr>
+                </a:solidFill>
+              </a:rPr>
+              <a:t>prev</a:t>
+            </a:r>
+            <a:endParaRPr lang="en-US" b="1">
+              <a:solidFill>
+                <a:schemeClr val="accent6">
+                  <a:lumMod val="75000"/>
+                </a:schemeClr>
+              </a:solidFill>
+            </a:endParaRPr>
+          </a:p>
+        </p:txBody>
+      </p:sp>
+      <p:sp>
+        <p:nvSpPr>
+          <p:cNvPr id="25" name="Rectangle 24"/>
+          <p:cNvSpPr/>
+          <p:nvPr/>
+        </p:nvSpPr>
+        <p:spPr>
+          <a:xfrm>
+            <a:off x="5010650" y="3078204"/>
+            <a:ext cx="1057524" cy="415109"/>
+          </a:xfrm>
+          <a:prstGeom prst="rect">
+            <a:avLst/>
+          </a:prstGeom>
+          <a:noFill/>
+          <a:ln w="28575">
+            <a:solidFill>
+              <a:schemeClr val="accent6">
+                <a:lumMod val="75000"/>
+              </a:schemeClr>
+            </a:solidFill>
+          </a:ln>
+        </p:spPr>
+        <p:style>
+          <a:lnRef idx="2">
+            <a:schemeClr val="accent1">
+              <a:shade val="50000"/>
+            </a:schemeClr>
+          </a:lnRef>
+          <a:fillRef idx="1">
+            <a:schemeClr val="accent1"/>
+          </a:fillRef>
+          <a:effectRef idx="0">
+            <a:schemeClr val="accent1"/>
+          </a:effectRef>
+          <a:fontRef idx="minor">
+            <a:schemeClr val="lt1"/>
+          </a:fontRef>
+        </p:style>
+        <p:txBody>
+          <a:bodyPr rtlCol="0" anchor="ctr"/>
+          <a:lstStyle/>
+          <a:p>
+            <a:pPr algn="ctr"/>
+            <a:r>
+              <a:rPr lang="en-US" b="1" smtClean="0">
+                <a:solidFill>
+                  <a:schemeClr val="accent6">
+                    <a:lumMod val="75000"/>
+                  </a:schemeClr>
+                </a:solidFill>
+              </a:rPr>
+              <a:t>follow</a:t>
+            </a:r>
+            <a:endParaRPr lang="en-US" b="1">
+              <a:solidFill>
+                <a:schemeClr val="accent6">
+                  <a:lumMod val="75000"/>
+                </a:schemeClr>
+              </a:solidFill>
+            </a:endParaRPr>
+          </a:p>
+        </p:txBody>
+      </p:sp>
+      <p:sp>
+        <p:nvSpPr>
+          <p:cNvPr id="26" name="TextBox 25"/>
+          <p:cNvSpPr txBox="1"/>
+          <p:nvPr/>
+        </p:nvSpPr>
+        <p:spPr>
+          <a:xfrm>
+            <a:off x="2489763" y="3369250"/>
+            <a:ext cx="417102" cy="369332"/>
+          </a:xfrm>
+          <a:prstGeom prst="rect">
+            <a:avLst/>
+          </a:prstGeom>
+          <a:noFill/>
+        </p:spPr>
+        <p:txBody>
+          <a:bodyPr wrap="none" rtlCol="0">
+            <a:spAutoFit/>
+          </a:bodyPr>
+          <a:lstStyle/>
+          <a:p>
+            <a:r>
+              <a:rPr lang="en-US" b="1" smtClean="0">
+                <a:solidFill>
+                  <a:schemeClr val="accent6">
+                    <a:lumMod val="75000"/>
+                  </a:schemeClr>
+                </a:solidFill>
+              </a:rPr>
+              <a:t>e2</a:t>
+            </a:r>
+            <a:endParaRPr lang="en-US" b="1">
+              <a:solidFill>
+                <a:schemeClr val="accent6">
+                  <a:lumMod val="75000"/>
+                </a:schemeClr>
+              </a:solidFill>
+            </a:endParaRPr>
+          </a:p>
+        </p:txBody>
+      </p:sp>
+      <p:sp>
+        <p:nvSpPr>
+          <p:cNvPr id="27" name="TextBox 26"/>
+          <p:cNvSpPr txBox="1"/>
+          <p:nvPr/>
+        </p:nvSpPr>
+        <p:spPr>
+          <a:xfrm>
+            <a:off x="6068174" y="3353452"/>
+            <a:ext cx="543739" cy="369332"/>
+          </a:xfrm>
+          <a:prstGeom prst="rect">
+            <a:avLst/>
+          </a:prstGeom>
+          <a:noFill/>
+        </p:spPr>
+        <p:txBody>
+          <a:bodyPr wrap="none" rtlCol="0">
+            <a:spAutoFit/>
+          </a:bodyPr>
+          <a:lstStyle/>
+          <a:p>
+            <a:r>
+              <a:rPr lang="en-US" b="1" smtClean="0">
+                <a:solidFill>
+                  <a:schemeClr val="accent6">
+                    <a:lumMod val="75000"/>
+                  </a:schemeClr>
+                </a:solidFill>
+              </a:rPr>
+              <a:t>null</a:t>
+            </a:r>
+            <a:endParaRPr lang="en-US" b="1">
+              <a:solidFill>
+                <a:schemeClr val="accent6">
+                  <a:lumMod val="75000"/>
+                </a:schemeClr>
+              </a:solidFill>
+            </a:endParaRPr>
+          </a:p>
+        </p:txBody>
+      </p:sp>
+      <p:sp>
+        <p:nvSpPr>
+          <p:cNvPr id="28" name="Rectangle 27"/>
+          <p:cNvSpPr/>
+          <p:nvPr/>
+        </p:nvSpPr>
+        <p:spPr>
+          <a:xfrm>
+            <a:off x="3278692" y="3061260"/>
+            <a:ext cx="1057524" cy="415109"/>
+          </a:xfrm>
+          <a:prstGeom prst="rect">
+            <a:avLst/>
+          </a:prstGeom>
+          <a:noFill/>
+          <a:ln w="28575">
+            <a:solidFill>
+              <a:schemeClr val="accent6">
+                <a:lumMod val="75000"/>
+              </a:schemeClr>
+            </a:solidFill>
+          </a:ln>
+        </p:spPr>
+        <p:style>
+          <a:lnRef idx="2">
+            <a:schemeClr val="accent1">
+              <a:shade val="50000"/>
+            </a:schemeClr>
+          </a:lnRef>
+          <a:fillRef idx="1">
+            <a:schemeClr val="accent1"/>
+          </a:fillRef>
+          <a:effectRef idx="0">
+            <a:schemeClr val="accent1"/>
+          </a:effectRef>
+          <a:fontRef idx="minor">
+            <a:schemeClr val="lt1"/>
+          </a:fontRef>
+        </p:style>
+        <p:txBody>
+          <a:bodyPr rtlCol="0" anchor="ctr"/>
+          <a:lstStyle/>
+          <a:p>
+            <a:pPr algn="ctr"/>
+            <a:r>
+              <a:rPr lang="en-US" b="1" smtClean="0">
+                <a:solidFill>
+                  <a:schemeClr val="accent6">
+                    <a:lumMod val="75000"/>
+                  </a:schemeClr>
+                </a:solidFill>
+              </a:rPr>
+              <a:t>val</a:t>
+            </a:r>
+            <a:endParaRPr lang="en-US" b="1">
+              <a:solidFill>
+                <a:schemeClr val="accent6">
+                  <a:lumMod val="75000"/>
+                </a:schemeClr>
+              </a:solidFill>
+            </a:endParaRPr>
+          </a:p>
+        </p:txBody>
+      </p:sp>
+      <p:sp>
+        <p:nvSpPr>
+          <p:cNvPr id="29" name="TextBox 28"/>
+          <p:cNvSpPr txBox="1"/>
+          <p:nvPr/>
+        </p:nvSpPr>
+        <p:spPr>
+          <a:xfrm>
+            <a:off x="4336216" y="3336508"/>
+            <a:ext cx="301686" cy="369332"/>
+          </a:xfrm>
+          <a:prstGeom prst="rect">
+            <a:avLst/>
+          </a:prstGeom>
+          <a:noFill/>
+        </p:spPr>
+        <p:txBody>
+          <a:bodyPr wrap="none" rtlCol="0">
+            <a:spAutoFit/>
+          </a:bodyPr>
+          <a:lstStyle/>
+          <a:p>
+            <a:r>
+              <a:rPr lang="en-US" b="1" smtClean="0">
+                <a:solidFill>
+                  <a:schemeClr val="accent6">
+                    <a:lumMod val="75000"/>
+                  </a:schemeClr>
+                </a:solidFill>
+              </a:rPr>
+              <a:t>1</a:t>
+            </a:r>
+            <a:endParaRPr lang="en-US" b="1">
+              <a:solidFill>
+                <a:schemeClr val="accent6">
+                  <a:lumMod val="75000"/>
+                </a:schemeClr>
+              </a:solidFill>
+            </a:endParaRPr>
+          </a:p>
+        </p:txBody>
+      </p:sp>
+      <p:cxnSp>
+        <p:nvCxnSpPr>
+          <p:cNvPr id="31" name="Straight Connector 30"/>
+          <p:cNvCxnSpPr>
+            <a:stCxn id="19" idx="3"/>
+          </p:cNvCxnSpPr>
+          <p:nvPr/>
+        </p:nvCxnSpPr>
+        <p:spPr>
+          <a:xfrm flipH="1">
+            <a:off x="4368980" y="1513947"/>
+            <a:ext cx="417102" cy="230615"/>
+          </a:xfrm>
+          <a:prstGeom prst="line">
+            <a:avLst/>
+          </a:prstGeom>
+          <a:ln w="28575">
+            <a:solidFill>
+              <a:schemeClr val="accent6">
+                <a:lumMod val="75000"/>
+              </a:schemeClr>
+            </a:solidFill>
+          </a:ln>
+        </p:spPr>
+        <p:style>
+          <a:lnRef idx="1">
+            <a:schemeClr val="accent1"/>
+          </a:lnRef>
+          <a:fillRef idx="0">
+            <a:schemeClr val="accent1"/>
+          </a:fillRef>
+          <a:effectRef idx="0">
+            <a:schemeClr val="accent1"/>
+          </a:effectRef>
+          <a:fontRef idx="minor">
+            <a:schemeClr val="tx1"/>
+          </a:fontRef>
+        </p:style>
+      </p:cxnSp>
+      <p:sp>
+        <p:nvSpPr>
+          <p:cNvPr id="32" name="TextBox 31"/>
+          <p:cNvSpPr txBox="1"/>
+          <p:nvPr/>
+        </p:nvSpPr>
+        <p:spPr>
+          <a:xfrm>
+            <a:off x="4745797" y="1415302"/>
+            <a:ext cx="417102" cy="369332"/>
+          </a:xfrm>
+          <a:prstGeom prst="rect">
+            <a:avLst/>
+          </a:prstGeom>
+          <a:noFill/>
+        </p:spPr>
+        <p:txBody>
+          <a:bodyPr wrap="none" rtlCol="0">
+            <a:spAutoFit/>
+          </a:bodyPr>
+          <a:lstStyle/>
+          <a:p>
+            <a:r>
+              <a:rPr lang="en-US" b="1" smtClean="0">
+                <a:solidFill>
+                  <a:schemeClr val="accent6">
+                    <a:lumMod val="75000"/>
+                  </a:schemeClr>
+                </a:solidFill>
+              </a:rPr>
+              <a:t>e3</a:t>
+            </a:r>
+            <a:endParaRPr lang="en-US" b="1">
+              <a:solidFill>
+                <a:schemeClr val="accent6">
+                  <a:lumMod val="75000"/>
+                </a:schemeClr>
+              </a:solidFill>
+            </a:endParaRPr>
+          </a:p>
+        </p:txBody>
+      </p:sp>
+      <p:sp>
+        <p:nvSpPr>
+          <p:cNvPr id="33" name="TextBox 32"/>
+          <p:cNvSpPr txBox="1"/>
+          <p:nvPr/>
+        </p:nvSpPr>
+        <p:spPr>
+          <a:xfrm>
+            <a:off x="111318" y="3997130"/>
+            <a:ext cx="417102" cy="369332"/>
+          </a:xfrm>
+          <a:prstGeom prst="rect">
+            <a:avLst/>
+          </a:prstGeom>
+          <a:noFill/>
+          <a:ln>
+            <a:noFill/>
+          </a:ln>
+        </p:spPr>
+        <p:txBody>
+          <a:bodyPr wrap="none" rtlCol="0">
+            <a:spAutoFit/>
+          </a:bodyPr>
+          <a:lstStyle/>
+          <a:p>
+            <a:r>
+              <a:rPr lang="en-US" b="1" smtClean="0">
+                <a:solidFill>
+                  <a:schemeClr val="accent2">
+                    <a:lumMod val="75000"/>
+                  </a:schemeClr>
+                </a:solidFill>
+              </a:rPr>
+              <a:t>e4</a:t>
+            </a:r>
+            <a:endParaRPr lang="en-US" b="1">
+              <a:solidFill>
+                <a:schemeClr val="accent2">
+                  <a:lumMod val="75000"/>
+                </a:schemeClr>
+              </a:solidFill>
+            </a:endParaRPr>
+          </a:p>
+        </p:txBody>
+      </p:sp>
+      <p:sp>
+        <p:nvSpPr>
+          <p:cNvPr id="34" name="Rectangle 33"/>
+          <p:cNvSpPr/>
+          <p:nvPr/>
+        </p:nvSpPr>
+        <p:spPr>
+          <a:xfrm>
+            <a:off x="955332" y="3932557"/>
+            <a:ext cx="7576418" cy="770258"/>
+          </a:xfrm>
+          <a:prstGeom prst="rect">
+            <a:avLst/>
+          </a:prstGeom>
+          <a:noFill/>
+          <a:ln w="28575">
+            <a:solidFill>
+              <a:schemeClr val="accent2">
+                <a:lumMod val="75000"/>
+              </a:schemeClr>
+            </a:solidFill>
+          </a:ln>
+        </p:spPr>
+        <p:style>
+          <a:lnRef idx="2">
+            <a:schemeClr val="accent1">
+              <a:shade val="50000"/>
+            </a:schemeClr>
+          </a:lnRef>
+          <a:fillRef idx="1">
+            <a:schemeClr val="accent1"/>
+          </a:fillRef>
+          <a:effectRef idx="0">
+            <a:schemeClr val="accent1"/>
+          </a:effectRef>
+          <a:fontRef idx="minor">
+            <a:schemeClr val="lt1"/>
+          </a:fontRef>
+        </p:style>
+        <p:txBody>
+          <a:bodyPr rtlCol="0" anchor="ctr"/>
+          <a:lstStyle/>
+          <a:p>
+            <a:pPr algn="ctr"/>
+            <a:endParaRPr lang="en-US">
+              <a:solidFill>
+                <a:schemeClr val="accent2">
+                  <a:lumMod val="75000"/>
+                </a:schemeClr>
+              </a:solidFill>
+            </a:endParaRPr>
+          </a:p>
+        </p:txBody>
+      </p:sp>
+      <p:sp>
+        <p:nvSpPr>
+          <p:cNvPr id="35" name="Rectangle 34"/>
+          <p:cNvSpPr/>
+          <p:nvPr/>
+        </p:nvSpPr>
+        <p:spPr>
+          <a:xfrm>
+            <a:off x="1494846" y="4057090"/>
+            <a:ext cx="1057524" cy="415109"/>
+          </a:xfrm>
+          <a:prstGeom prst="rect">
+            <a:avLst/>
+          </a:prstGeom>
+          <a:noFill/>
+          <a:ln w="28575">
+            <a:solidFill>
+              <a:schemeClr val="accent2">
+                <a:lumMod val="75000"/>
+              </a:schemeClr>
+            </a:solidFill>
+          </a:ln>
+        </p:spPr>
+        <p:style>
+          <a:lnRef idx="2">
+            <a:schemeClr val="accent1">
+              <a:shade val="50000"/>
+            </a:schemeClr>
+          </a:lnRef>
+          <a:fillRef idx="1">
+            <a:schemeClr val="accent1"/>
+          </a:fillRef>
+          <a:effectRef idx="0">
+            <a:schemeClr val="accent1"/>
+          </a:effectRef>
+          <a:fontRef idx="minor">
+            <a:schemeClr val="lt1"/>
+          </a:fontRef>
+        </p:style>
+        <p:txBody>
+          <a:bodyPr rtlCol="0" anchor="ctr"/>
+          <a:lstStyle/>
+          <a:p>
+            <a:pPr algn="ctr"/>
+            <a:r>
+              <a:rPr lang="en-US" b="1" smtClean="0">
+                <a:solidFill>
+                  <a:schemeClr val="accent2">
+                    <a:lumMod val="75000"/>
+                  </a:schemeClr>
+                </a:solidFill>
+              </a:rPr>
+              <a:t>prev</a:t>
+            </a:r>
+            <a:endParaRPr lang="en-US" b="1">
+              <a:solidFill>
+                <a:schemeClr val="accent2">
+                  <a:lumMod val="75000"/>
+                </a:schemeClr>
+              </a:solidFill>
+            </a:endParaRPr>
+          </a:p>
+        </p:txBody>
+      </p:sp>
+      <p:sp>
+        <p:nvSpPr>
+          <p:cNvPr id="36" name="Rectangle 35"/>
+          <p:cNvSpPr/>
+          <p:nvPr/>
+        </p:nvSpPr>
+        <p:spPr>
+          <a:xfrm>
+            <a:off x="5010650" y="4074034"/>
+            <a:ext cx="1057524" cy="415109"/>
+          </a:xfrm>
+          <a:prstGeom prst="rect">
+            <a:avLst/>
+          </a:prstGeom>
+          <a:noFill/>
+          <a:ln w="28575">
+            <a:solidFill>
+              <a:schemeClr val="accent2">
+                <a:lumMod val="75000"/>
+              </a:schemeClr>
+            </a:solidFill>
+          </a:ln>
+        </p:spPr>
+        <p:style>
+          <a:lnRef idx="2">
+            <a:schemeClr val="accent1">
+              <a:shade val="50000"/>
+            </a:schemeClr>
+          </a:lnRef>
+          <a:fillRef idx="1">
+            <a:schemeClr val="accent1"/>
+          </a:fillRef>
+          <a:effectRef idx="0">
+            <a:schemeClr val="accent1"/>
+          </a:effectRef>
+          <a:fontRef idx="minor">
+            <a:schemeClr val="lt1"/>
+          </a:fontRef>
+        </p:style>
+        <p:txBody>
+          <a:bodyPr rtlCol="0" anchor="ctr"/>
+          <a:lstStyle/>
+          <a:p>
+            <a:pPr algn="ctr"/>
+            <a:r>
+              <a:rPr lang="en-US" b="1" smtClean="0">
+                <a:solidFill>
+                  <a:schemeClr val="accent2">
+                    <a:lumMod val="75000"/>
+                  </a:schemeClr>
+                </a:solidFill>
+              </a:rPr>
+              <a:t>follow</a:t>
+            </a:r>
+            <a:endParaRPr lang="en-US" b="1">
+              <a:solidFill>
+                <a:schemeClr val="accent2">
+                  <a:lumMod val="75000"/>
+                </a:schemeClr>
+              </a:solidFill>
+            </a:endParaRPr>
+          </a:p>
+        </p:txBody>
+      </p:sp>
+      <p:sp>
+        <p:nvSpPr>
+          <p:cNvPr id="37" name="TextBox 36"/>
+          <p:cNvSpPr txBox="1"/>
+          <p:nvPr/>
+        </p:nvSpPr>
+        <p:spPr>
+          <a:xfrm>
+            <a:off x="2489763" y="4365080"/>
+            <a:ext cx="417102" cy="369332"/>
+          </a:xfrm>
+          <a:prstGeom prst="rect">
+            <a:avLst/>
+          </a:prstGeom>
+          <a:noFill/>
+          <a:ln>
+            <a:noFill/>
+          </a:ln>
+        </p:spPr>
+        <p:txBody>
+          <a:bodyPr wrap="none" rtlCol="0">
+            <a:spAutoFit/>
+          </a:bodyPr>
+          <a:lstStyle/>
+          <a:p>
+            <a:r>
+              <a:rPr lang="en-US" b="1" smtClean="0">
+                <a:solidFill>
+                  <a:schemeClr val="accent2">
+                    <a:lumMod val="75000"/>
+                  </a:schemeClr>
+                </a:solidFill>
+              </a:rPr>
+              <a:t>e3</a:t>
+            </a:r>
+            <a:endParaRPr lang="en-US" b="1">
+              <a:solidFill>
+                <a:schemeClr val="accent2">
+                  <a:lumMod val="75000"/>
+                </a:schemeClr>
+              </a:solidFill>
+            </a:endParaRPr>
+          </a:p>
+        </p:txBody>
+      </p:sp>
+      <p:sp>
+        <p:nvSpPr>
+          <p:cNvPr id="38" name="TextBox 37"/>
+          <p:cNvSpPr txBox="1"/>
+          <p:nvPr/>
+        </p:nvSpPr>
+        <p:spPr>
+          <a:xfrm>
+            <a:off x="6068174" y="4349282"/>
+            <a:ext cx="543739" cy="369332"/>
+          </a:xfrm>
+          <a:prstGeom prst="rect">
+            <a:avLst/>
+          </a:prstGeom>
+          <a:noFill/>
+          <a:ln>
+            <a:noFill/>
+          </a:ln>
+        </p:spPr>
+        <p:txBody>
+          <a:bodyPr wrap="none" rtlCol="0">
+            <a:spAutoFit/>
+          </a:bodyPr>
+          <a:lstStyle/>
+          <a:p>
+            <a:r>
+              <a:rPr lang="en-US" b="1" smtClean="0">
+                <a:solidFill>
+                  <a:schemeClr val="accent2">
+                    <a:lumMod val="75000"/>
+                  </a:schemeClr>
+                </a:solidFill>
+              </a:rPr>
+              <a:t>null</a:t>
+            </a:r>
+            <a:endParaRPr lang="en-US" b="1">
+              <a:solidFill>
+                <a:schemeClr val="accent2">
+                  <a:lumMod val="75000"/>
+                </a:schemeClr>
+              </a:solidFill>
+            </a:endParaRPr>
+          </a:p>
+        </p:txBody>
+      </p:sp>
+      <p:sp>
+        <p:nvSpPr>
+          <p:cNvPr id="39" name="Rectangle 38"/>
+          <p:cNvSpPr/>
+          <p:nvPr/>
+        </p:nvSpPr>
+        <p:spPr>
+          <a:xfrm>
+            <a:off x="3278692" y="4057090"/>
+            <a:ext cx="1057524" cy="415109"/>
+          </a:xfrm>
+          <a:prstGeom prst="rect">
+            <a:avLst/>
+          </a:prstGeom>
+          <a:noFill/>
+          <a:ln w="28575">
+            <a:solidFill>
+              <a:schemeClr val="accent2">
+                <a:lumMod val="75000"/>
+              </a:schemeClr>
+            </a:solidFill>
+          </a:ln>
+        </p:spPr>
+        <p:style>
+          <a:lnRef idx="2">
+            <a:schemeClr val="accent1">
+              <a:shade val="50000"/>
+            </a:schemeClr>
+          </a:lnRef>
+          <a:fillRef idx="1">
+            <a:schemeClr val="accent1"/>
+          </a:fillRef>
+          <a:effectRef idx="0">
+            <a:schemeClr val="accent1"/>
+          </a:effectRef>
+          <a:fontRef idx="minor">
+            <a:schemeClr val="lt1"/>
+          </a:fontRef>
+        </p:style>
+        <p:txBody>
+          <a:bodyPr rtlCol="0" anchor="ctr"/>
+          <a:lstStyle/>
+          <a:p>
+            <a:pPr algn="ctr"/>
+            <a:r>
+              <a:rPr lang="en-US" b="1" smtClean="0">
+                <a:solidFill>
+                  <a:schemeClr val="accent2">
+                    <a:lumMod val="75000"/>
+                  </a:schemeClr>
+                </a:solidFill>
+              </a:rPr>
+              <a:t>val</a:t>
+            </a:r>
+            <a:endParaRPr lang="en-US" b="1">
+              <a:solidFill>
+                <a:schemeClr val="accent2">
+                  <a:lumMod val="75000"/>
+                </a:schemeClr>
+              </a:solidFill>
+            </a:endParaRPr>
+          </a:p>
+        </p:txBody>
+      </p:sp>
+      <p:sp>
+        <p:nvSpPr>
+          <p:cNvPr id="40" name="TextBox 39"/>
+          <p:cNvSpPr txBox="1"/>
+          <p:nvPr/>
+        </p:nvSpPr>
+        <p:spPr>
+          <a:xfrm>
+            <a:off x="4336216" y="4332338"/>
+            <a:ext cx="301686" cy="369332"/>
+          </a:xfrm>
+          <a:prstGeom prst="rect">
+            <a:avLst/>
+          </a:prstGeom>
+          <a:noFill/>
+          <a:ln>
+            <a:noFill/>
+          </a:ln>
+        </p:spPr>
+        <p:txBody>
+          <a:bodyPr wrap="none" rtlCol="0">
+            <a:spAutoFit/>
+          </a:bodyPr>
+          <a:lstStyle/>
+          <a:p>
+            <a:r>
+              <a:rPr lang="en-US" b="1" smtClean="0">
+                <a:solidFill>
+                  <a:schemeClr val="accent2">
+                    <a:lumMod val="75000"/>
+                  </a:schemeClr>
+                </a:solidFill>
+              </a:rPr>
+              <a:t>2</a:t>
+            </a:r>
+            <a:endParaRPr lang="en-US" b="1">
+              <a:solidFill>
+                <a:schemeClr val="accent2">
+                  <a:lumMod val="75000"/>
+                </a:schemeClr>
+              </a:solidFill>
+            </a:endParaRPr>
+          </a:p>
+        </p:txBody>
+      </p:sp>
+      <p:sp>
+        <p:nvSpPr>
+          <p:cNvPr id="41" name="TextBox 40"/>
+          <p:cNvSpPr txBox="1"/>
+          <p:nvPr/>
+        </p:nvSpPr>
+        <p:spPr>
+          <a:xfrm>
+            <a:off x="8685323" y="900713"/>
+            <a:ext cx="671979" cy="369332"/>
+          </a:xfrm>
+          <a:prstGeom prst="rect">
+            <a:avLst/>
+          </a:prstGeom>
+          <a:noFill/>
+        </p:spPr>
+        <p:txBody>
+          <a:bodyPr wrap="none" rtlCol="0">
+            <a:spAutoFit/>
+          </a:bodyPr>
+          <a:lstStyle/>
+          <a:p>
+            <a:r>
+              <a:rPr lang="en-US" b="1" smtClean="0">
+                <a:solidFill>
+                  <a:schemeClr val="accent2">
+                    <a:lumMod val="75000"/>
+                  </a:schemeClr>
+                </a:solidFill>
+              </a:rPr>
+              <a:t>N = 2</a:t>
+            </a:r>
+            <a:endParaRPr lang="en-US" b="1">
+              <a:solidFill>
+                <a:schemeClr val="accent2">
+                  <a:lumMod val="75000"/>
+                </a:schemeClr>
+              </a:solidFill>
+            </a:endParaRPr>
+          </a:p>
+        </p:txBody>
+      </p:sp>
+      <p:cxnSp>
+        <p:nvCxnSpPr>
+          <p:cNvPr id="42" name="Straight Connector 41"/>
+          <p:cNvCxnSpPr/>
+          <p:nvPr/>
+        </p:nvCxnSpPr>
+        <p:spPr>
+          <a:xfrm flipH="1">
+            <a:off x="4740953" y="1505758"/>
+            <a:ext cx="417102" cy="230615"/>
+          </a:xfrm>
+          <a:prstGeom prst="line">
+            <a:avLst/>
+          </a:prstGeom>
+          <a:ln w="28575">
+            <a:solidFill>
+              <a:schemeClr val="accent2">
+                <a:lumMod val="75000"/>
+              </a:schemeClr>
+            </a:solidFill>
+          </a:ln>
+        </p:spPr>
+        <p:style>
+          <a:lnRef idx="1">
+            <a:schemeClr val="accent1"/>
+          </a:lnRef>
+          <a:fillRef idx="0">
+            <a:schemeClr val="accent1"/>
+          </a:fillRef>
+          <a:effectRef idx="0">
+            <a:schemeClr val="accent1"/>
+          </a:effectRef>
+          <a:fontRef idx="minor">
+            <a:schemeClr val="tx1"/>
+          </a:fontRef>
+        </p:style>
+      </p:cxnSp>
+      <p:sp>
+        <p:nvSpPr>
+          <p:cNvPr id="43" name="TextBox 42"/>
+          <p:cNvSpPr txBox="1"/>
+          <p:nvPr/>
+        </p:nvSpPr>
+        <p:spPr>
+          <a:xfrm>
+            <a:off x="5093816" y="1415302"/>
+            <a:ext cx="417102" cy="369332"/>
+          </a:xfrm>
+          <a:prstGeom prst="rect">
+            <a:avLst/>
+          </a:prstGeom>
+          <a:noFill/>
+          <a:ln>
+            <a:noFill/>
+          </a:ln>
+        </p:spPr>
+        <p:txBody>
+          <a:bodyPr wrap="none" rtlCol="0">
+            <a:spAutoFit/>
+          </a:bodyPr>
+          <a:lstStyle/>
+          <a:p>
+            <a:r>
+              <a:rPr lang="en-US" b="1" smtClean="0">
+                <a:solidFill>
+                  <a:schemeClr val="accent2">
+                    <a:lumMod val="75000"/>
+                  </a:schemeClr>
+                </a:solidFill>
+              </a:rPr>
+              <a:t>e4</a:t>
+            </a:r>
+            <a:endParaRPr lang="en-US" b="1">
+              <a:solidFill>
+                <a:schemeClr val="accent2">
+                  <a:lumMod val="75000"/>
+                </a:schemeClr>
+              </a:solidFill>
+            </a:endParaRPr>
+          </a:p>
+        </p:txBody>
+      </p:sp>
+      <p:cxnSp>
+        <p:nvCxnSpPr>
+          <p:cNvPr id="44" name="Straight Connector 43"/>
+          <p:cNvCxnSpPr/>
+          <p:nvPr/>
+        </p:nvCxnSpPr>
+        <p:spPr>
+          <a:xfrm flipH="1">
+            <a:off x="4368980" y="2387463"/>
+            <a:ext cx="417102" cy="230615"/>
+          </a:xfrm>
+          <a:prstGeom prst="line">
+            <a:avLst/>
+          </a:prstGeom>
+          <a:ln w="28575">
+            <a:solidFill>
+              <a:schemeClr val="accent6">
+                <a:lumMod val="75000"/>
+              </a:schemeClr>
+            </a:solidFill>
+          </a:ln>
+        </p:spPr>
+        <p:style>
+          <a:lnRef idx="1">
+            <a:schemeClr val="accent1"/>
+          </a:lnRef>
+          <a:fillRef idx="0">
+            <a:schemeClr val="accent1"/>
+          </a:fillRef>
+          <a:effectRef idx="0">
+            <a:schemeClr val="accent1"/>
+          </a:effectRef>
+          <a:fontRef idx="minor">
+            <a:schemeClr val="tx1"/>
+          </a:fontRef>
+        </p:style>
+      </p:cxnSp>
+      <p:sp>
+        <p:nvSpPr>
+          <p:cNvPr id="45" name="TextBox 44"/>
+          <p:cNvSpPr txBox="1"/>
+          <p:nvPr/>
+        </p:nvSpPr>
+        <p:spPr>
+          <a:xfrm>
+            <a:off x="4740953" y="2318105"/>
+            <a:ext cx="417102" cy="369332"/>
+          </a:xfrm>
+          <a:prstGeom prst="rect">
+            <a:avLst/>
+          </a:prstGeom>
+          <a:noFill/>
+        </p:spPr>
+        <p:txBody>
+          <a:bodyPr wrap="none" rtlCol="0">
+            <a:spAutoFit/>
+          </a:bodyPr>
+          <a:lstStyle/>
+          <a:p>
+            <a:r>
+              <a:rPr lang="en-US" b="1" smtClean="0">
+                <a:solidFill>
+                  <a:schemeClr val="accent6">
+                    <a:lumMod val="75000"/>
+                  </a:schemeClr>
+                </a:solidFill>
+              </a:rPr>
+              <a:t>e3</a:t>
+            </a:r>
+            <a:endParaRPr lang="en-US" b="1">
+              <a:solidFill>
+                <a:schemeClr val="accent6">
+                  <a:lumMod val="75000"/>
+                </a:schemeClr>
+              </a:solidFill>
+            </a:endParaRPr>
+          </a:p>
+        </p:txBody>
+      </p:sp>
+      <p:sp>
+        <p:nvSpPr>
+          <p:cNvPr id="46" name="TextBox 45"/>
+          <p:cNvSpPr txBox="1"/>
+          <p:nvPr/>
+        </p:nvSpPr>
+        <p:spPr>
+          <a:xfrm>
+            <a:off x="6534057" y="3321855"/>
+            <a:ext cx="417102" cy="369332"/>
+          </a:xfrm>
+          <a:prstGeom prst="rect">
+            <a:avLst/>
+          </a:prstGeom>
+          <a:noFill/>
+          <a:ln>
+            <a:noFill/>
+          </a:ln>
+        </p:spPr>
+        <p:txBody>
+          <a:bodyPr wrap="none" rtlCol="0">
+            <a:spAutoFit/>
+          </a:bodyPr>
+          <a:lstStyle/>
+          <a:p>
+            <a:r>
+              <a:rPr lang="en-US" b="1" smtClean="0">
+                <a:solidFill>
+                  <a:schemeClr val="accent2">
+                    <a:lumMod val="75000"/>
+                  </a:schemeClr>
+                </a:solidFill>
+              </a:rPr>
+              <a:t>e4</a:t>
+            </a:r>
+            <a:endParaRPr lang="en-US" b="1">
+              <a:solidFill>
+                <a:schemeClr val="accent2">
+                  <a:lumMod val="75000"/>
+                </a:schemeClr>
+              </a:solidFill>
+            </a:endParaRPr>
+          </a:p>
+        </p:txBody>
+      </p:sp>
+      <p:cxnSp>
+        <p:nvCxnSpPr>
+          <p:cNvPr id="47" name="Straight Connector 46"/>
+          <p:cNvCxnSpPr/>
+          <p:nvPr/>
+        </p:nvCxnSpPr>
+        <p:spPr>
+          <a:xfrm flipH="1">
+            <a:off x="6131492" y="3422810"/>
+            <a:ext cx="417102" cy="230615"/>
+          </a:xfrm>
+          <a:prstGeom prst="line">
+            <a:avLst/>
+          </a:prstGeom>
+          <a:ln w="28575">
+            <a:solidFill>
+              <a:schemeClr val="accent2">
+                <a:lumMod val="75000"/>
+              </a:schemeClr>
+            </a:solidFill>
+          </a:ln>
+        </p:spPr>
+        <p:style>
+          <a:lnRef idx="1">
+            <a:schemeClr val="accent1"/>
+          </a:lnRef>
+          <a:fillRef idx="0">
+            <a:schemeClr val="accent1"/>
+          </a:fillRef>
+          <a:effectRef idx="0">
+            <a:schemeClr val="accent1"/>
+          </a:effectRef>
+          <a:fontRef idx="minor">
+            <a:schemeClr val="tx1"/>
+          </a:fontRef>
+        </p:style>
+      </p:cxnSp>
+      <p:sp>
+        <p:nvSpPr>
+          <p:cNvPr id="48" name="TextBox 47"/>
+          <p:cNvSpPr txBox="1"/>
+          <p:nvPr/>
+        </p:nvSpPr>
+        <p:spPr>
+          <a:xfrm>
+            <a:off x="111318" y="5008757"/>
+            <a:ext cx="417102" cy="369332"/>
+          </a:xfrm>
+          <a:prstGeom prst="rect">
+            <a:avLst/>
+          </a:prstGeom>
+          <a:noFill/>
+          <a:ln>
+            <a:noFill/>
+          </a:ln>
+        </p:spPr>
+        <p:txBody>
+          <a:bodyPr wrap="none" rtlCol="0">
+            <a:spAutoFit/>
+          </a:bodyPr>
+          <a:lstStyle/>
+          <a:p>
+            <a:r>
+              <a:rPr lang="en-US" b="1" smtClean="0">
+                <a:solidFill>
+                  <a:srgbClr val="7030A0"/>
+                </a:solidFill>
+              </a:rPr>
+              <a:t>e5</a:t>
+            </a:r>
+            <a:endParaRPr lang="en-US" b="1">
+              <a:solidFill>
+                <a:srgbClr val="7030A0"/>
+              </a:solidFill>
+            </a:endParaRPr>
+          </a:p>
+        </p:txBody>
+      </p:sp>
+      <p:sp>
+        <p:nvSpPr>
+          <p:cNvPr id="49" name="Rectangle 48"/>
+          <p:cNvSpPr/>
+          <p:nvPr/>
+        </p:nvSpPr>
+        <p:spPr>
+          <a:xfrm>
+            <a:off x="955332" y="4944184"/>
+            <a:ext cx="7576418" cy="770258"/>
+          </a:xfrm>
+          <a:prstGeom prst="rect">
+            <a:avLst/>
+          </a:prstGeom>
+          <a:noFill/>
+          <a:ln w="28575">
+            <a:solidFill>
+              <a:srgbClr val="7030A0"/>
+            </a:solidFill>
+          </a:ln>
+        </p:spPr>
+        <p:style>
+          <a:lnRef idx="2">
+            <a:schemeClr val="accent1">
+              <a:shade val="50000"/>
+            </a:schemeClr>
+          </a:lnRef>
+          <a:fillRef idx="1">
+            <a:schemeClr val="accent1"/>
+          </a:fillRef>
+          <a:effectRef idx="0">
+            <a:schemeClr val="accent1"/>
+          </a:effectRef>
+          <a:fontRef idx="minor">
+            <a:schemeClr val="lt1"/>
+          </a:fontRef>
+        </p:style>
+        <p:txBody>
+          <a:bodyPr rtlCol="0" anchor="ctr"/>
+          <a:lstStyle/>
+          <a:p>
+            <a:pPr algn="ctr"/>
+            <a:endParaRPr lang="en-US">
+              <a:solidFill>
+                <a:schemeClr val="accent2">
+                  <a:lumMod val="75000"/>
+                </a:schemeClr>
+              </a:solidFill>
+            </a:endParaRPr>
+          </a:p>
+        </p:txBody>
+      </p:sp>
+      <p:sp>
+        <p:nvSpPr>
+          <p:cNvPr id="50" name="Rectangle 49"/>
+          <p:cNvSpPr/>
+          <p:nvPr/>
+        </p:nvSpPr>
+        <p:spPr>
+          <a:xfrm>
+            <a:off x="1494846" y="5068717"/>
+            <a:ext cx="1057524" cy="415109"/>
+          </a:xfrm>
+          <a:prstGeom prst="rect">
+            <a:avLst/>
+          </a:prstGeom>
+          <a:noFill/>
+          <a:ln w="28575">
+            <a:solidFill>
+              <a:srgbClr val="7030A0"/>
+            </a:solidFill>
+          </a:ln>
+        </p:spPr>
+        <p:style>
+          <a:lnRef idx="2">
+            <a:schemeClr val="accent1">
+              <a:shade val="50000"/>
+            </a:schemeClr>
+          </a:lnRef>
+          <a:fillRef idx="1">
+            <a:schemeClr val="accent1"/>
+          </a:fillRef>
+          <a:effectRef idx="0">
+            <a:schemeClr val="accent1"/>
+          </a:effectRef>
+          <a:fontRef idx="minor">
+            <a:schemeClr val="lt1"/>
+          </a:fontRef>
+        </p:style>
+        <p:txBody>
+          <a:bodyPr rtlCol="0" anchor="ctr"/>
+          <a:lstStyle/>
+          <a:p>
+            <a:pPr algn="ctr"/>
+            <a:r>
+              <a:rPr lang="en-US" b="1" smtClean="0">
+                <a:solidFill>
+                  <a:srgbClr val="7030A0"/>
+                </a:solidFill>
+              </a:rPr>
+              <a:t>prev</a:t>
+            </a:r>
+            <a:endParaRPr lang="en-US" b="1">
+              <a:solidFill>
+                <a:srgbClr val="7030A0"/>
+              </a:solidFill>
+            </a:endParaRPr>
+          </a:p>
+        </p:txBody>
+      </p:sp>
+      <p:sp>
+        <p:nvSpPr>
+          <p:cNvPr id="51" name="Rectangle 50"/>
+          <p:cNvSpPr/>
+          <p:nvPr/>
+        </p:nvSpPr>
+        <p:spPr>
+          <a:xfrm>
+            <a:off x="5010650" y="5085661"/>
+            <a:ext cx="1057524" cy="415109"/>
+          </a:xfrm>
+          <a:prstGeom prst="rect">
+            <a:avLst/>
+          </a:prstGeom>
+          <a:noFill/>
+          <a:ln w="28575">
+            <a:solidFill>
+              <a:srgbClr val="7030A0"/>
+            </a:solidFill>
+          </a:ln>
+        </p:spPr>
+        <p:style>
+          <a:lnRef idx="2">
+            <a:schemeClr val="accent1">
+              <a:shade val="50000"/>
+            </a:schemeClr>
+          </a:lnRef>
+          <a:fillRef idx="1">
+            <a:schemeClr val="accent1"/>
+          </a:fillRef>
+          <a:effectRef idx="0">
+            <a:schemeClr val="accent1"/>
+          </a:effectRef>
+          <a:fontRef idx="minor">
+            <a:schemeClr val="lt1"/>
+          </a:fontRef>
+        </p:style>
+        <p:txBody>
+          <a:bodyPr rtlCol="0" anchor="ctr"/>
+          <a:lstStyle/>
+          <a:p>
+            <a:pPr algn="ctr"/>
+            <a:r>
+              <a:rPr lang="en-US" b="1" smtClean="0">
+                <a:solidFill>
+                  <a:srgbClr val="7030A0"/>
+                </a:solidFill>
+              </a:rPr>
+              <a:t>follow</a:t>
+            </a:r>
+            <a:endParaRPr lang="en-US" b="1">
+              <a:solidFill>
+                <a:srgbClr val="7030A0"/>
+              </a:solidFill>
+            </a:endParaRPr>
+          </a:p>
+        </p:txBody>
+      </p:sp>
+      <p:sp>
+        <p:nvSpPr>
+          <p:cNvPr id="52" name="TextBox 51"/>
+          <p:cNvSpPr txBox="1"/>
+          <p:nvPr/>
+        </p:nvSpPr>
+        <p:spPr>
+          <a:xfrm>
+            <a:off x="2489763" y="5376707"/>
+            <a:ext cx="417102" cy="369332"/>
+          </a:xfrm>
+          <a:prstGeom prst="rect">
+            <a:avLst/>
+          </a:prstGeom>
+          <a:noFill/>
+          <a:ln>
+            <a:noFill/>
+          </a:ln>
+        </p:spPr>
+        <p:txBody>
+          <a:bodyPr wrap="none" rtlCol="0">
+            <a:spAutoFit/>
+          </a:bodyPr>
+          <a:lstStyle/>
+          <a:p>
+            <a:r>
+              <a:rPr lang="en-US" b="1" smtClean="0">
+                <a:solidFill>
+                  <a:srgbClr val="7030A0"/>
+                </a:solidFill>
+              </a:rPr>
+              <a:t>e4</a:t>
+            </a:r>
+            <a:endParaRPr lang="en-US" b="1">
+              <a:solidFill>
+                <a:srgbClr val="7030A0"/>
+              </a:solidFill>
+            </a:endParaRPr>
+          </a:p>
+        </p:txBody>
+      </p:sp>
+      <p:sp>
+        <p:nvSpPr>
+          <p:cNvPr id="53" name="TextBox 52"/>
+          <p:cNvSpPr txBox="1"/>
+          <p:nvPr/>
+        </p:nvSpPr>
+        <p:spPr>
+          <a:xfrm>
+            <a:off x="6068174" y="5360909"/>
+            <a:ext cx="543739" cy="369332"/>
+          </a:xfrm>
+          <a:prstGeom prst="rect">
+            <a:avLst/>
+          </a:prstGeom>
+          <a:noFill/>
+          <a:ln>
+            <a:noFill/>
+          </a:ln>
+        </p:spPr>
+        <p:txBody>
+          <a:bodyPr wrap="none" rtlCol="0">
+            <a:spAutoFit/>
+          </a:bodyPr>
+          <a:lstStyle/>
+          <a:p>
+            <a:r>
+              <a:rPr lang="en-US" b="1" smtClean="0">
+                <a:solidFill>
+                  <a:srgbClr val="7030A0"/>
+                </a:solidFill>
+              </a:rPr>
+              <a:t>null</a:t>
+            </a:r>
+            <a:endParaRPr lang="en-US" b="1">
+              <a:solidFill>
+                <a:srgbClr val="7030A0"/>
+              </a:solidFill>
+            </a:endParaRPr>
+          </a:p>
+        </p:txBody>
+      </p:sp>
+      <p:sp>
+        <p:nvSpPr>
+          <p:cNvPr id="54" name="Rectangle 53"/>
+          <p:cNvSpPr/>
+          <p:nvPr/>
+        </p:nvSpPr>
+        <p:spPr>
+          <a:xfrm>
+            <a:off x="3278692" y="5068717"/>
+            <a:ext cx="1057524" cy="415109"/>
+          </a:xfrm>
+          <a:prstGeom prst="rect">
+            <a:avLst/>
+          </a:prstGeom>
+          <a:noFill/>
+          <a:ln w="28575">
+            <a:solidFill>
+              <a:srgbClr val="7030A0"/>
+            </a:solidFill>
+          </a:ln>
+        </p:spPr>
+        <p:style>
+          <a:lnRef idx="2">
+            <a:schemeClr val="accent1">
+              <a:shade val="50000"/>
+            </a:schemeClr>
+          </a:lnRef>
+          <a:fillRef idx="1">
+            <a:schemeClr val="accent1"/>
+          </a:fillRef>
+          <a:effectRef idx="0">
+            <a:schemeClr val="accent1"/>
+          </a:effectRef>
+          <a:fontRef idx="minor">
+            <a:schemeClr val="lt1"/>
+          </a:fontRef>
+        </p:style>
+        <p:txBody>
+          <a:bodyPr rtlCol="0" anchor="ctr"/>
+          <a:lstStyle/>
+          <a:p>
+            <a:pPr algn="ctr"/>
+            <a:r>
+              <a:rPr lang="en-US" b="1" smtClean="0">
+                <a:solidFill>
+                  <a:srgbClr val="7030A0"/>
+                </a:solidFill>
+              </a:rPr>
+              <a:t>val</a:t>
+            </a:r>
+            <a:endParaRPr lang="en-US" b="1">
+              <a:solidFill>
+                <a:srgbClr val="7030A0"/>
+              </a:solidFill>
+            </a:endParaRPr>
+          </a:p>
+        </p:txBody>
+      </p:sp>
+      <p:sp>
+        <p:nvSpPr>
+          <p:cNvPr id="55" name="TextBox 54"/>
+          <p:cNvSpPr txBox="1"/>
+          <p:nvPr/>
+        </p:nvSpPr>
+        <p:spPr>
+          <a:xfrm>
+            <a:off x="4336216" y="5343965"/>
+            <a:ext cx="301686" cy="369332"/>
+          </a:xfrm>
+          <a:prstGeom prst="rect">
+            <a:avLst/>
+          </a:prstGeom>
+          <a:noFill/>
+          <a:ln>
+            <a:noFill/>
+          </a:ln>
+        </p:spPr>
+        <p:txBody>
+          <a:bodyPr wrap="none" rtlCol="0">
+            <a:spAutoFit/>
+          </a:bodyPr>
+          <a:lstStyle/>
+          <a:p>
+            <a:r>
+              <a:rPr lang="en-US" b="1" smtClean="0">
+                <a:solidFill>
+                  <a:srgbClr val="7030A0"/>
+                </a:solidFill>
+              </a:rPr>
+              <a:t>3</a:t>
+            </a:r>
+            <a:endParaRPr lang="en-US" b="1">
+              <a:solidFill>
+                <a:srgbClr val="7030A0"/>
+              </a:solidFill>
+            </a:endParaRPr>
+          </a:p>
+        </p:txBody>
+      </p:sp>
+      <p:sp>
+        <p:nvSpPr>
+          <p:cNvPr id="56" name="TextBox 55"/>
+          <p:cNvSpPr txBox="1"/>
+          <p:nvPr/>
+        </p:nvSpPr>
+        <p:spPr>
+          <a:xfrm>
+            <a:off x="8685322" y="1235422"/>
+            <a:ext cx="671979" cy="369332"/>
+          </a:xfrm>
+          <a:prstGeom prst="rect">
+            <a:avLst/>
+          </a:prstGeom>
+          <a:noFill/>
+        </p:spPr>
+        <p:txBody>
+          <a:bodyPr wrap="none" rtlCol="0">
+            <a:spAutoFit/>
+          </a:bodyPr>
+          <a:lstStyle/>
+          <a:p>
+            <a:r>
+              <a:rPr lang="en-US" b="1" smtClean="0">
+                <a:solidFill>
+                  <a:srgbClr val="7030A0"/>
+                </a:solidFill>
+              </a:rPr>
+              <a:t>N = 3</a:t>
+            </a:r>
+            <a:endParaRPr lang="en-US" b="1">
+              <a:solidFill>
+                <a:srgbClr val="7030A0"/>
+              </a:solidFill>
+            </a:endParaRPr>
+          </a:p>
+        </p:txBody>
+      </p:sp>
+      <p:sp>
+        <p:nvSpPr>
+          <p:cNvPr id="57" name="TextBox 56"/>
+          <p:cNvSpPr txBox="1"/>
+          <p:nvPr/>
+        </p:nvSpPr>
+        <p:spPr>
+          <a:xfrm>
+            <a:off x="5439267" y="1399504"/>
+            <a:ext cx="417102" cy="369332"/>
+          </a:xfrm>
+          <a:prstGeom prst="rect">
+            <a:avLst/>
+          </a:prstGeom>
+          <a:noFill/>
+          <a:ln>
+            <a:noFill/>
+          </a:ln>
+        </p:spPr>
+        <p:txBody>
+          <a:bodyPr wrap="none" rtlCol="0">
+            <a:spAutoFit/>
+          </a:bodyPr>
+          <a:lstStyle/>
+          <a:p>
+            <a:r>
+              <a:rPr lang="en-US" b="1" smtClean="0">
+                <a:solidFill>
+                  <a:srgbClr val="7030A0"/>
+                </a:solidFill>
+              </a:rPr>
+              <a:t>e5</a:t>
+            </a:r>
+            <a:endParaRPr lang="en-US" b="1">
+              <a:solidFill>
+                <a:srgbClr val="7030A0"/>
+              </a:solidFill>
+            </a:endParaRPr>
+          </a:p>
+        </p:txBody>
+      </p:sp>
+      <p:cxnSp>
+        <p:nvCxnSpPr>
+          <p:cNvPr id="58" name="Straight Connector 57"/>
+          <p:cNvCxnSpPr/>
+          <p:nvPr/>
+        </p:nvCxnSpPr>
+        <p:spPr>
+          <a:xfrm flipH="1">
+            <a:off x="5068747" y="1505758"/>
+            <a:ext cx="417102" cy="230615"/>
+          </a:xfrm>
+          <a:prstGeom prst="line">
+            <a:avLst/>
+          </a:prstGeom>
+          <a:ln w="28575">
+            <a:solidFill>
+              <a:srgbClr val="7030A0"/>
+            </a:solidFill>
+          </a:ln>
+        </p:spPr>
+        <p:style>
+          <a:lnRef idx="1">
+            <a:schemeClr val="accent1"/>
+          </a:lnRef>
+          <a:fillRef idx="0">
+            <a:schemeClr val="accent1"/>
+          </a:fillRef>
+          <a:effectRef idx="0">
+            <a:schemeClr val="accent1"/>
+          </a:effectRef>
+          <a:fontRef idx="minor">
+            <a:schemeClr val="tx1"/>
+          </a:fontRef>
+        </p:style>
+      </p:cxnSp>
+      <p:cxnSp>
+        <p:nvCxnSpPr>
+          <p:cNvPr id="59" name="Straight Connector 58"/>
+          <p:cNvCxnSpPr/>
+          <p:nvPr/>
+        </p:nvCxnSpPr>
+        <p:spPr>
+          <a:xfrm flipH="1">
+            <a:off x="6131492" y="4418640"/>
+            <a:ext cx="417102" cy="230615"/>
+          </a:xfrm>
+          <a:prstGeom prst="line">
+            <a:avLst/>
+          </a:prstGeom>
+          <a:ln w="28575">
+            <a:solidFill>
+              <a:srgbClr val="7030A0"/>
+            </a:solidFill>
+          </a:ln>
+        </p:spPr>
+        <p:style>
+          <a:lnRef idx="1">
+            <a:schemeClr val="accent1"/>
+          </a:lnRef>
+          <a:fillRef idx="0">
+            <a:schemeClr val="accent1"/>
+          </a:fillRef>
+          <a:effectRef idx="0">
+            <a:schemeClr val="accent1"/>
+          </a:effectRef>
+          <a:fontRef idx="minor">
+            <a:schemeClr val="tx1"/>
+          </a:fontRef>
+        </p:style>
+      </p:cxnSp>
+      <p:sp>
+        <p:nvSpPr>
+          <p:cNvPr id="60" name="TextBox 59"/>
+          <p:cNvSpPr txBox="1"/>
+          <p:nvPr/>
+        </p:nvSpPr>
+        <p:spPr>
+          <a:xfrm>
+            <a:off x="6560543" y="4341383"/>
+            <a:ext cx="417102" cy="369332"/>
+          </a:xfrm>
+          <a:prstGeom prst="rect">
+            <a:avLst/>
+          </a:prstGeom>
+          <a:noFill/>
+          <a:ln>
+            <a:noFill/>
+          </a:ln>
+        </p:spPr>
+        <p:txBody>
+          <a:bodyPr wrap="none" rtlCol="0">
+            <a:spAutoFit/>
+          </a:bodyPr>
+          <a:lstStyle/>
+          <a:p>
+            <a:r>
+              <a:rPr lang="en-US" b="1" smtClean="0">
+                <a:solidFill>
+                  <a:srgbClr val="7030A0"/>
+                </a:solidFill>
+              </a:rPr>
+              <a:t>e5</a:t>
+            </a:r>
+            <a:endParaRPr lang="en-US" b="1">
+              <a:solidFill>
+                <a:srgbClr val="7030A0"/>
+              </a:solidFill>
+            </a:endParaRPr>
+          </a:p>
+        </p:txBody>
+      </p:sp>
+      <p:sp>
+        <p:nvSpPr>
+          <p:cNvPr id="61" name="TextBox 60"/>
+          <p:cNvSpPr txBox="1"/>
+          <p:nvPr/>
+        </p:nvSpPr>
+        <p:spPr>
+          <a:xfrm>
+            <a:off x="8926333" y="1345348"/>
+            <a:ext cx="245580" cy="923330"/>
+          </a:xfrm>
+          <a:prstGeom prst="rect">
+            <a:avLst/>
+          </a:prstGeom>
+          <a:noFill/>
+        </p:spPr>
+        <p:txBody>
+          <a:bodyPr wrap="none" rtlCol="0">
+            <a:spAutoFit/>
+          </a:bodyPr>
+          <a:lstStyle/>
+          <a:p>
+            <a:r>
+              <a:rPr lang="en-US" b="1" smtClean="0">
+                <a:solidFill>
+                  <a:srgbClr val="FF0000"/>
+                </a:solidFill>
+              </a:rPr>
+              <a:t>.</a:t>
+            </a:r>
+          </a:p>
+          <a:p>
+            <a:r>
+              <a:rPr lang="en-US" b="1" smtClean="0">
+                <a:solidFill>
+                  <a:srgbClr val="FF0000"/>
+                </a:solidFill>
+              </a:rPr>
+              <a:t>.</a:t>
+            </a:r>
+          </a:p>
+          <a:p>
+            <a:r>
+              <a:rPr lang="en-US" b="1">
+                <a:solidFill>
+                  <a:srgbClr val="FF0000"/>
+                </a:solidFill>
+              </a:rPr>
+              <a:t>.</a:t>
+            </a:r>
+          </a:p>
+        </p:txBody>
+      </p:sp>
+      <p:sp>
+        <p:nvSpPr>
+          <p:cNvPr id="62" name="TextBox 61"/>
+          <p:cNvSpPr txBox="1"/>
+          <p:nvPr/>
+        </p:nvSpPr>
+        <p:spPr>
+          <a:xfrm>
+            <a:off x="3561874" y="5746039"/>
+            <a:ext cx="245580" cy="923330"/>
+          </a:xfrm>
+          <a:prstGeom prst="rect">
+            <a:avLst/>
+          </a:prstGeom>
+          <a:noFill/>
+        </p:spPr>
+        <p:txBody>
+          <a:bodyPr wrap="none" rtlCol="0">
+            <a:spAutoFit/>
+          </a:bodyPr>
+          <a:lstStyle/>
+          <a:p>
+            <a:r>
+              <a:rPr lang="en-US" b="1" smtClean="0">
+                <a:solidFill>
+                  <a:srgbClr val="FF0000"/>
+                </a:solidFill>
+              </a:rPr>
+              <a:t>.</a:t>
+            </a:r>
+          </a:p>
+          <a:p>
+            <a:r>
+              <a:rPr lang="en-US" b="1" smtClean="0">
+                <a:solidFill>
+                  <a:srgbClr val="FF0000"/>
+                </a:solidFill>
+              </a:rPr>
+              <a:t>.</a:t>
+            </a:r>
+          </a:p>
+          <a:p>
+            <a:r>
+              <a:rPr lang="en-US" b="1">
+                <a:solidFill>
+                  <a:srgbClr val="FF0000"/>
+                </a:solidFill>
+              </a:rPr>
+              <a:t>.</a:t>
+            </a:r>
+          </a:p>
+        </p:txBody>
+      </p:sp>
+      <p:sp>
+        <p:nvSpPr>
+          <p:cNvPr id="63" name="TextBox 62"/>
+          <p:cNvSpPr txBox="1"/>
+          <p:nvPr/>
+        </p:nvSpPr>
+        <p:spPr>
+          <a:xfrm>
+            <a:off x="8694614" y="2195812"/>
+            <a:ext cx="2665923" cy="1754326"/>
+          </a:xfrm>
+          <a:prstGeom prst="rect">
+            <a:avLst/>
+          </a:prstGeom>
+          <a:noFill/>
+        </p:spPr>
+        <p:txBody>
+          <a:bodyPr wrap="none" rtlCol="0">
+            <a:spAutoFit/>
+          </a:bodyPr>
+          <a:lstStyle/>
+          <a:p>
+            <a:r>
               <a:rPr lang="en-US" sz="1200" smtClean="0"/>
               <a:t>traverseQueue </a:t>
             </a:r>
@@ -12193,11 +19677,15 @@
           <a:p>
             <a:r>
               <a:rPr lang="en-US" sz="1200" smtClean="0"/>
-              <a:t>       traverseQueue(queueIn$q</a:t>
+              <a:t>       </a:t>
+            </a:r>
+            <a:r>
+              <a:rPr lang="en-US" sz="1200" smtClean="0"/>
+              <a:t>traverseQueue(queueIn$follow, </a:t>
             </a:r>
             <a:r>
               <a:rPr lang="en-US" sz="1200"/>
-              <a:t>, n)</a:t>
+              <a:t>n)</a:t>
             </a:r>
           </a:p>
           <a:p>
@@ -12250,10 +19738,110 @@
           </a:p>
         </p:txBody>
       </p:sp>
+      <p:sp>
+        <p:nvSpPr>
+          <p:cNvPr id="66" name="TextBox 65"/>
+          <p:cNvSpPr txBox="1"/>
+          <p:nvPr/>
+        </p:nvSpPr>
+        <p:spPr>
+          <a:xfrm>
+            <a:off x="2545160" y="458476"/>
+            <a:ext cx="417102" cy="369332"/>
+          </a:xfrm>
+          <a:prstGeom prst="rect">
+            <a:avLst/>
+          </a:prstGeom>
+          <a:noFill/>
+        </p:spPr>
+        <p:txBody>
+          <a:bodyPr wrap="none" rtlCol="0">
+            <a:spAutoFit/>
+          </a:bodyPr>
+          <a:lstStyle/>
+          <a:p>
+            <a:r>
+              <a:rPr lang="en-US" smtClean="0">
+                <a:solidFill>
+                  <a:schemeClr val="accent1">
+                    <a:lumMod val="50000"/>
+                  </a:schemeClr>
+                </a:solidFill>
+              </a:rPr>
+              <a:t>e1</a:t>
+            </a:r>
+            <a:endParaRPr lang="en-US">
+              <a:solidFill>
+                <a:schemeClr val="accent1">
+                  <a:lumMod val="50000"/>
+                </a:schemeClr>
+              </a:solidFill>
+            </a:endParaRPr>
+          </a:p>
+        </p:txBody>
+      </p:sp>
+      <p:sp>
+        <p:nvSpPr>
+          <p:cNvPr id="67" name="TextBox 66"/>
+          <p:cNvSpPr txBox="1"/>
+          <p:nvPr/>
+        </p:nvSpPr>
+        <p:spPr>
+          <a:xfrm>
+            <a:off x="3611993" y="1652"/>
+            <a:ext cx="3854838" cy="923330"/>
+          </a:xfrm>
+          <a:prstGeom prst="rect">
+            <a:avLst/>
+          </a:prstGeom>
+          <a:noFill/>
+        </p:spPr>
+        <p:txBody>
+          <a:bodyPr wrap="none" rtlCol="0">
+            <a:spAutoFit/>
+          </a:bodyPr>
+          <a:lstStyle/>
+          <a:p>
+            <a:r>
+              <a:rPr lang="en-US" smtClean="0"/>
+              <a:t>{ </a:t>
+            </a:r>
+            <a:r>
+              <a:rPr lang="en-US" smtClean="0"/>
+              <a:t>Double-linked List,</a:t>
+            </a:r>
+          </a:p>
+          <a:p>
+            <a:r>
+              <a:rPr lang="en-US"/>
+              <a:t> </a:t>
+            </a:r>
+            <a:r>
+              <a:rPr lang="en-US" smtClean="0"/>
+              <a:t>  with ‘q’ instead of ‘next’</a:t>
+            </a:r>
+          </a:p>
+          <a:p>
+            <a:r>
+              <a:rPr lang="en-US"/>
+              <a:t> </a:t>
+            </a:r>
+            <a:r>
+              <a:rPr lang="en-US" smtClean="0"/>
+              <a:t>   and excess environments e1 and e2 </a:t>
+            </a:r>
+            <a:r>
+              <a:rPr lang="en-US" smtClean="0"/>
+              <a:t>}</a:t>
+            </a:r>
+            <a:endParaRPr lang="en-US"/>
+          </a:p>
+        </p:txBody>
+      </p:sp>
     </p:spTree>
     <p:extLst>
       <p:ext uri="{BB962C8B-B14F-4D97-AF65-F5344CB8AC3E}">
-        <p14:creationId xmlns:p14="http://schemas.microsoft.com/office/powerpoint/2010/main" val="637848313"/>
+        <p14:creationId xmlns:p14="http://schemas.microsoft.com/office/powerpoint/2010/main" val="2124053869"/>
       </p:ext>
     </p:extLst>
   </p:cSld>
